--- a/Term-project[Deep Food image classifier]/Deep Food Image Classifier [mid-update].pptx
+++ b/Term-project[Deep Food image classifier]/Deep Food Image Classifier [mid-update].pptx
@@ -6,7 +6,7 @@
     <p:sldMasterId id="2147483668" r:id="rId2"/>
   </p:sldMasterIdLst>
   <p:notesMasterIdLst>
-    <p:notesMasterId r:id="rId21"/>
+    <p:notesMasterId r:id="rId33"/>
   </p:notesMasterIdLst>
   <p:sldIdLst>
     <p:sldId id="256" r:id="rId3"/>
@@ -27,6 +27,18 @@
     <p:sldId id="272" r:id="rId18"/>
     <p:sldId id="267" r:id="rId19"/>
     <p:sldId id="268" r:id="rId20"/>
+    <p:sldId id="279" r:id="rId21"/>
+    <p:sldId id="280" r:id="rId22"/>
+    <p:sldId id="281" r:id="rId23"/>
+    <p:sldId id="282" r:id="rId24"/>
+    <p:sldId id="283" r:id="rId25"/>
+    <p:sldId id="284" r:id="rId26"/>
+    <p:sldId id="285" r:id="rId27"/>
+    <p:sldId id="286" r:id="rId28"/>
+    <p:sldId id="287" r:id="rId29"/>
+    <p:sldId id="288" r:id="rId30"/>
+    <p:sldId id="289" r:id="rId31"/>
+    <p:sldId id="290" r:id="rId32"/>
   </p:sldIdLst>
   <p:sldSz cx="9144000" cy="5143500" type="screen16x9"/>
   <p:notesSz cx="6858000" cy="9144000"/>
@@ -215,7 +227,7 @@
           <a:p>
             <a:fld id="{5258AE8A-6502-4C75-804D-865BB6614FD9}" type="datetimeFigureOut">
               <a:rPr lang="en-US" smtClean="0"/>
-              <a:t>11/10/2025</a:t>
+              <a:t>11/17/2025</a:t>
             </a:fld>
             <a:endParaRPr lang="en-US"/>
           </a:p>
@@ -9506,8 +9518,8 @@
         </p:nvSpPr>
         <p:spPr>
           <a:xfrm>
-            <a:off x="228600" y="-416160"/>
-            <a:ext cx="5619240" cy="2377800"/>
+            <a:off x="299483" y="171093"/>
+            <a:ext cx="5619240" cy="2400657"/>
           </a:xfrm>
           <a:prstGeom prst="rect">
             <a:avLst/>
@@ -9533,7 +9545,7 @@
               </a:tabLst>
             </a:pPr>
             <a:r>
-              <a:rPr lang="en" sz="7200" b="1" u="none" strike="noStrike">
+              <a:rPr lang="en-US" sz="7200" b="1" u="none" strike="noStrike" dirty="0">
                 <a:solidFill>
                   <a:schemeClr val="dk1"/>
                 </a:solidFill>
@@ -9542,9 +9554,9 @@
                 <a:latin typeface="Space Grotesk"/>
                 <a:ea typeface="Space Grotesk"/>
               </a:rPr>
-              <a:t>Thank you</a:t>
-            </a:r>
-            <a:endParaRPr lang="fr-FR" sz="7200" b="0" u="none" strike="noStrike">
+              <a:t>Project Update</a:t>
+            </a:r>
+            <a:endParaRPr lang="fr-FR" sz="7200" b="0" u="none" strike="noStrike" dirty="0">
               <a:solidFill>
                 <a:schemeClr val="dk1"/>
               </a:solidFill>
@@ -9653,6 +9665,304 @@
         </p:spPr>
       </p:pic>
     </p:spTree>
+  </p:cSld>
+  <p:clrMapOvr>
+    <a:masterClrMapping/>
+  </p:clrMapOvr>
+</p:sld>
+</file>
+
+<file path=ppt/slides/slide19.xml><?xml version="1.0" encoding="utf-8"?>
+<p:sld xmlns:a="http://schemas.openxmlformats.org/drawingml/2006/main" xmlns:r="http://schemas.openxmlformats.org/officeDocument/2006/relationships" xmlns:p="http://schemas.openxmlformats.org/presentationml/2006/main">
+  <p:cSld>
+    <p:spTree>
+      <p:nvGrpSpPr>
+        <p:cNvPr id="1" name=""/>
+        <p:cNvGrpSpPr/>
+        <p:nvPr/>
+      </p:nvGrpSpPr>
+      <p:grpSpPr>
+        <a:xfrm>
+          <a:off x="0" y="0"/>
+          <a:ext cx="0" cy="0"/>
+          <a:chOff x="0" y="0"/>
+          <a:chExt cx="0" cy="0"/>
+        </a:xfrm>
+      </p:grpSpPr>
+      <p:sp>
+        <p:nvSpPr>
+          <p:cNvPr id="59" name="PlaceHolder 1"/>
+          <p:cNvSpPr>
+            <a:spLocks noGrp="1"/>
+          </p:cNvSpPr>
+          <p:nvPr>
+            <p:ph type="title"/>
+          </p:nvPr>
+        </p:nvSpPr>
+        <p:spPr>
+          <a:xfrm>
+            <a:off x="143540" y="133920"/>
+            <a:ext cx="7495920" cy="1504440"/>
+          </a:xfrm>
+          <a:prstGeom prst="rect">
+            <a:avLst/>
+          </a:prstGeom>
+          <a:noFill/>
+          <a:ln w="0">
+            <a:noFill/>
+          </a:ln>
+        </p:spPr>
+        <p:txBody>
+          <a:bodyPr lIns="91440" tIns="91440" rIns="91440" bIns="91440" anchor="b">
+            <a:normAutofit/>
+          </a:bodyPr>
+          <a:lstStyle/>
+          <a:p>
+            <a:pPr>
+              <a:lnSpc>
+                <a:spcPct val="100000"/>
+              </a:lnSpc>
+              <a:tabLst>
+                <a:tab pos="0" algn="l"/>
+              </a:tabLst>
+            </a:pPr>
+            <a:r>
+              <a:rPr lang="fr-FR" sz="2600" b="1" dirty="0">
+                <a:solidFill>
+                  <a:schemeClr val="dk1"/>
+                </a:solidFill>
+                <a:latin typeface="Space Grotesk"/>
+              </a:rPr>
+              <a:t>PROBLEM RECAP &amp; PREVIOUS ISSUES</a:t>
+            </a:r>
+            <a:endParaRPr lang="fr-FR" sz="2600" b="1" u="none" strike="noStrike" dirty="0">
+              <a:solidFill>
+                <a:schemeClr val="dk1"/>
+              </a:solidFill>
+              <a:effectLst/>
+              <a:uFillTx/>
+              <a:latin typeface="Space Grotesk"/>
+            </a:endParaRPr>
+          </a:p>
+        </p:txBody>
+      </p:sp>
+      <p:sp>
+        <p:nvSpPr>
+          <p:cNvPr id="60" name="PlaceHolder 2"/>
+          <p:cNvSpPr>
+            <a:spLocks noGrp="1"/>
+          </p:cNvSpPr>
+          <p:nvPr>
+            <p:ph type="subTitle"/>
+          </p:nvPr>
+        </p:nvSpPr>
+        <p:spPr>
+          <a:xfrm>
+            <a:off x="2523960" y="1743740"/>
+            <a:ext cx="6391080" cy="3161413"/>
+          </a:xfrm>
+          <a:prstGeom prst="rect">
+            <a:avLst/>
+          </a:prstGeom>
+          <a:noFill/>
+          <a:ln w="0">
+            <a:noFill/>
+          </a:ln>
+        </p:spPr>
+        <p:txBody>
+          <a:bodyPr lIns="91440" tIns="91440" rIns="91440" bIns="91440" anchor="t">
+            <a:normAutofit fontScale="32500" lnSpcReduction="20000"/>
+          </a:bodyPr>
+          <a:lstStyle/>
+          <a:p>
+            <a:pPr>
+              <a:lnSpc>
+                <a:spcPct val="120000"/>
+              </a:lnSpc>
+            </a:pPr>
+            <a:r>
+              <a:rPr lang="en-US" b="1" u="sng" dirty="0">
+                <a:latin typeface="Hind"/>
+              </a:rPr>
+              <a:t>Previous Presentation Issues:</a:t>
+            </a:r>
+            <a:endParaRPr lang="en-US" u="sng" dirty="0">
+              <a:latin typeface="Hind"/>
+            </a:endParaRPr>
+          </a:p>
+          <a:p>
+            <a:pPr marL="571500" indent="-571500">
+              <a:lnSpc>
+                <a:spcPct val="120000"/>
+              </a:lnSpc>
+              <a:buFont typeface="Arial" panose="020B0604020202020204" pitchFamily="34" charset="0"/>
+              <a:buChar char="•"/>
+            </a:pPr>
+            <a:r>
+              <a:rPr lang="en-US" dirty="0">
+                <a:latin typeface="Hind"/>
+              </a:rPr>
+              <a:t>Baseline model severely underfitted (training loss stayed high)</a:t>
+            </a:r>
+          </a:p>
+          <a:p>
+            <a:pPr marL="571500" indent="-571500">
+              <a:lnSpc>
+                <a:spcPct val="120000"/>
+              </a:lnSpc>
+              <a:buFont typeface="Arial" panose="020B0604020202020204" pitchFamily="34" charset="0"/>
+              <a:buChar char="•"/>
+            </a:pPr>
+            <a:r>
+              <a:rPr lang="en-US" dirty="0">
+                <a:latin typeface="Hind"/>
+              </a:rPr>
+              <a:t>Val loss flat at ~3.2, never improved</a:t>
+            </a:r>
+          </a:p>
+          <a:p>
+            <a:pPr marL="571500" indent="-571500">
+              <a:lnSpc>
+                <a:spcPct val="120000"/>
+              </a:lnSpc>
+              <a:buFont typeface="Arial" panose="020B0604020202020204" pitchFamily="34" charset="0"/>
+              <a:buChar char="•"/>
+            </a:pPr>
+            <a:r>
+              <a:rPr lang="en-US" dirty="0">
+                <a:latin typeface="Hind"/>
+              </a:rPr>
+              <a:t>Poor feature learning and gradient flow</a:t>
+            </a:r>
+          </a:p>
+          <a:p>
+            <a:pPr marL="571500" indent="-571500">
+              <a:lnSpc>
+                <a:spcPct val="120000"/>
+              </a:lnSpc>
+              <a:buFont typeface="Arial" panose="020B0604020202020204" pitchFamily="34" charset="0"/>
+              <a:buChar char="•"/>
+            </a:pPr>
+            <a:r>
+              <a:rPr lang="en-US" dirty="0">
+                <a:latin typeface="Hind"/>
+              </a:rPr>
+              <a:t>Limited model capacity for 25 food classes</a:t>
+            </a:r>
+          </a:p>
+          <a:p>
+            <a:pPr>
+              <a:lnSpc>
+                <a:spcPct val="120000"/>
+              </a:lnSpc>
+            </a:pPr>
+            <a:endParaRPr lang="en-US" dirty="0">
+              <a:latin typeface="Hind"/>
+            </a:endParaRPr>
+          </a:p>
+          <a:p>
+            <a:pPr>
+              <a:lnSpc>
+                <a:spcPct val="120000"/>
+              </a:lnSpc>
+            </a:pPr>
+            <a:r>
+              <a:rPr lang="en-US" b="1" u="sng" dirty="0">
+                <a:latin typeface="Hind"/>
+              </a:rPr>
+              <a:t>Root Causes Identified:</a:t>
+            </a:r>
+            <a:endParaRPr lang="en-US" u="sng" dirty="0">
+              <a:latin typeface="Hind"/>
+            </a:endParaRPr>
+          </a:p>
+          <a:p>
+            <a:pPr marL="742950" indent="-742950">
+              <a:lnSpc>
+                <a:spcPct val="120000"/>
+              </a:lnSpc>
+              <a:buFont typeface="+mj-lt"/>
+              <a:buAutoNum type="arabicPeriod"/>
+            </a:pPr>
+            <a:r>
+              <a:rPr lang="en-US" dirty="0">
+                <a:latin typeface="Hind"/>
+              </a:rPr>
+              <a:t>Shallow architecture (insufficient depth)</a:t>
+            </a:r>
+          </a:p>
+          <a:p>
+            <a:pPr marL="742950" indent="-742950">
+              <a:lnSpc>
+                <a:spcPct val="120000"/>
+              </a:lnSpc>
+              <a:buFont typeface="+mj-lt"/>
+              <a:buAutoNum type="arabicPeriod"/>
+            </a:pPr>
+            <a:r>
+              <a:rPr lang="en-US" dirty="0">
+                <a:latin typeface="Hind"/>
+              </a:rPr>
+              <a:t>Aggressive </a:t>
+            </a:r>
+            <a:r>
+              <a:rPr lang="en-US" dirty="0" err="1">
+                <a:latin typeface="Hind"/>
+              </a:rPr>
+              <a:t>downsampling</a:t>
+            </a:r>
+            <a:r>
+              <a:rPr lang="en-US" dirty="0">
+                <a:latin typeface="Hind"/>
+              </a:rPr>
+              <a:t> (lost spatial information)</a:t>
+            </a:r>
+          </a:p>
+          <a:p>
+            <a:pPr marL="742950" indent="-742950">
+              <a:lnSpc>
+                <a:spcPct val="120000"/>
+              </a:lnSpc>
+              <a:buFont typeface="+mj-lt"/>
+              <a:buAutoNum type="arabicPeriod"/>
+            </a:pPr>
+            <a:r>
+              <a:rPr lang="en-US" dirty="0">
+                <a:latin typeface="Hind"/>
+              </a:rPr>
+              <a:t>Weak data augmentation</a:t>
+            </a:r>
+          </a:p>
+          <a:p>
+            <a:pPr marL="742950" indent="-742950">
+              <a:lnSpc>
+                <a:spcPct val="120000"/>
+              </a:lnSpc>
+              <a:buFont typeface="+mj-lt"/>
+              <a:buAutoNum type="arabicPeriod"/>
+            </a:pPr>
+            <a:r>
+              <a:rPr lang="en-US" dirty="0">
+                <a:latin typeface="Hind"/>
+              </a:rPr>
+              <a:t>Suboptimal hyperparameters</a:t>
+            </a:r>
+            <a:endParaRPr lang="en-US" sz="1600" dirty="0">
+              <a:solidFill>
+                <a:schemeClr val="dk1"/>
+              </a:solidFill>
+              <a:latin typeface="Hind"/>
+              <a:ea typeface="Hind"/>
+            </a:endParaRPr>
+          </a:p>
+        </p:txBody>
+      </p:sp>
+    </p:spTree>
+    <p:extLst>
+      <p:ext uri="{BB962C8B-B14F-4D97-AF65-F5344CB8AC3E}">
+        <p14:creationId xmlns:p14="http://schemas.microsoft.com/office/powerpoint/2010/main" val="2478234885"/>
+      </p:ext>
+    </p:extLst>
   </p:cSld>
   <p:clrMapOvr>
     <a:masterClrMapping/>
@@ -9852,6 +10162,7185 @@
 </p:sld>
 </file>
 
+<file path=ppt/slides/slide20.xml><?xml version="1.0" encoding="utf-8"?>
+<p:sld xmlns:a="http://schemas.openxmlformats.org/drawingml/2006/main" xmlns:r="http://schemas.openxmlformats.org/officeDocument/2006/relationships" xmlns:p="http://schemas.openxmlformats.org/presentationml/2006/main">
+  <p:cSld>
+    <p:spTree>
+      <p:nvGrpSpPr>
+        <p:cNvPr id="1" name=""/>
+        <p:cNvGrpSpPr/>
+        <p:nvPr/>
+      </p:nvGrpSpPr>
+      <p:grpSpPr>
+        <a:xfrm>
+          <a:off x="0" y="0"/>
+          <a:ext cx="0" cy="0"/>
+          <a:chOff x="0" y="0"/>
+          <a:chExt cx="0" cy="0"/>
+        </a:xfrm>
+      </p:grpSpPr>
+      <p:sp>
+        <p:nvSpPr>
+          <p:cNvPr id="66" name="PlaceHolder 1"/>
+          <p:cNvSpPr>
+            <a:spLocks noGrp="1"/>
+          </p:cNvSpPr>
+          <p:nvPr>
+            <p:ph type="title"/>
+          </p:nvPr>
+        </p:nvSpPr>
+        <p:spPr>
+          <a:xfrm>
+            <a:off x="228600" y="228600"/>
+            <a:ext cx="8809074" cy="515679"/>
+          </a:xfrm>
+          <a:prstGeom prst="rect">
+            <a:avLst/>
+          </a:prstGeom>
+          <a:noFill/>
+          <a:ln w="0">
+            <a:noFill/>
+          </a:ln>
+        </p:spPr>
+        <p:txBody>
+          <a:bodyPr lIns="91440" tIns="91440" rIns="91440" bIns="91440" anchor="t">
+            <a:normAutofit fontScale="90000"/>
+          </a:bodyPr>
+          <a:lstStyle/>
+          <a:p>
+            <a:pPr>
+              <a:lnSpc>
+                <a:spcPct val="100000"/>
+              </a:lnSpc>
+              <a:tabLst>
+                <a:tab pos="0" algn="l"/>
+              </a:tabLst>
+            </a:pPr>
+            <a:r>
+              <a:rPr lang="en-US" sz="2600" b="1" dirty="0">
+                <a:solidFill>
+                  <a:schemeClr val="dk1"/>
+                </a:solidFill>
+                <a:latin typeface="Space Grotesk"/>
+                <a:ea typeface="Space Grotesk"/>
+              </a:rPr>
+              <a:t>IMPROVED BASELINE ARCHITECTURE &amp; TRAINING OPTIMIZATIONS</a:t>
+            </a:r>
+            <a:endParaRPr lang="fr-FR" sz="2600" b="0" u="none" strike="noStrike" dirty="0">
+              <a:solidFill>
+                <a:schemeClr val="dk1"/>
+              </a:solidFill>
+              <a:effectLst/>
+              <a:uFillTx/>
+              <a:latin typeface="Arial"/>
+            </a:endParaRPr>
+          </a:p>
+        </p:txBody>
+      </p:sp>
+      <p:sp>
+        <p:nvSpPr>
+          <p:cNvPr id="67" name="PlaceHolder 2"/>
+          <p:cNvSpPr>
+            <a:spLocks noGrp="1"/>
+          </p:cNvSpPr>
+          <p:nvPr>
+            <p:ph type="subTitle"/>
+          </p:nvPr>
+        </p:nvSpPr>
+        <p:spPr>
+          <a:xfrm>
+            <a:off x="228600" y="871740"/>
+            <a:ext cx="4352400" cy="4042980"/>
+          </a:xfrm>
+          <a:prstGeom prst="rect">
+            <a:avLst/>
+          </a:prstGeom>
+          <a:noFill/>
+          <a:ln w="0">
+            <a:noFill/>
+          </a:ln>
+        </p:spPr>
+        <p:txBody>
+          <a:bodyPr lIns="91440" tIns="91440" rIns="91440" bIns="91440" anchor="t">
+            <a:normAutofit fontScale="92500" lnSpcReduction="10000"/>
+          </a:bodyPr>
+          <a:lstStyle/>
+          <a:p>
+            <a:pPr>
+              <a:lnSpc>
+                <a:spcPct val="150000"/>
+              </a:lnSpc>
+              <a:tabLst>
+                <a:tab pos="0" algn="l"/>
+              </a:tabLst>
+            </a:pPr>
+            <a:r>
+              <a:rPr lang="en-US" sz="1200" b="1" i="1" u="sng" dirty="0">
+                <a:solidFill>
+                  <a:srgbClr val="FFFFFF"/>
+                </a:solidFill>
+                <a:latin typeface="OpenSymbol"/>
+              </a:rPr>
+              <a:t>Key Architectural Changes:</a:t>
+            </a:r>
+          </a:p>
+          <a:p>
+            <a:pPr>
+              <a:lnSpc>
+                <a:spcPct val="150000"/>
+              </a:lnSpc>
+              <a:tabLst>
+                <a:tab pos="0" algn="l"/>
+              </a:tabLst>
+            </a:pPr>
+            <a:endParaRPr lang="en-US" sz="1200" b="1" i="1" dirty="0">
+              <a:solidFill>
+                <a:srgbClr val="FFFFFF"/>
+              </a:solidFill>
+              <a:latin typeface="OpenSymbol"/>
+            </a:endParaRPr>
+          </a:p>
+          <a:p>
+            <a:pPr>
+              <a:lnSpc>
+                <a:spcPct val="150000"/>
+              </a:lnSpc>
+              <a:tabLst>
+                <a:tab pos="0" algn="l"/>
+              </a:tabLst>
+            </a:pPr>
+            <a:r>
+              <a:rPr lang="en-US" sz="1200" b="1" i="1" dirty="0">
+                <a:solidFill>
+                  <a:srgbClr val="FFFFFF"/>
+                </a:solidFill>
+                <a:latin typeface="OpenSymbol"/>
+              </a:rPr>
+              <a:t>Residual Connections </a:t>
+            </a:r>
+            <a:r>
+              <a:rPr lang="en-US" sz="1200" i="1" dirty="0">
+                <a:solidFill>
+                  <a:srgbClr val="FFFFFF"/>
+                </a:solidFill>
+                <a:latin typeface="OpenSymbol"/>
+              </a:rPr>
+              <a:t>- Better gradient flow through 4 blocks</a:t>
+            </a:r>
+          </a:p>
+          <a:p>
+            <a:pPr marL="171450" indent="-171450">
+              <a:lnSpc>
+                <a:spcPct val="150000"/>
+              </a:lnSpc>
+              <a:buFont typeface="Arial" panose="020B0604020202020204" pitchFamily="34" charset="0"/>
+              <a:buChar char="•"/>
+              <a:tabLst>
+                <a:tab pos="0" algn="l"/>
+              </a:tabLst>
+            </a:pPr>
+            <a:r>
+              <a:rPr lang="en-US" sz="1200" i="1" dirty="0">
+                <a:solidFill>
+                  <a:srgbClr val="FFFFFF"/>
+                </a:solidFill>
+                <a:latin typeface="OpenSymbol"/>
+              </a:rPr>
+              <a:t>Block 1: 64→128 channels</a:t>
+            </a:r>
+          </a:p>
+          <a:p>
+            <a:pPr marL="171450" indent="-171450">
+              <a:lnSpc>
+                <a:spcPct val="150000"/>
+              </a:lnSpc>
+              <a:buFont typeface="Arial" panose="020B0604020202020204" pitchFamily="34" charset="0"/>
+              <a:buChar char="•"/>
+              <a:tabLst>
+                <a:tab pos="0" algn="l"/>
+              </a:tabLst>
+            </a:pPr>
+            <a:r>
+              <a:rPr lang="en-US" sz="1200" i="1" dirty="0">
+                <a:solidFill>
+                  <a:srgbClr val="FFFFFF"/>
+                </a:solidFill>
+                <a:latin typeface="OpenSymbol"/>
+              </a:rPr>
+              <a:t>Block 2: 128→256 channels</a:t>
+            </a:r>
+          </a:p>
+          <a:p>
+            <a:pPr marL="171450" indent="-171450">
+              <a:lnSpc>
+                <a:spcPct val="150000"/>
+              </a:lnSpc>
+              <a:buFont typeface="Arial" panose="020B0604020202020204" pitchFamily="34" charset="0"/>
+              <a:buChar char="•"/>
+              <a:tabLst>
+                <a:tab pos="0" algn="l"/>
+              </a:tabLst>
+            </a:pPr>
+            <a:r>
+              <a:rPr lang="en-US" sz="1200" i="1" dirty="0">
+                <a:solidFill>
+                  <a:srgbClr val="FFFFFF"/>
+                </a:solidFill>
+                <a:latin typeface="OpenSymbol"/>
+              </a:rPr>
+              <a:t>Block 3: 256→512 channels</a:t>
+            </a:r>
+          </a:p>
+          <a:p>
+            <a:pPr marL="171450" indent="-171450">
+              <a:lnSpc>
+                <a:spcPct val="150000"/>
+              </a:lnSpc>
+              <a:buFont typeface="Arial" panose="020B0604020202020204" pitchFamily="34" charset="0"/>
+              <a:buChar char="•"/>
+              <a:tabLst>
+                <a:tab pos="0" algn="l"/>
+              </a:tabLst>
+            </a:pPr>
+            <a:r>
+              <a:rPr lang="en-US" sz="1200" i="1" dirty="0">
+                <a:solidFill>
+                  <a:srgbClr val="FFFFFF"/>
+                </a:solidFill>
+                <a:latin typeface="OpenSymbol"/>
+              </a:rPr>
+              <a:t>Block 4: 512→1024 channels (NEW)</a:t>
+            </a:r>
+          </a:p>
+          <a:p>
+            <a:pPr>
+              <a:lnSpc>
+                <a:spcPct val="150000"/>
+              </a:lnSpc>
+              <a:tabLst>
+                <a:tab pos="0" algn="l"/>
+              </a:tabLst>
+            </a:pPr>
+            <a:endParaRPr lang="en-US" sz="1200" b="1" i="1" dirty="0">
+              <a:solidFill>
+                <a:srgbClr val="FFFFFF"/>
+              </a:solidFill>
+              <a:latin typeface="OpenSymbol"/>
+            </a:endParaRPr>
+          </a:p>
+          <a:p>
+            <a:pPr>
+              <a:lnSpc>
+                <a:spcPct val="150000"/>
+              </a:lnSpc>
+              <a:tabLst>
+                <a:tab pos="0" algn="l"/>
+              </a:tabLst>
+            </a:pPr>
+            <a:r>
+              <a:rPr lang="en-US" sz="1200" b="1" i="1" dirty="0">
+                <a:solidFill>
+                  <a:srgbClr val="FFFFFF"/>
+                </a:solidFill>
+                <a:latin typeface="OpenSymbol"/>
+              </a:rPr>
+              <a:t>Reduced </a:t>
+            </a:r>
+            <a:r>
+              <a:rPr lang="en-US" sz="1200" b="1" i="1" dirty="0" err="1">
+                <a:solidFill>
+                  <a:srgbClr val="FFFFFF"/>
+                </a:solidFill>
+                <a:latin typeface="OpenSymbol"/>
+              </a:rPr>
+              <a:t>Downsampling</a:t>
+            </a:r>
+            <a:r>
+              <a:rPr lang="en-US" sz="1200" b="1" i="1" dirty="0">
+                <a:solidFill>
+                  <a:srgbClr val="FFFFFF"/>
+                </a:solidFill>
+                <a:latin typeface="OpenSymbol"/>
+              </a:rPr>
+              <a:t> - </a:t>
+            </a:r>
+            <a:r>
+              <a:rPr lang="en-US" sz="1200" i="1" dirty="0" err="1">
+                <a:solidFill>
+                  <a:srgbClr val="FFFFFF"/>
+                </a:solidFill>
+                <a:latin typeface="OpenSymbol"/>
+              </a:rPr>
+              <a:t>MaxPooling</a:t>
+            </a:r>
+            <a:r>
+              <a:rPr lang="en-US" sz="1200" i="1" dirty="0">
+                <a:solidFill>
+                  <a:srgbClr val="FFFFFF"/>
+                </a:solidFill>
+                <a:latin typeface="OpenSymbol"/>
+              </a:rPr>
+              <a:t> stride changed from 2→1</a:t>
+            </a:r>
+          </a:p>
+          <a:p>
+            <a:pPr>
+              <a:lnSpc>
+                <a:spcPct val="150000"/>
+              </a:lnSpc>
+              <a:tabLst>
+                <a:tab pos="0" algn="l"/>
+              </a:tabLst>
+            </a:pPr>
+            <a:endParaRPr lang="en-US" sz="1200" b="1" i="1" dirty="0">
+              <a:solidFill>
+                <a:srgbClr val="FFFFFF"/>
+              </a:solidFill>
+              <a:latin typeface="OpenSymbol"/>
+            </a:endParaRPr>
+          </a:p>
+          <a:p>
+            <a:pPr>
+              <a:lnSpc>
+                <a:spcPct val="150000"/>
+              </a:lnSpc>
+              <a:tabLst>
+                <a:tab pos="0" algn="l"/>
+              </a:tabLst>
+            </a:pPr>
+            <a:r>
+              <a:rPr lang="en-US" sz="1200" b="1" i="1" dirty="0">
+                <a:solidFill>
+                  <a:srgbClr val="FFFFFF"/>
+                </a:solidFill>
+                <a:latin typeface="OpenSymbol"/>
+              </a:rPr>
+              <a:t>Enhanced Capacity - </a:t>
+            </a:r>
+            <a:r>
+              <a:rPr lang="en-US" sz="1200" i="1" dirty="0">
+                <a:solidFill>
+                  <a:srgbClr val="FFFFFF"/>
+                </a:solidFill>
+                <a:latin typeface="OpenSymbol"/>
+              </a:rPr>
+              <a:t>Added 4th residual block with 1024 filters</a:t>
+            </a:r>
+          </a:p>
+          <a:p>
+            <a:pPr>
+              <a:lnSpc>
+                <a:spcPct val="150000"/>
+              </a:lnSpc>
+              <a:tabLst>
+                <a:tab pos="0" algn="l"/>
+              </a:tabLst>
+            </a:pPr>
+            <a:endParaRPr lang="en-US" sz="1200" b="1" i="1" dirty="0">
+              <a:solidFill>
+                <a:srgbClr val="FFFFFF"/>
+              </a:solidFill>
+              <a:latin typeface="OpenSymbol"/>
+            </a:endParaRPr>
+          </a:p>
+          <a:p>
+            <a:pPr>
+              <a:lnSpc>
+                <a:spcPct val="150000"/>
+              </a:lnSpc>
+              <a:tabLst>
+                <a:tab pos="0" algn="l"/>
+              </a:tabLst>
+            </a:pPr>
+            <a:r>
+              <a:rPr lang="en-US" sz="1200" b="1" i="1" dirty="0">
+                <a:solidFill>
+                  <a:srgbClr val="FFFFFF"/>
+                </a:solidFill>
+                <a:latin typeface="OpenSymbol"/>
+              </a:rPr>
+              <a:t>Better Regularization</a:t>
+            </a:r>
+          </a:p>
+          <a:p>
+            <a:pPr marL="171450" indent="-171450">
+              <a:lnSpc>
+                <a:spcPct val="150000"/>
+              </a:lnSpc>
+              <a:buFont typeface="Arial" panose="020B0604020202020204" pitchFamily="34" charset="0"/>
+              <a:buChar char="•"/>
+              <a:tabLst>
+                <a:tab pos="0" algn="l"/>
+              </a:tabLst>
+            </a:pPr>
+            <a:r>
+              <a:rPr lang="en-US" sz="1200" i="1" dirty="0">
+                <a:solidFill>
+                  <a:srgbClr val="FFFFFF"/>
+                </a:solidFill>
+                <a:latin typeface="OpenSymbol"/>
+              </a:rPr>
+              <a:t>Dropout: 0.25 (conv layers), 0.5 (dense layers)</a:t>
+            </a:r>
+          </a:p>
+          <a:p>
+            <a:pPr marL="171450" indent="-171450">
+              <a:lnSpc>
+                <a:spcPct val="150000"/>
+              </a:lnSpc>
+              <a:buFont typeface="Arial" panose="020B0604020202020204" pitchFamily="34" charset="0"/>
+              <a:buChar char="•"/>
+              <a:tabLst>
+                <a:tab pos="0" algn="l"/>
+              </a:tabLst>
+            </a:pPr>
+            <a:r>
+              <a:rPr lang="en-US" sz="1200" i="1" dirty="0" err="1">
+                <a:solidFill>
+                  <a:srgbClr val="FFFFFF"/>
+                </a:solidFill>
+                <a:latin typeface="OpenSymbol"/>
+              </a:rPr>
+              <a:t>BatchNormalization</a:t>
+            </a:r>
+            <a:r>
+              <a:rPr lang="en-US" sz="1200" i="1" dirty="0">
+                <a:solidFill>
+                  <a:srgbClr val="FFFFFF"/>
+                </a:solidFill>
+                <a:latin typeface="OpenSymbol"/>
+              </a:rPr>
+              <a:t> after every conv layer</a:t>
+            </a:r>
+          </a:p>
+          <a:p>
+            <a:pPr marL="171450" indent="-171450">
+              <a:lnSpc>
+                <a:spcPct val="150000"/>
+              </a:lnSpc>
+              <a:buFont typeface="Arial" panose="020B0604020202020204" pitchFamily="34" charset="0"/>
+              <a:buChar char="•"/>
+              <a:tabLst>
+                <a:tab pos="0" algn="l"/>
+              </a:tabLst>
+            </a:pPr>
+            <a:r>
+              <a:rPr lang="en-US" sz="1200" i="1" dirty="0">
+                <a:solidFill>
+                  <a:srgbClr val="FFFFFF"/>
+                </a:solidFill>
+                <a:latin typeface="OpenSymbol"/>
+              </a:rPr>
+              <a:t>Label smoothing: 0.05</a:t>
+            </a:r>
+            <a:endParaRPr lang="en-US" sz="1200" strike="noStrike" dirty="0">
+              <a:solidFill>
+                <a:srgbClr val="FFFFFF"/>
+              </a:solidFill>
+              <a:effectLst/>
+              <a:uFillTx/>
+              <a:latin typeface="OpenSymbol"/>
+            </a:endParaRPr>
+          </a:p>
+        </p:txBody>
+      </p:sp>
+      <p:sp>
+        <p:nvSpPr>
+          <p:cNvPr id="4" name="PlaceHolder 2">
+            <a:extLst>
+              <a:ext uri="{FF2B5EF4-FFF2-40B4-BE49-F238E27FC236}">
+                <a16:creationId xmlns:a16="http://schemas.microsoft.com/office/drawing/2014/main" id="{32D170E7-63B6-47A1-98F6-219FEC3503BB}"/>
+              </a:ext>
+            </a:extLst>
+          </p:cNvPr>
+          <p:cNvSpPr txBox="1">
+            <a:spLocks/>
+          </p:cNvSpPr>
+          <p:nvPr/>
+        </p:nvSpPr>
+        <p:spPr>
+          <a:xfrm>
+            <a:off x="4633137" y="871740"/>
+            <a:ext cx="4352400" cy="4042980"/>
+          </a:xfrm>
+          <a:prstGeom prst="rect">
+            <a:avLst/>
+          </a:prstGeom>
+          <a:noFill/>
+          <a:ln w="0">
+            <a:noFill/>
+          </a:ln>
+        </p:spPr>
+        <p:txBody>
+          <a:bodyPr lIns="91440" tIns="91440" rIns="91440" bIns="91440" anchor="t">
+            <a:normAutofit lnSpcReduction="10000"/>
+          </a:bodyPr>
+          <a:lstStyle>
+            <a:lvl1pPr algn="l" defTabSz="914400" rtl="0" eaLnBrk="1" latinLnBrk="0" hangingPunct="1">
+              <a:lnSpc>
+                <a:spcPct val="90000"/>
+              </a:lnSpc>
+              <a:spcBef>
+                <a:spcPct val="0"/>
+              </a:spcBef>
+              <a:buNone/>
+              <a:defRPr sz="4400" kern="1200">
+                <a:solidFill>
+                  <a:schemeClr val="tx1"/>
+                </a:solidFill>
+                <a:latin typeface="+mj-lt"/>
+                <a:ea typeface="+mj-ea"/>
+                <a:cs typeface="+mj-cs"/>
+              </a:defRPr>
+            </a:lvl1pPr>
+          </a:lstStyle>
+          <a:p>
+            <a:pPr>
+              <a:lnSpc>
+                <a:spcPct val="150000"/>
+              </a:lnSpc>
+              <a:tabLst>
+                <a:tab pos="0" algn="l"/>
+              </a:tabLst>
+            </a:pPr>
+            <a:r>
+              <a:rPr lang="en-US" sz="1200" b="1" dirty="0">
+                <a:solidFill>
+                  <a:srgbClr val="FFFFFF"/>
+                </a:solidFill>
+                <a:latin typeface="OpenSymbol"/>
+              </a:rPr>
+              <a:t>Multi-GPU &amp; Mixed Precision:</a:t>
+            </a:r>
+          </a:p>
+          <a:p>
+            <a:pPr marL="171450" indent="-171450">
+              <a:lnSpc>
+                <a:spcPct val="150000"/>
+              </a:lnSpc>
+              <a:buFont typeface="Arial" panose="020B0604020202020204" pitchFamily="34" charset="0"/>
+              <a:buChar char="•"/>
+              <a:tabLst>
+                <a:tab pos="0" algn="l"/>
+              </a:tabLst>
+            </a:pPr>
+            <a:r>
+              <a:rPr lang="en-US" sz="1200" dirty="0">
+                <a:solidFill>
+                  <a:srgbClr val="FFFFFF"/>
+                </a:solidFill>
+                <a:latin typeface="OpenSymbol"/>
+              </a:rPr>
+              <a:t>Dual RTX 3090 (48GB VRAM total)</a:t>
+            </a:r>
+          </a:p>
+          <a:p>
+            <a:pPr marL="171450" indent="-171450">
+              <a:lnSpc>
+                <a:spcPct val="150000"/>
+              </a:lnSpc>
+              <a:buFont typeface="Arial" panose="020B0604020202020204" pitchFamily="34" charset="0"/>
+              <a:buChar char="•"/>
+              <a:tabLst>
+                <a:tab pos="0" algn="l"/>
+              </a:tabLst>
+            </a:pPr>
+            <a:r>
+              <a:rPr lang="en-US" sz="1200" dirty="0">
+                <a:solidFill>
+                  <a:srgbClr val="FFFFFF"/>
+                </a:solidFill>
+                <a:latin typeface="OpenSymbol"/>
+              </a:rPr>
+              <a:t>Mixed Float16 precision → 2-3x faster training</a:t>
+            </a:r>
+          </a:p>
+          <a:p>
+            <a:pPr marL="171450" indent="-171450">
+              <a:lnSpc>
+                <a:spcPct val="150000"/>
+              </a:lnSpc>
+              <a:buFont typeface="Arial" panose="020B0604020202020204" pitchFamily="34" charset="0"/>
+              <a:buChar char="•"/>
+              <a:tabLst>
+                <a:tab pos="0" algn="l"/>
+              </a:tabLst>
+            </a:pPr>
+            <a:r>
+              <a:rPr lang="en-US" sz="1200" dirty="0">
+                <a:solidFill>
+                  <a:srgbClr val="FFFFFF"/>
+                </a:solidFill>
+                <a:latin typeface="OpenSymbol"/>
+              </a:rPr>
+              <a:t>Effective batch size: 96 (48 per GPU)</a:t>
+            </a:r>
+          </a:p>
+          <a:p>
+            <a:pPr>
+              <a:lnSpc>
+                <a:spcPct val="150000"/>
+              </a:lnSpc>
+              <a:tabLst>
+                <a:tab pos="0" algn="l"/>
+              </a:tabLst>
+            </a:pPr>
+            <a:endParaRPr lang="en-US" sz="1200" b="1" dirty="0">
+              <a:solidFill>
+                <a:srgbClr val="FFFFFF"/>
+              </a:solidFill>
+              <a:latin typeface="OpenSymbol"/>
+            </a:endParaRPr>
+          </a:p>
+          <a:p>
+            <a:pPr>
+              <a:lnSpc>
+                <a:spcPct val="150000"/>
+              </a:lnSpc>
+              <a:tabLst>
+                <a:tab pos="0" algn="l"/>
+              </a:tabLst>
+            </a:pPr>
+            <a:r>
+              <a:rPr lang="en-US" sz="1200" b="1" dirty="0">
+                <a:solidFill>
+                  <a:srgbClr val="FFFFFF"/>
+                </a:solidFill>
+                <a:latin typeface="OpenSymbol"/>
+              </a:rPr>
+              <a:t>Data Pipeline Improvements:</a:t>
+            </a:r>
+            <a:endParaRPr lang="en-US" sz="1200" dirty="0">
+              <a:solidFill>
+                <a:srgbClr val="FFFFFF"/>
+              </a:solidFill>
+              <a:latin typeface="OpenSymbol"/>
+            </a:endParaRPr>
+          </a:p>
+          <a:p>
+            <a:pPr marL="171450" indent="-171450">
+              <a:lnSpc>
+                <a:spcPct val="150000"/>
+              </a:lnSpc>
+              <a:buFont typeface="Arial" panose="020B0604020202020204" pitchFamily="34" charset="0"/>
+              <a:buChar char="•"/>
+              <a:tabLst>
+                <a:tab pos="0" algn="l"/>
+              </a:tabLst>
+            </a:pPr>
+            <a:r>
+              <a:rPr lang="en-US" sz="1200" dirty="0" err="1">
+                <a:solidFill>
+                  <a:srgbClr val="FFFFFF"/>
+                </a:solidFill>
+                <a:latin typeface="OpenSymbol"/>
+              </a:rPr>
+              <a:t>tf.data</a:t>
+            </a:r>
+            <a:r>
+              <a:rPr lang="en-US" sz="1200" dirty="0">
+                <a:solidFill>
+                  <a:srgbClr val="FFFFFF"/>
+                </a:solidFill>
+                <a:latin typeface="OpenSymbol"/>
+              </a:rPr>
+              <a:t> with AUTOTUNE for faster loading</a:t>
+            </a:r>
+          </a:p>
+          <a:p>
+            <a:pPr marL="171450" indent="-171450">
+              <a:lnSpc>
+                <a:spcPct val="150000"/>
+              </a:lnSpc>
+              <a:buFont typeface="Arial" panose="020B0604020202020204" pitchFamily="34" charset="0"/>
+              <a:buChar char="•"/>
+              <a:tabLst>
+                <a:tab pos="0" algn="l"/>
+              </a:tabLst>
+            </a:pPr>
+            <a:r>
+              <a:rPr lang="en-US" sz="1200" dirty="0">
+                <a:solidFill>
+                  <a:srgbClr val="FFFFFF"/>
+                </a:solidFill>
+                <a:latin typeface="OpenSymbol"/>
+              </a:rPr>
+              <a:t>Enhanced augmentation: </a:t>
+            </a:r>
+            <a:r>
+              <a:rPr lang="en-US" sz="1200" dirty="0" err="1">
+                <a:solidFill>
+                  <a:srgbClr val="FFFFFF"/>
+                </a:solidFill>
+                <a:latin typeface="OpenSymbol"/>
+              </a:rPr>
+              <a:t>RandomFlip</a:t>
+            </a:r>
+            <a:r>
+              <a:rPr lang="en-US" sz="1200" dirty="0">
+                <a:solidFill>
+                  <a:srgbClr val="FFFFFF"/>
+                </a:solidFill>
+                <a:latin typeface="OpenSymbol"/>
+              </a:rPr>
+              <a:t>, </a:t>
+            </a:r>
+            <a:r>
+              <a:rPr lang="en-US" sz="1200" dirty="0" err="1">
+                <a:solidFill>
+                  <a:srgbClr val="FFFFFF"/>
+                </a:solidFill>
+                <a:latin typeface="OpenSymbol"/>
+              </a:rPr>
+              <a:t>RandomRotation</a:t>
+            </a:r>
+            <a:r>
+              <a:rPr lang="en-US" sz="1200" dirty="0">
+                <a:solidFill>
+                  <a:srgbClr val="FFFFFF"/>
+                </a:solidFill>
+                <a:latin typeface="OpenSymbol"/>
+              </a:rPr>
+              <a:t>, </a:t>
+            </a:r>
+            <a:r>
+              <a:rPr lang="en-US" sz="1200" dirty="0" err="1">
+                <a:solidFill>
+                  <a:srgbClr val="FFFFFF"/>
+                </a:solidFill>
+                <a:latin typeface="OpenSymbol"/>
+              </a:rPr>
+              <a:t>RandomZoom</a:t>
+            </a:r>
+            <a:r>
+              <a:rPr lang="en-US" sz="1200" dirty="0">
+                <a:solidFill>
+                  <a:srgbClr val="FFFFFF"/>
+                </a:solidFill>
+                <a:latin typeface="OpenSymbol"/>
+              </a:rPr>
+              <a:t>, </a:t>
+            </a:r>
+            <a:r>
+              <a:rPr lang="en-US" sz="1200" dirty="0" err="1">
+                <a:solidFill>
+                  <a:srgbClr val="FFFFFF"/>
+                </a:solidFill>
+                <a:latin typeface="OpenSymbol"/>
+              </a:rPr>
+              <a:t>RandomContrast</a:t>
+            </a:r>
+            <a:endParaRPr lang="en-US" sz="1200" dirty="0">
+              <a:solidFill>
+                <a:srgbClr val="FFFFFF"/>
+              </a:solidFill>
+              <a:latin typeface="OpenSymbol"/>
+            </a:endParaRPr>
+          </a:p>
+          <a:p>
+            <a:pPr marL="171450" indent="-171450">
+              <a:lnSpc>
+                <a:spcPct val="150000"/>
+              </a:lnSpc>
+              <a:buFont typeface="Arial" panose="020B0604020202020204" pitchFamily="34" charset="0"/>
+              <a:buChar char="•"/>
+              <a:tabLst>
+                <a:tab pos="0" algn="l"/>
+              </a:tabLst>
+            </a:pPr>
+            <a:r>
+              <a:rPr lang="en-US" sz="1200" dirty="0">
+                <a:solidFill>
+                  <a:srgbClr val="FFFFFF"/>
+                </a:solidFill>
+                <a:latin typeface="OpenSymbol"/>
+              </a:rPr>
+              <a:t>Proper normalization: pixels scaled 0-255 → 0-1</a:t>
+            </a:r>
+          </a:p>
+          <a:p>
+            <a:pPr>
+              <a:lnSpc>
+                <a:spcPct val="150000"/>
+              </a:lnSpc>
+              <a:tabLst>
+                <a:tab pos="0" algn="l"/>
+              </a:tabLst>
+            </a:pPr>
+            <a:endParaRPr lang="en-US" sz="1200" dirty="0">
+              <a:solidFill>
+                <a:srgbClr val="FFFFFF"/>
+              </a:solidFill>
+              <a:latin typeface="OpenSymbol"/>
+            </a:endParaRPr>
+          </a:p>
+          <a:p>
+            <a:pPr>
+              <a:lnSpc>
+                <a:spcPct val="150000"/>
+              </a:lnSpc>
+              <a:tabLst>
+                <a:tab pos="0" algn="l"/>
+              </a:tabLst>
+            </a:pPr>
+            <a:r>
+              <a:rPr lang="en-US" sz="1200" b="1" dirty="0">
+                <a:solidFill>
+                  <a:srgbClr val="FFFFFF"/>
+                </a:solidFill>
+                <a:latin typeface="OpenSymbol"/>
+              </a:rPr>
+              <a:t>Training Strategy:</a:t>
+            </a:r>
+          </a:p>
+          <a:p>
+            <a:pPr marL="171450" indent="-171450">
+              <a:lnSpc>
+                <a:spcPct val="150000"/>
+              </a:lnSpc>
+              <a:buFont typeface="Arial" panose="020B0604020202020204" pitchFamily="34" charset="0"/>
+              <a:buChar char="•"/>
+              <a:tabLst>
+                <a:tab pos="0" algn="l"/>
+              </a:tabLst>
+            </a:pPr>
+            <a:r>
+              <a:rPr lang="en-US" sz="1200" dirty="0">
+                <a:solidFill>
+                  <a:srgbClr val="FFFFFF"/>
+                </a:solidFill>
+                <a:latin typeface="OpenSymbol"/>
+              </a:rPr>
+              <a:t>50 epochs with early stopping (patience=15)</a:t>
+            </a:r>
+          </a:p>
+          <a:p>
+            <a:pPr marL="171450" indent="-171450">
+              <a:lnSpc>
+                <a:spcPct val="150000"/>
+              </a:lnSpc>
+              <a:buFont typeface="Arial" panose="020B0604020202020204" pitchFamily="34" charset="0"/>
+              <a:buChar char="•"/>
+              <a:tabLst>
+                <a:tab pos="0" algn="l"/>
+              </a:tabLst>
+            </a:pPr>
+            <a:r>
+              <a:rPr lang="en-US" sz="1200" dirty="0" err="1">
+                <a:solidFill>
+                  <a:srgbClr val="FFFFFF"/>
+                </a:solidFill>
+                <a:latin typeface="OpenSymbol"/>
+              </a:rPr>
+              <a:t>ReduceLROnPlateau</a:t>
+            </a:r>
+            <a:r>
+              <a:rPr lang="en-US" sz="1200" dirty="0">
+                <a:solidFill>
+                  <a:srgbClr val="FFFFFF"/>
+                </a:solidFill>
+                <a:latin typeface="OpenSymbol"/>
+              </a:rPr>
+              <a:t> (factor=0.3, patience=5)</a:t>
+            </a:r>
+          </a:p>
+          <a:p>
+            <a:pPr marL="171450" indent="-171450">
+              <a:lnSpc>
+                <a:spcPct val="150000"/>
+              </a:lnSpc>
+              <a:buFont typeface="Arial" panose="020B0604020202020204" pitchFamily="34" charset="0"/>
+              <a:buChar char="•"/>
+              <a:tabLst>
+                <a:tab pos="0" algn="l"/>
+              </a:tabLst>
+            </a:pPr>
+            <a:r>
+              <a:rPr lang="en-US" sz="1200" dirty="0">
+                <a:solidFill>
+                  <a:srgbClr val="FFFFFF"/>
+                </a:solidFill>
+                <a:latin typeface="OpenSymbol"/>
+              </a:rPr>
+              <a:t>Adam optimizer: LR=0.002</a:t>
+            </a:r>
+          </a:p>
+        </p:txBody>
+      </p:sp>
+    </p:spTree>
+    <p:extLst>
+      <p:ext uri="{BB962C8B-B14F-4D97-AF65-F5344CB8AC3E}">
+        <p14:creationId xmlns:p14="http://schemas.microsoft.com/office/powerpoint/2010/main" val="4148875118"/>
+      </p:ext>
+    </p:extLst>
+  </p:cSld>
+  <p:clrMapOvr>
+    <a:masterClrMapping/>
+  </p:clrMapOvr>
+</p:sld>
+</file>
+
+<file path=ppt/slides/slide21.xml><?xml version="1.0" encoding="utf-8"?>
+<p:sld xmlns:a="http://schemas.openxmlformats.org/drawingml/2006/main" xmlns:r="http://schemas.openxmlformats.org/officeDocument/2006/relationships" xmlns:p="http://schemas.openxmlformats.org/presentationml/2006/main">
+  <p:cSld>
+    <p:spTree>
+      <p:nvGrpSpPr>
+        <p:cNvPr id="1" name=""/>
+        <p:cNvGrpSpPr/>
+        <p:nvPr/>
+      </p:nvGrpSpPr>
+      <p:grpSpPr>
+        <a:xfrm>
+          <a:off x="0" y="0"/>
+          <a:ext cx="0" cy="0"/>
+          <a:chOff x="0" y="0"/>
+          <a:chExt cx="0" cy="0"/>
+        </a:xfrm>
+      </p:grpSpPr>
+      <p:sp>
+        <p:nvSpPr>
+          <p:cNvPr id="55" name="PlaceHolder 1"/>
+          <p:cNvSpPr>
+            <a:spLocks noGrp="1"/>
+          </p:cNvSpPr>
+          <p:nvPr>
+            <p:ph type="title"/>
+          </p:nvPr>
+        </p:nvSpPr>
+        <p:spPr>
+          <a:xfrm>
+            <a:off x="186070" y="212565"/>
+            <a:ext cx="7495920" cy="1504440"/>
+          </a:xfrm>
+          <a:prstGeom prst="rect">
+            <a:avLst/>
+          </a:prstGeom>
+          <a:noFill/>
+          <a:ln w="0">
+            <a:noFill/>
+          </a:ln>
+        </p:spPr>
+        <p:txBody>
+          <a:bodyPr lIns="91440" tIns="91440" rIns="91440" bIns="91440" anchor="b">
+            <a:normAutofit/>
+          </a:bodyPr>
+          <a:lstStyle/>
+          <a:p>
+            <a:pPr>
+              <a:lnSpc>
+                <a:spcPct val="100000"/>
+              </a:lnSpc>
+              <a:tabLst>
+                <a:tab pos="0" algn="l"/>
+              </a:tabLst>
+            </a:pPr>
+            <a:r>
+              <a:rPr lang="en-US" sz="2600" b="1" dirty="0">
+                <a:solidFill>
+                  <a:schemeClr val="dk1"/>
+                </a:solidFill>
+                <a:latin typeface="Space Grotesk"/>
+                <a:ea typeface="Space Grotesk"/>
+              </a:rPr>
+              <a:t>BASELINE RESULTS - MAJOR IMPROVEMENT</a:t>
+            </a:r>
+            <a:endParaRPr lang="fr-FR" sz="2600" b="0" u="none" strike="noStrike" dirty="0">
+              <a:solidFill>
+                <a:schemeClr val="dk1"/>
+              </a:solidFill>
+              <a:effectLst/>
+              <a:uFillTx/>
+              <a:latin typeface="Arial"/>
+            </a:endParaRPr>
+          </a:p>
+        </p:txBody>
+      </p:sp>
+      <p:sp>
+        <p:nvSpPr>
+          <p:cNvPr id="56" name="PlaceHolder 2"/>
+          <p:cNvSpPr>
+            <a:spLocks noGrp="1"/>
+          </p:cNvSpPr>
+          <p:nvPr>
+            <p:ph type="subTitle"/>
+          </p:nvPr>
+        </p:nvSpPr>
+        <p:spPr>
+          <a:xfrm>
+            <a:off x="297712" y="3714307"/>
+            <a:ext cx="8617328" cy="1216627"/>
+          </a:xfrm>
+          <a:prstGeom prst="rect">
+            <a:avLst/>
+          </a:prstGeom>
+          <a:noFill/>
+          <a:ln w="0">
+            <a:noFill/>
+          </a:ln>
+        </p:spPr>
+        <p:txBody>
+          <a:bodyPr lIns="91440" tIns="91440" rIns="91440" bIns="91440" anchor="t">
+            <a:normAutofit fontScale="77500" lnSpcReduction="20000"/>
+          </a:bodyPr>
+          <a:lstStyle/>
+          <a:p>
+            <a:pPr>
+              <a:lnSpc>
+                <a:spcPct val="150000"/>
+              </a:lnSpc>
+              <a:tabLst>
+                <a:tab pos="0" algn="l"/>
+              </a:tabLst>
+            </a:pPr>
+            <a:r>
+              <a:rPr lang="en-US" sz="1600" b="1" dirty="0">
+                <a:solidFill>
+                  <a:schemeClr val="dk1"/>
+                </a:solidFill>
+                <a:latin typeface="Hind"/>
+                <a:ea typeface="Hind"/>
+              </a:rPr>
+              <a:t>Key Observations:</a:t>
+            </a:r>
+            <a:endParaRPr lang="en-US" sz="1600" dirty="0">
+              <a:solidFill>
+                <a:schemeClr val="dk1"/>
+              </a:solidFill>
+              <a:latin typeface="Hind"/>
+              <a:ea typeface="Hind"/>
+            </a:endParaRPr>
+          </a:p>
+          <a:p>
+            <a:pPr marL="171450" indent="-171450">
+              <a:lnSpc>
+                <a:spcPct val="150000"/>
+              </a:lnSpc>
+              <a:buFont typeface="Arial" panose="020B0604020202020204" pitchFamily="34" charset="0"/>
+              <a:buChar char="•"/>
+              <a:tabLst>
+                <a:tab pos="0" algn="l"/>
+              </a:tabLst>
+            </a:pPr>
+            <a:r>
+              <a:rPr lang="en-US" sz="1600" dirty="0">
+                <a:solidFill>
+                  <a:schemeClr val="dk1"/>
+                </a:solidFill>
+                <a:latin typeface="Hind"/>
+                <a:ea typeface="Hind"/>
+              </a:rPr>
+              <a:t>Loss curves show proper convergence (no more underfitting!)</a:t>
+            </a:r>
+          </a:p>
+          <a:p>
+            <a:pPr marL="171450" indent="-171450">
+              <a:lnSpc>
+                <a:spcPct val="150000"/>
+              </a:lnSpc>
+              <a:buFont typeface="Arial" panose="020B0604020202020204" pitchFamily="34" charset="0"/>
+              <a:buChar char="•"/>
+              <a:tabLst>
+                <a:tab pos="0" algn="l"/>
+              </a:tabLst>
+            </a:pPr>
+            <a:r>
+              <a:rPr lang="en-US" sz="1600" dirty="0">
+                <a:solidFill>
+                  <a:schemeClr val="dk1"/>
+                </a:solidFill>
+                <a:latin typeface="Hind"/>
+                <a:ea typeface="Hind"/>
+              </a:rPr>
+              <a:t>Model learns meaningful features</a:t>
+            </a:r>
+          </a:p>
+          <a:p>
+            <a:pPr marL="171450" indent="-171450">
+              <a:lnSpc>
+                <a:spcPct val="150000"/>
+              </a:lnSpc>
+              <a:buFont typeface="Arial" panose="020B0604020202020204" pitchFamily="34" charset="0"/>
+              <a:buChar char="•"/>
+              <a:tabLst>
+                <a:tab pos="0" algn="l"/>
+              </a:tabLst>
+            </a:pPr>
+            <a:r>
+              <a:rPr lang="en-US" sz="1600" dirty="0">
+                <a:solidFill>
+                  <a:schemeClr val="dk1"/>
+                </a:solidFill>
+                <a:latin typeface="Hind"/>
+                <a:ea typeface="Hind"/>
+              </a:rPr>
+              <a:t>Ready for hyperparameter optimization</a:t>
+            </a:r>
+          </a:p>
+        </p:txBody>
+      </p:sp>
+      <p:sp>
+        <p:nvSpPr>
+          <p:cNvPr id="6" name="PlaceHolder 2">
+            <a:extLst>
+              <a:ext uri="{FF2B5EF4-FFF2-40B4-BE49-F238E27FC236}">
+                <a16:creationId xmlns:a16="http://schemas.microsoft.com/office/drawing/2014/main" id="{858B9E23-5B37-462E-A228-B2690CAAEFE7}"/>
+              </a:ext>
+            </a:extLst>
+          </p:cNvPr>
+          <p:cNvSpPr txBox="1">
+            <a:spLocks/>
+          </p:cNvSpPr>
+          <p:nvPr/>
+        </p:nvSpPr>
+        <p:spPr>
+          <a:xfrm>
+            <a:off x="186070" y="1491949"/>
+            <a:ext cx="8617328" cy="450112"/>
+          </a:xfrm>
+          <a:prstGeom prst="rect">
+            <a:avLst/>
+          </a:prstGeom>
+          <a:noFill/>
+          <a:ln w="0">
+            <a:noFill/>
+          </a:ln>
+        </p:spPr>
+        <p:txBody>
+          <a:bodyPr lIns="91440" tIns="91440" rIns="91440" bIns="91440" anchor="t">
+            <a:normAutofit fontScale="32500" lnSpcReduction="20000"/>
+          </a:bodyPr>
+          <a:lstStyle>
+            <a:lvl1pPr algn="l" defTabSz="914400" rtl="0" eaLnBrk="1" latinLnBrk="0" hangingPunct="1">
+              <a:lnSpc>
+                <a:spcPct val="90000"/>
+              </a:lnSpc>
+              <a:spcBef>
+                <a:spcPct val="0"/>
+              </a:spcBef>
+              <a:buNone/>
+              <a:defRPr sz="4400" kern="1200">
+                <a:solidFill>
+                  <a:schemeClr val="tx1"/>
+                </a:solidFill>
+                <a:latin typeface="+mj-lt"/>
+                <a:ea typeface="+mj-ea"/>
+                <a:cs typeface="+mj-cs"/>
+              </a:defRPr>
+            </a:lvl1pPr>
+          </a:lstStyle>
+          <a:p>
+            <a:pPr>
+              <a:lnSpc>
+                <a:spcPct val="150000"/>
+              </a:lnSpc>
+              <a:tabLst>
+                <a:tab pos="0" algn="l"/>
+              </a:tabLst>
+            </a:pPr>
+            <a:r>
+              <a:rPr lang="en-US" b="1" dirty="0"/>
+              <a:t>Baseline CNN Performance:</a:t>
+            </a:r>
+            <a:endParaRPr lang="en-US" sz="1600" dirty="0">
+              <a:solidFill>
+                <a:schemeClr val="dk1"/>
+              </a:solidFill>
+              <a:latin typeface="Hind"/>
+              <a:ea typeface="Hind"/>
+            </a:endParaRPr>
+          </a:p>
+        </p:txBody>
+      </p:sp>
+      <p:graphicFrame>
+        <p:nvGraphicFramePr>
+          <p:cNvPr id="4" name="Table 3">
+            <a:extLst>
+              <a:ext uri="{FF2B5EF4-FFF2-40B4-BE49-F238E27FC236}">
+                <a16:creationId xmlns:a16="http://schemas.microsoft.com/office/drawing/2014/main" id="{261C6F41-2B66-46E8-8584-A62B67010812}"/>
+              </a:ext>
+            </a:extLst>
+          </p:cNvPr>
+          <p:cNvGraphicFramePr>
+            <a:graphicFrameLocks noGrp="1"/>
+          </p:cNvGraphicFramePr>
+          <p:nvPr>
+            <p:extLst>
+              <p:ext uri="{D42A27DB-BD31-4B8C-83A1-F6EECF244321}">
+                <p14:modId xmlns:p14="http://schemas.microsoft.com/office/powerpoint/2010/main" val="2088226228"/>
+              </p:ext>
+            </p:extLst>
+          </p:nvPr>
+        </p:nvGraphicFramePr>
+        <p:xfrm>
+          <a:off x="415999" y="2037796"/>
+          <a:ext cx="7886700" cy="1580775"/>
+        </p:xfrm>
+        <a:graphic>
+          <a:graphicData uri="http://schemas.openxmlformats.org/drawingml/2006/table">
+            <a:tbl>
+              <a:tblPr/>
+              <a:tblGrid>
+                <a:gridCol w="1971675">
+                  <a:extLst>
+                    <a:ext uri="{9D8B030D-6E8A-4147-A177-3AD203B41FA5}">
+                      <a16:colId xmlns:a16="http://schemas.microsoft.com/office/drawing/2014/main" val="293902324"/>
+                    </a:ext>
+                  </a:extLst>
+                </a:gridCol>
+                <a:gridCol w="1971675">
+                  <a:extLst>
+                    <a:ext uri="{9D8B030D-6E8A-4147-A177-3AD203B41FA5}">
+                      <a16:colId xmlns:a16="http://schemas.microsoft.com/office/drawing/2014/main" val="2621750813"/>
+                    </a:ext>
+                  </a:extLst>
+                </a:gridCol>
+                <a:gridCol w="1971675">
+                  <a:extLst>
+                    <a:ext uri="{9D8B030D-6E8A-4147-A177-3AD203B41FA5}">
+                      <a16:colId xmlns:a16="http://schemas.microsoft.com/office/drawing/2014/main" val="2072599952"/>
+                    </a:ext>
+                  </a:extLst>
+                </a:gridCol>
+                <a:gridCol w="1971675">
+                  <a:extLst>
+                    <a:ext uri="{9D8B030D-6E8A-4147-A177-3AD203B41FA5}">
+                      <a16:colId xmlns:a16="http://schemas.microsoft.com/office/drawing/2014/main" val="966747215"/>
+                    </a:ext>
+                  </a:extLst>
+                </a:gridCol>
+              </a:tblGrid>
+              <a:tr h="316155">
+                <a:tc>
+                  <a:txBody>
+                    <a:bodyPr/>
+                    <a:lstStyle/>
+                    <a:p>
+                      <a:r>
+                        <a:rPr lang="en-US" sz="1600" dirty="0">
+                          <a:effectLst/>
+                        </a:rPr>
+                        <a:t>Metric</a:t>
+                      </a:r>
+                    </a:p>
+                  </a:txBody>
+                  <a:tcPr marL="51547" marR="51547" marT="34365" marB="34365" anchor="ctr">
+                    <a:lnL w="9525" cap="flat" cmpd="sng" algn="ctr">
+                      <a:solidFill>
+                        <a:srgbClr val="40D9F3"/>
+                      </a:solidFill>
+                      <a:prstDash val="solid"/>
+                      <a:round/>
+                      <a:headEnd type="none" w="med" len="med"/>
+                      <a:tailEnd type="none" w="med" len="med"/>
+                    </a:lnL>
+                    <a:lnR w="9525" cap="flat" cmpd="sng" algn="ctr">
+                      <a:solidFill>
+                        <a:srgbClr val="409EF3"/>
+                      </a:solidFill>
+                      <a:prstDash val="solid"/>
+                      <a:round/>
+                      <a:headEnd type="none" w="med" len="med"/>
+                      <a:tailEnd type="none" w="med" len="med"/>
+                    </a:lnR>
+                    <a:lnT w="9525" cap="flat" cmpd="sng" algn="ctr">
+                      <a:solidFill>
+                        <a:srgbClr val="40D9F3"/>
+                      </a:solidFill>
+                      <a:prstDash val="solid"/>
+                      <a:round/>
+                      <a:headEnd type="none" w="med" len="med"/>
+                      <a:tailEnd type="none" w="med" len="med"/>
+                    </a:lnT>
+                    <a:lnB w="9525" cap="flat" cmpd="sng" algn="ctr">
+                      <a:solidFill>
+                        <a:srgbClr val="40B8F3"/>
+                      </a:solidFill>
+                      <a:prstDash val="solid"/>
+                      <a:round/>
+                      <a:headEnd type="none" w="med" len="med"/>
+                      <a:tailEnd type="none" w="med" len="med"/>
+                    </a:lnB>
+                    <a:noFill/>
+                  </a:tcPr>
+                </a:tc>
+                <a:tc>
+                  <a:txBody>
+                    <a:bodyPr/>
+                    <a:lstStyle/>
+                    <a:p>
+                      <a:r>
+                        <a:rPr lang="en-US" sz="1600" dirty="0">
+                          <a:effectLst/>
+                        </a:rPr>
+                        <a:t>Previous</a:t>
+                      </a:r>
+                    </a:p>
+                  </a:txBody>
+                  <a:tcPr marL="51547" marR="51547" marT="34365" marB="34365" anchor="ctr">
+                    <a:lnL w="9525" cap="flat" cmpd="sng" algn="ctr">
+                      <a:solidFill>
+                        <a:srgbClr val="409EF3"/>
+                      </a:solidFill>
+                      <a:prstDash val="solid"/>
+                      <a:round/>
+                      <a:headEnd type="none" w="med" len="med"/>
+                      <a:tailEnd type="none" w="med" len="med"/>
+                    </a:lnL>
+                    <a:lnR w="9525" cap="flat" cmpd="sng" algn="ctr">
+                      <a:solidFill>
+                        <a:srgbClr val="40A4F3"/>
+                      </a:solidFill>
+                      <a:prstDash val="solid"/>
+                      <a:round/>
+                      <a:headEnd type="none" w="med" len="med"/>
+                      <a:tailEnd type="none" w="med" len="med"/>
+                    </a:lnR>
+                    <a:lnT w="9525" cap="flat" cmpd="sng" algn="ctr">
+                      <a:solidFill>
+                        <a:srgbClr val="409EF3"/>
+                      </a:solidFill>
+                      <a:prstDash val="solid"/>
+                      <a:round/>
+                      <a:headEnd type="none" w="med" len="med"/>
+                      <a:tailEnd type="none" w="med" len="med"/>
+                    </a:lnT>
+                    <a:lnB w="9525" cap="flat" cmpd="sng" algn="ctr">
+                      <a:solidFill>
+                        <a:srgbClr val="40BCF3"/>
+                      </a:solidFill>
+                      <a:prstDash val="solid"/>
+                      <a:round/>
+                      <a:headEnd type="none" w="med" len="med"/>
+                      <a:tailEnd type="none" w="med" len="med"/>
+                    </a:lnB>
+                    <a:noFill/>
+                  </a:tcPr>
+                </a:tc>
+                <a:tc>
+                  <a:txBody>
+                    <a:bodyPr/>
+                    <a:lstStyle/>
+                    <a:p>
+                      <a:r>
+                        <a:rPr lang="en-US" sz="1600">
+                          <a:effectLst/>
+                        </a:rPr>
+                        <a:t>Improved</a:t>
+                      </a:r>
+                    </a:p>
+                  </a:txBody>
+                  <a:tcPr marL="51547" marR="51547" marT="34365" marB="34365" anchor="ctr">
+                    <a:lnL w="9525" cap="flat" cmpd="sng" algn="ctr">
+                      <a:solidFill>
+                        <a:srgbClr val="40A4F3"/>
+                      </a:solidFill>
+                      <a:prstDash val="solid"/>
+                      <a:round/>
+                      <a:headEnd type="none" w="med" len="med"/>
+                      <a:tailEnd type="none" w="med" len="med"/>
+                    </a:lnL>
+                    <a:lnR w="9525" cap="flat" cmpd="sng" algn="ctr">
+                      <a:solidFill>
+                        <a:srgbClr val="00B2F3"/>
+                      </a:solidFill>
+                      <a:prstDash val="solid"/>
+                      <a:round/>
+                      <a:headEnd type="none" w="med" len="med"/>
+                      <a:tailEnd type="none" w="med" len="med"/>
+                    </a:lnR>
+                    <a:lnT w="9525" cap="flat" cmpd="sng" algn="ctr">
+                      <a:solidFill>
+                        <a:srgbClr val="40A4F3"/>
+                      </a:solidFill>
+                      <a:prstDash val="solid"/>
+                      <a:round/>
+                      <a:headEnd type="none" w="med" len="med"/>
+                      <a:tailEnd type="none" w="med" len="med"/>
+                    </a:lnT>
+                    <a:lnB w="9525" cap="flat" cmpd="sng" algn="ctr">
+                      <a:solidFill>
+                        <a:srgbClr val="C05C06"/>
+                      </a:solidFill>
+                      <a:prstDash val="solid"/>
+                      <a:round/>
+                      <a:headEnd type="none" w="med" len="med"/>
+                      <a:tailEnd type="none" w="med" len="med"/>
+                    </a:lnB>
+                    <a:noFill/>
+                  </a:tcPr>
+                </a:tc>
+                <a:tc>
+                  <a:txBody>
+                    <a:bodyPr/>
+                    <a:lstStyle/>
+                    <a:p>
+                      <a:r>
+                        <a:rPr lang="en-US" sz="1600">
+                          <a:effectLst/>
+                        </a:rPr>
+                        <a:t>Change</a:t>
+                      </a:r>
+                    </a:p>
+                  </a:txBody>
+                  <a:tcPr marL="51547" marR="51547" marT="34365" marB="34365" anchor="ctr">
+                    <a:lnL w="9525" cap="flat" cmpd="sng" algn="ctr">
+                      <a:solidFill>
+                        <a:srgbClr val="00B2F3"/>
+                      </a:solidFill>
+                      <a:prstDash val="solid"/>
+                      <a:round/>
+                      <a:headEnd type="none" w="med" len="med"/>
+                      <a:tailEnd type="none" w="med" len="med"/>
+                    </a:lnL>
+                    <a:lnR w="9525" cap="flat" cmpd="sng" algn="ctr">
+                      <a:solidFill>
+                        <a:srgbClr val="00B2F3"/>
+                      </a:solidFill>
+                      <a:prstDash val="solid"/>
+                      <a:round/>
+                      <a:headEnd type="none" w="med" len="med"/>
+                      <a:tailEnd type="none" w="med" len="med"/>
+                    </a:lnR>
+                    <a:lnT w="9525" cap="flat" cmpd="sng" algn="ctr">
+                      <a:solidFill>
+                        <a:srgbClr val="00B2F3"/>
+                      </a:solidFill>
+                      <a:prstDash val="solid"/>
+                      <a:round/>
+                      <a:headEnd type="none" w="med" len="med"/>
+                      <a:tailEnd type="none" w="med" len="med"/>
+                    </a:lnT>
+                    <a:lnB w="9525" cap="flat" cmpd="sng" algn="ctr">
+                      <a:solidFill>
+                        <a:srgbClr val="406B06"/>
+                      </a:solidFill>
+                      <a:prstDash val="solid"/>
+                      <a:round/>
+                      <a:headEnd type="none" w="med" len="med"/>
+                      <a:tailEnd type="none" w="med" len="med"/>
+                    </a:lnB>
+                    <a:noFill/>
+                  </a:tcPr>
+                </a:tc>
+                <a:extLst>
+                  <a:ext uri="{0D108BD9-81ED-4DB2-BD59-A6C34878D82A}">
+                    <a16:rowId xmlns:a16="http://schemas.microsoft.com/office/drawing/2014/main" val="1143153289"/>
+                  </a:ext>
+                </a:extLst>
+              </a:tr>
+              <a:tr h="316155">
+                <a:tc>
+                  <a:txBody>
+                    <a:bodyPr/>
+                    <a:lstStyle/>
+                    <a:p>
+                      <a:r>
+                        <a:rPr lang="en-US" sz="1600">
+                          <a:effectLst/>
+                        </a:rPr>
+                        <a:t>Val Accuracy</a:t>
+                      </a:r>
+                    </a:p>
+                  </a:txBody>
+                  <a:tcPr marL="51547" marR="51547" marT="34365" marB="34365" anchor="ctr">
+                    <a:lnL w="9525" cap="flat" cmpd="sng" algn="ctr">
+                      <a:solidFill>
+                        <a:srgbClr val="40B8F3"/>
+                      </a:solidFill>
+                      <a:prstDash val="solid"/>
+                      <a:round/>
+                      <a:headEnd type="none" w="med" len="med"/>
+                      <a:tailEnd type="none" w="med" len="med"/>
+                    </a:lnL>
+                    <a:lnR w="9525" cap="flat" cmpd="sng" algn="ctr">
+                      <a:solidFill>
+                        <a:srgbClr val="40BCF3"/>
+                      </a:solidFill>
+                      <a:prstDash val="solid"/>
+                      <a:round/>
+                      <a:headEnd type="none" w="med" len="med"/>
+                      <a:tailEnd type="none" w="med" len="med"/>
+                    </a:lnR>
+                    <a:lnT w="9525" cap="flat" cmpd="sng" algn="ctr">
+                      <a:solidFill>
+                        <a:srgbClr val="40B8F3"/>
+                      </a:solidFill>
+                      <a:prstDash val="solid"/>
+                      <a:round/>
+                      <a:headEnd type="none" w="med" len="med"/>
+                      <a:tailEnd type="none" w="med" len="med"/>
+                    </a:lnT>
+                    <a:lnB w="9525" cap="flat" cmpd="sng" algn="ctr">
+                      <a:solidFill>
+                        <a:srgbClr val="C0139E"/>
+                      </a:solidFill>
+                      <a:prstDash val="solid"/>
+                      <a:round/>
+                      <a:headEnd type="none" w="med" len="med"/>
+                      <a:tailEnd type="none" w="med" len="med"/>
+                    </a:lnB>
+                    <a:noFill/>
+                  </a:tcPr>
+                </a:tc>
+                <a:tc>
+                  <a:txBody>
+                    <a:bodyPr/>
+                    <a:lstStyle/>
+                    <a:p>
+                      <a:r>
+                        <a:rPr lang="en-US" sz="1600">
+                          <a:effectLst/>
+                        </a:rPr>
+                        <a:t>~30%</a:t>
+                      </a:r>
+                    </a:p>
+                  </a:txBody>
+                  <a:tcPr marL="51547" marR="51547" marT="34365" marB="34365" anchor="ctr">
+                    <a:lnL w="9525" cap="flat" cmpd="sng" algn="ctr">
+                      <a:solidFill>
+                        <a:srgbClr val="40BCF3"/>
+                      </a:solidFill>
+                      <a:prstDash val="solid"/>
+                      <a:round/>
+                      <a:headEnd type="none" w="med" len="med"/>
+                      <a:tailEnd type="none" w="med" len="med"/>
+                    </a:lnL>
+                    <a:lnR w="9525" cap="flat" cmpd="sng" algn="ctr">
+                      <a:solidFill>
+                        <a:srgbClr val="C05C06"/>
+                      </a:solidFill>
+                      <a:prstDash val="solid"/>
+                      <a:round/>
+                      <a:headEnd type="none" w="med" len="med"/>
+                      <a:tailEnd type="none" w="med" len="med"/>
+                    </a:lnR>
+                    <a:lnT w="9525" cap="flat" cmpd="sng" algn="ctr">
+                      <a:solidFill>
+                        <a:srgbClr val="40BCF3"/>
+                      </a:solidFill>
+                      <a:prstDash val="solid"/>
+                      <a:round/>
+                      <a:headEnd type="none" w="med" len="med"/>
+                      <a:tailEnd type="none" w="med" len="med"/>
+                    </a:lnT>
+                    <a:lnB w="9525" cap="flat" cmpd="sng" algn="ctr">
+                      <a:solidFill>
+                        <a:srgbClr val="00959D"/>
+                      </a:solidFill>
+                      <a:prstDash val="solid"/>
+                      <a:round/>
+                      <a:headEnd type="none" w="med" len="med"/>
+                      <a:tailEnd type="none" w="med" len="med"/>
+                    </a:lnB>
+                    <a:noFill/>
+                  </a:tcPr>
+                </a:tc>
+                <a:tc>
+                  <a:txBody>
+                    <a:bodyPr/>
+                    <a:lstStyle/>
+                    <a:p>
+                      <a:r>
+                        <a:rPr lang="en-US" sz="1600">
+                          <a:effectLst/>
+                        </a:rPr>
+                        <a:t>64.4%</a:t>
+                      </a:r>
+                    </a:p>
+                  </a:txBody>
+                  <a:tcPr marL="51547" marR="51547" marT="34365" marB="34365" anchor="ctr">
+                    <a:lnL w="9525" cap="flat" cmpd="sng" algn="ctr">
+                      <a:solidFill>
+                        <a:srgbClr val="C05C06"/>
+                      </a:solidFill>
+                      <a:prstDash val="solid"/>
+                      <a:round/>
+                      <a:headEnd type="none" w="med" len="med"/>
+                      <a:tailEnd type="none" w="med" len="med"/>
+                    </a:lnL>
+                    <a:lnR w="9525" cap="flat" cmpd="sng" algn="ctr">
+                      <a:solidFill>
+                        <a:srgbClr val="406B06"/>
+                      </a:solidFill>
+                      <a:prstDash val="solid"/>
+                      <a:round/>
+                      <a:headEnd type="none" w="med" len="med"/>
+                      <a:tailEnd type="none" w="med" len="med"/>
+                    </a:lnR>
+                    <a:lnT w="9525" cap="flat" cmpd="sng" algn="ctr">
+                      <a:solidFill>
+                        <a:srgbClr val="C05C06"/>
+                      </a:solidFill>
+                      <a:prstDash val="solid"/>
+                      <a:round/>
+                      <a:headEnd type="none" w="med" len="med"/>
+                      <a:tailEnd type="none" w="med" len="med"/>
+                    </a:lnT>
+                    <a:lnB w="9525" cap="flat" cmpd="sng" algn="ctr">
+                      <a:solidFill>
+                        <a:srgbClr val="10AA61"/>
+                      </a:solidFill>
+                      <a:prstDash val="solid"/>
+                      <a:round/>
+                      <a:headEnd type="none" w="med" len="med"/>
+                      <a:tailEnd type="none" w="med" len="med"/>
+                    </a:lnB>
+                    <a:noFill/>
+                  </a:tcPr>
+                </a:tc>
+                <a:tc>
+                  <a:txBody>
+                    <a:bodyPr/>
+                    <a:lstStyle/>
+                    <a:p>
+                      <a:r>
+                        <a:rPr lang="en-US" sz="1600">
+                          <a:effectLst/>
+                        </a:rPr>
+                        <a:t>+34.4%</a:t>
+                      </a:r>
+                    </a:p>
+                  </a:txBody>
+                  <a:tcPr marL="51547" marR="51547" marT="34365" marB="34365" anchor="ctr">
+                    <a:lnL w="9525" cap="flat" cmpd="sng" algn="ctr">
+                      <a:solidFill>
+                        <a:srgbClr val="406B06"/>
+                      </a:solidFill>
+                      <a:prstDash val="solid"/>
+                      <a:round/>
+                      <a:headEnd type="none" w="med" len="med"/>
+                      <a:tailEnd type="none" w="med" len="med"/>
+                    </a:lnL>
+                    <a:lnR w="9525" cap="flat" cmpd="sng" algn="ctr">
+                      <a:solidFill>
+                        <a:srgbClr val="406B06"/>
+                      </a:solidFill>
+                      <a:prstDash val="solid"/>
+                      <a:round/>
+                      <a:headEnd type="none" w="med" len="med"/>
+                      <a:tailEnd type="none" w="med" len="med"/>
+                    </a:lnR>
+                    <a:lnT w="9525" cap="flat" cmpd="sng" algn="ctr">
+                      <a:solidFill>
+                        <a:srgbClr val="406B06"/>
+                      </a:solidFill>
+                      <a:prstDash val="solid"/>
+                      <a:round/>
+                      <a:headEnd type="none" w="med" len="med"/>
+                      <a:tailEnd type="none" w="med" len="med"/>
+                    </a:lnT>
+                    <a:lnB w="9525" cap="flat" cmpd="sng" algn="ctr">
+                      <a:solidFill>
+                        <a:srgbClr val="E08CAF"/>
+                      </a:solidFill>
+                      <a:prstDash val="solid"/>
+                      <a:round/>
+                      <a:headEnd type="none" w="med" len="med"/>
+                      <a:tailEnd type="none" w="med" len="med"/>
+                    </a:lnB>
+                    <a:noFill/>
+                  </a:tcPr>
+                </a:tc>
+                <a:extLst>
+                  <a:ext uri="{0D108BD9-81ED-4DB2-BD59-A6C34878D82A}">
+                    <a16:rowId xmlns:a16="http://schemas.microsoft.com/office/drawing/2014/main" val="2094834330"/>
+                  </a:ext>
+                </a:extLst>
+              </a:tr>
+              <a:tr h="316155">
+                <a:tc>
+                  <a:txBody>
+                    <a:bodyPr/>
+                    <a:lstStyle/>
+                    <a:p>
+                      <a:r>
+                        <a:rPr lang="en-US" sz="1600">
+                          <a:effectLst/>
+                        </a:rPr>
+                        <a:t>Test Accuracy</a:t>
+                      </a:r>
+                    </a:p>
+                  </a:txBody>
+                  <a:tcPr marL="51547" marR="51547" marT="34365" marB="34365" anchor="ctr">
+                    <a:lnL w="9525" cap="flat" cmpd="sng" algn="ctr">
+                      <a:solidFill>
+                        <a:srgbClr val="C0139E"/>
+                      </a:solidFill>
+                      <a:prstDash val="solid"/>
+                      <a:round/>
+                      <a:headEnd type="none" w="med" len="med"/>
+                      <a:tailEnd type="none" w="med" len="med"/>
+                    </a:lnL>
+                    <a:lnR w="9525" cap="flat" cmpd="sng" algn="ctr">
+                      <a:solidFill>
+                        <a:srgbClr val="00959D"/>
+                      </a:solidFill>
+                      <a:prstDash val="solid"/>
+                      <a:round/>
+                      <a:headEnd type="none" w="med" len="med"/>
+                      <a:tailEnd type="none" w="med" len="med"/>
+                    </a:lnR>
+                    <a:lnT w="9525" cap="flat" cmpd="sng" algn="ctr">
+                      <a:solidFill>
+                        <a:srgbClr val="C0139E"/>
+                      </a:solidFill>
+                      <a:prstDash val="solid"/>
+                      <a:round/>
+                      <a:headEnd type="none" w="med" len="med"/>
+                      <a:tailEnd type="none" w="med" len="med"/>
+                    </a:lnT>
+                    <a:lnB w="9525" cap="flat" cmpd="sng" algn="ctr">
+                      <a:solidFill>
+                        <a:srgbClr val="20D367"/>
+                      </a:solidFill>
+                      <a:prstDash val="solid"/>
+                      <a:round/>
+                      <a:headEnd type="none" w="med" len="med"/>
+                      <a:tailEnd type="none" w="med" len="med"/>
+                    </a:lnB>
+                    <a:noFill/>
+                  </a:tcPr>
+                </a:tc>
+                <a:tc>
+                  <a:txBody>
+                    <a:bodyPr/>
+                    <a:lstStyle/>
+                    <a:p>
+                      <a:r>
+                        <a:rPr lang="en-US" sz="1600">
+                          <a:effectLst/>
+                        </a:rPr>
+                        <a:t>~28%</a:t>
+                      </a:r>
+                    </a:p>
+                  </a:txBody>
+                  <a:tcPr marL="51547" marR="51547" marT="34365" marB="34365" anchor="ctr">
+                    <a:lnL w="9525" cap="flat" cmpd="sng" algn="ctr">
+                      <a:solidFill>
+                        <a:srgbClr val="00959D"/>
+                      </a:solidFill>
+                      <a:prstDash val="solid"/>
+                      <a:round/>
+                      <a:headEnd type="none" w="med" len="med"/>
+                      <a:tailEnd type="none" w="med" len="med"/>
+                    </a:lnL>
+                    <a:lnR w="9525" cap="flat" cmpd="sng" algn="ctr">
+                      <a:solidFill>
+                        <a:srgbClr val="10AA61"/>
+                      </a:solidFill>
+                      <a:prstDash val="solid"/>
+                      <a:round/>
+                      <a:headEnd type="none" w="med" len="med"/>
+                      <a:tailEnd type="none" w="med" len="med"/>
+                    </a:lnR>
+                    <a:lnT w="9525" cap="flat" cmpd="sng" algn="ctr">
+                      <a:solidFill>
+                        <a:srgbClr val="00959D"/>
+                      </a:solidFill>
+                      <a:prstDash val="solid"/>
+                      <a:round/>
+                      <a:headEnd type="none" w="med" len="med"/>
+                      <a:tailEnd type="none" w="med" len="med"/>
+                    </a:lnT>
+                    <a:lnB w="9525" cap="flat" cmpd="sng" algn="ctr">
+                      <a:solidFill>
+                        <a:srgbClr val="40DAF3"/>
+                      </a:solidFill>
+                      <a:prstDash val="solid"/>
+                      <a:round/>
+                      <a:headEnd type="none" w="med" len="med"/>
+                      <a:tailEnd type="none" w="med" len="med"/>
+                    </a:lnB>
+                    <a:noFill/>
+                  </a:tcPr>
+                </a:tc>
+                <a:tc>
+                  <a:txBody>
+                    <a:bodyPr/>
+                    <a:lstStyle/>
+                    <a:p>
+                      <a:r>
+                        <a:rPr lang="en-US" sz="1600">
+                          <a:effectLst/>
+                        </a:rPr>
+                        <a:t>64.37%</a:t>
+                      </a:r>
+                    </a:p>
+                  </a:txBody>
+                  <a:tcPr marL="51547" marR="51547" marT="34365" marB="34365" anchor="ctr">
+                    <a:lnL w="9525" cap="flat" cmpd="sng" algn="ctr">
+                      <a:solidFill>
+                        <a:srgbClr val="10AA61"/>
+                      </a:solidFill>
+                      <a:prstDash val="solid"/>
+                      <a:round/>
+                      <a:headEnd type="none" w="med" len="med"/>
+                      <a:tailEnd type="none" w="med" len="med"/>
+                    </a:lnL>
+                    <a:lnR w="9525" cap="flat" cmpd="sng" algn="ctr">
+                      <a:solidFill>
+                        <a:srgbClr val="E08CAF"/>
+                      </a:solidFill>
+                      <a:prstDash val="solid"/>
+                      <a:round/>
+                      <a:headEnd type="none" w="med" len="med"/>
+                      <a:tailEnd type="none" w="med" len="med"/>
+                    </a:lnR>
+                    <a:lnT w="9525" cap="flat" cmpd="sng" algn="ctr">
+                      <a:solidFill>
+                        <a:srgbClr val="10AA61"/>
+                      </a:solidFill>
+                      <a:prstDash val="solid"/>
+                      <a:round/>
+                      <a:headEnd type="none" w="med" len="med"/>
+                      <a:tailEnd type="none" w="med" len="med"/>
+                    </a:lnT>
+                    <a:lnB w="9525" cap="flat" cmpd="sng" algn="ctr">
+                      <a:solidFill>
+                        <a:srgbClr val="80CF3C"/>
+                      </a:solidFill>
+                      <a:prstDash val="solid"/>
+                      <a:round/>
+                      <a:headEnd type="none" w="med" len="med"/>
+                      <a:tailEnd type="none" w="med" len="med"/>
+                    </a:lnB>
+                    <a:noFill/>
+                  </a:tcPr>
+                </a:tc>
+                <a:tc>
+                  <a:txBody>
+                    <a:bodyPr/>
+                    <a:lstStyle/>
+                    <a:p>
+                      <a:r>
+                        <a:rPr lang="en-US" sz="1600">
+                          <a:effectLst/>
+                        </a:rPr>
+                        <a:t>+36.37%</a:t>
+                      </a:r>
+                    </a:p>
+                  </a:txBody>
+                  <a:tcPr marL="51547" marR="51547" marT="34365" marB="34365" anchor="ctr">
+                    <a:lnL w="9525" cap="flat" cmpd="sng" algn="ctr">
+                      <a:solidFill>
+                        <a:srgbClr val="E08CAF"/>
+                      </a:solidFill>
+                      <a:prstDash val="solid"/>
+                      <a:round/>
+                      <a:headEnd type="none" w="med" len="med"/>
+                      <a:tailEnd type="none" w="med" len="med"/>
+                    </a:lnL>
+                    <a:lnR w="9525" cap="flat" cmpd="sng" algn="ctr">
+                      <a:solidFill>
+                        <a:srgbClr val="E08CAF"/>
+                      </a:solidFill>
+                      <a:prstDash val="solid"/>
+                      <a:round/>
+                      <a:headEnd type="none" w="med" len="med"/>
+                      <a:tailEnd type="none" w="med" len="med"/>
+                    </a:lnR>
+                    <a:lnT w="9525" cap="flat" cmpd="sng" algn="ctr">
+                      <a:solidFill>
+                        <a:srgbClr val="E08CAF"/>
+                      </a:solidFill>
+                      <a:prstDash val="solid"/>
+                      <a:round/>
+                      <a:headEnd type="none" w="med" len="med"/>
+                      <a:tailEnd type="none" w="med" len="med"/>
+                    </a:lnT>
+                    <a:lnB w="9525" cap="flat" cmpd="sng" algn="ctr">
+                      <a:solidFill>
+                        <a:srgbClr val="C06906"/>
+                      </a:solidFill>
+                      <a:prstDash val="solid"/>
+                      <a:round/>
+                      <a:headEnd type="none" w="med" len="med"/>
+                      <a:tailEnd type="none" w="med" len="med"/>
+                    </a:lnB>
+                    <a:noFill/>
+                  </a:tcPr>
+                </a:tc>
+                <a:extLst>
+                  <a:ext uri="{0D108BD9-81ED-4DB2-BD59-A6C34878D82A}">
+                    <a16:rowId xmlns:a16="http://schemas.microsoft.com/office/drawing/2014/main" val="1116769727"/>
+                  </a:ext>
+                </a:extLst>
+              </a:tr>
+              <a:tr h="316155">
+                <a:tc>
+                  <a:txBody>
+                    <a:bodyPr/>
+                    <a:lstStyle/>
+                    <a:p>
+                      <a:r>
+                        <a:rPr lang="en-US" sz="1600">
+                          <a:effectLst/>
+                        </a:rPr>
+                        <a:t>Val Loss</a:t>
+                      </a:r>
+                    </a:p>
+                  </a:txBody>
+                  <a:tcPr marL="51547" marR="51547" marT="34365" marB="34365" anchor="ctr">
+                    <a:lnL w="9525" cap="flat" cmpd="sng" algn="ctr">
+                      <a:solidFill>
+                        <a:srgbClr val="20D367"/>
+                      </a:solidFill>
+                      <a:prstDash val="solid"/>
+                      <a:round/>
+                      <a:headEnd type="none" w="med" len="med"/>
+                      <a:tailEnd type="none" w="med" len="med"/>
+                    </a:lnL>
+                    <a:lnR w="9525" cap="flat" cmpd="sng" algn="ctr">
+                      <a:solidFill>
+                        <a:srgbClr val="40DAF3"/>
+                      </a:solidFill>
+                      <a:prstDash val="solid"/>
+                      <a:round/>
+                      <a:headEnd type="none" w="med" len="med"/>
+                      <a:tailEnd type="none" w="med" len="med"/>
+                    </a:lnR>
+                    <a:lnT w="9525" cap="flat" cmpd="sng" algn="ctr">
+                      <a:solidFill>
+                        <a:srgbClr val="20D367"/>
+                      </a:solidFill>
+                      <a:prstDash val="solid"/>
+                      <a:round/>
+                      <a:headEnd type="none" w="med" len="med"/>
+                      <a:tailEnd type="none" w="med" len="med"/>
+                    </a:lnT>
+                    <a:lnB w="9525" cap="flat" cmpd="sng" algn="ctr">
+                      <a:solidFill>
+                        <a:srgbClr val="A0C02B"/>
+                      </a:solidFill>
+                      <a:prstDash val="solid"/>
+                      <a:round/>
+                      <a:headEnd type="none" w="med" len="med"/>
+                      <a:tailEnd type="none" w="med" len="med"/>
+                    </a:lnB>
+                    <a:noFill/>
+                  </a:tcPr>
+                </a:tc>
+                <a:tc>
+                  <a:txBody>
+                    <a:bodyPr/>
+                    <a:lstStyle/>
+                    <a:p>
+                      <a:r>
+                        <a:rPr lang="en-US" sz="1600">
+                          <a:effectLst/>
+                        </a:rPr>
+                        <a:t>~3.2 (flat)</a:t>
+                      </a:r>
+                    </a:p>
+                  </a:txBody>
+                  <a:tcPr marL="51547" marR="51547" marT="34365" marB="34365" anchor="ctr">
+                    <a:lnL w="9525" cap="flat" cmpd="sng" algn="ctr">
+                      <a:solidFill>
+                        <a:srgbClr val="40DAF3"/>
+                      </a:solidFill>
+                      <a:prstDash val="solid"/>
+                      <a:round/>
+                      <a:headEnd type="none" w="med" len="med"/>
+                      <a:tailEnd type="none" w="med" len="med"/>
+                    </a:lnL>
+                    <a:lnR w="9525" cap="flat" cmpd="sng" algn="ctr">
+                      <a:solidFill>
+                        <a:srgbClr val="80CF3C"/>
+                      </a:solidFill>
+                      <a:prstDash val="solid"/>
+                      <a:round/>
+                      <a:headEnd type="none" w="med" len="med"/>
+                      <a:tailEnd type="none" w="med" len="med"/>
+                    </a:lnR>
+                    <a:lnT w="9525" cap="flat" cmpd="sng" algn="ctr">
+                      <a:solidFill>
+                        <a:srgbClr val="40DAF3"/>
+                      </a:solidFill>
+                      <a:prstDash val="solid"/>
+                      <a:round/>
+                      <a:headEnd type="none" w="med" len="med"/>
+                      <a:tailEnd type="none" w="med" len="med"/>
+                    </a:lnT>
+                    <a:lnB w="9525" cap="flat" cmpd="sng" algn="ctr">
+                      <a:solidFill>
+                        <a:srgbClr val="10A961"/>
+                      </a:solidFill>
+                      <a:prstDash val="solid"/>
+                      <a:round/>
+                      <a:headEnd type="none" w="med" len="med"/>
+                      <a:tailEnd type="none" w="med" len="med"/>
+                    </a:lnB>
+                    <a:noFill/>
+                  </a:tcPr>
+                </a:tc>
+                <a:tc>
+                  <a:txBody>
+                    <a:bodyPr/>
+                    <a:lstStyle/>
+                    <a:p>
+                      <a:r>
+                        <a:rPr lang="en-US" sz="1600">
+                          <a:effectLst/>
+                        </a:rPr>
+                        <a:t>~1.1 (converged)</a:t>
+                      </a:r>
+                    </a:p>
+                  </a:txBody>
+                  <a:tcPr marL="51547" marR="51547" marT="34365" marB="34365" anchor="ctr">
+                    <a:lnL w="9525" cap="flat" cmpd="sng" algn="ctr">
+                      <a:solidFill>
+                        <a:srgbClr val="80CF3C"/>
+                      </a:solidFill>
+                      <a:prstDash val="solid"/>
+                      <a:round/>
+                      <a:headEnd type="none" w="med" len="med"/>
+                      <a:tailEnd type="none" w="med" len="med"/>
+                    </a:lnL>
+                    <a:lnR w="9525" cap="flat" cmpd="sng" algn="ctr">
+                      <a:solidFill>
+                        <a:srgbClr val="C06906"/>
+                      </a:solidFill>
+                      <a:prstDash val="solid"/>
+                      <a:round/>
+                      <a:headEnd type="none" w="med" len="med"/>
+                      <a:tailEnd type="none" w="med" len="med"/>
+                    </a:lnR>
+                    <a:lnT w="9525" cap="flat" cmpd="sng" algn="ctr">
+                      <a:solidFill>
+                        <a:srgbClr val="80CF3C"/>
+                      </a:solidFill>
+                      <a:prstDash val="solid"/>
+                      <a:round/>
+                      <a:headEnd type="none" w="med" len="med"/>
+                      <a:tailEnd type="none" w="med" len="med"/>
+                    </a:lnT>
+                    <a:lnB w="9525" cap="flat" cmpd="sng" algn="ctr">
+                      <a:solidFill>
+                        <a:srgbClr val="605A40"/>
+                      </a:solidFill>
+                      <a:prstDash val="solid"/>
+                      <a:round/>
+                      <a:headEnd type="none" w="med" len="med"/>
+                      <a:tailEnd type="none" w="med" len="med"/>
+                    </a:lnB>
+                    <a:noFill/>
+                  </a:tcPr>
+                </a:tc>
+                <a:tc>
+                  <a:txBody>
+                    <a:bodyPr/>
+                    <a:lstStyle/>
+                    <a:p>
+                      <a:r>
+                        <a:rPr lang="en-US" sz="1600">
+                          <a:effectLst/>
+                        </a:rPr>
+                        <a:t>-66%</a:t>
+                      </a:r>
+                    </a:p>
+                  </a:txBody>
+                  <a:tcPr marL="51547" marR="51547" marT="34365" marB="34365" anchor="ctr">
+                    <a:lnL w="9525" cap="flat" cmpd="sng" algn="ctr">
+                      <a:solidFill>
+                        <a:srgbClr val="C06906"/>
+                      </a:solidFill>
+                      <a:prstDash val="solid"/>
+                      <a:round/>
+                      <a:headEnd type="none" w="med" len="med"/>
+                      <a:tailEnd type="none" w="med" len="med"/>
+                    </a:lnL>
+                    <a:lnR w="9525" cap="flat" cmpd="sng" algn="ctr">
+                      <a:solidFill>
+                        <a:srgbClr val="C06906"/>
+                      </a:solidFill>
+                      <a:prstDash val="solid"/>
+                      <a:round/>
+                      <a:headEnd type="none" w="med" len="med"/>
+                      <a:tailEnd type="none" w="med" len="med"/>
+                    </a:lnR>
+                    <a:lnT w="9525" cap="flat" cmpd="sng" algn="ctr">
+                      <a:solidFill>
+                        <a:srgbClr val="C06906"/>
+                      </a:solidFill>
+                      <a:prstDash val="solid"/>
+                      <a:round/>
+                      <a:headEnd type="none" w="med" len="med"/>
+                      <a:tailEnd type="none" w="med" len="med"/>
+                    </a:lnT>
+                    <a:lnB w="9525" cap="flat" cmpd="sng" algn="ctr">
+                      <a:solidFill>
+                        <a:srgbClr val="C0939D"/>
+                      </a:solidFill>
+                      <a:prstDash val="solid"/>
+                      <a:round/>
+                      <a:headEnd type="none" w="med" len="med"/>
+                      <a:tailEnd type="none" w="med" len="med"/>
+                    </a:lnB>
+                    <a:noFill/>
+                  </a:tcPr>
+                </a:tc>
+                <a:extLst>
+                  <a:ext uri="{0D108BD9-81ED-4DB2-BD59-A6C34878D82A}">
+                    <a16:rowId xmlns:a16="http://schemas.microsoft.com/office/drawing/2014/main" val="2958860162"/>
+                  </a:ext>
+                </a:extLst>
+              </a:tr>
+              <a:tr h="316155">
+                <a:tc>
+                  <a:txBody>
+                    <a:bodyPr/>
+                    <a:lstStyle/>
+                    <a:p>
+                      <a:r>
+                        <a:rPr lang="en-US" sz="1600">
+                          <a:effectLst/>
+                        </a:rPr>
+                        <a:t>Training Behavior</a:t>
+                      </a:r>
+                    </a:p>
+                  </a:txBody>
+                  <a:tcPr marL="51547" marR="51547" marT="34365" marB="34365" anchor="ctr">
+                    <a:lnL w="9525" cap="flat" cmpd="sng" algn="ctr">
+                      <a:solidFill>
+                        <a:srgbClr val="A0C02B"/>
+                      </a:solidFill>
+                      <a:prstDash val="solid"/>
+                      <a:round/>
+                      <a:headEnd type="none" w="med" len="med"/>
+                      <a:tailEnd type="none" w="med" len="med"/>
+                    </a:lnL>
+                    <a:lnR w="9525" cap="flat" cmpd="sng" algn="ctr">
+                      <a:solidFill>
+                        <a:srgbClr val="10A961"/>
+                      </a:solidFill>
+                      <a:prstDash val="solid"/>
+                      <a:round/>
+                      <a:headEnd type="none" w="med" len="med"/>
+                      <a:tailEnd type="none" w="med" len="med"/>
+                    </a:lnR>
+                    <a:lnT w="9525" cap="flat" cmpd="sng" algn="ctr">
+                      <a:solidFill>
+                        <a:srgbClr val="A0C02B"/>
+                      </a:solidFill>
+                      <a:prstDash val="solid"/>
+                      <a:round/>
+                      <a:headEnd type="none" w="med" len="med"/>
+                      <a:tailEnd type="none" w="med" len="med"/>
+                    </a:lnT>
+                    <a:lnB w="9525" cap="flat" cmpd="sng" algn="ctr">
+                      <a:solidFill>
+                        <a:srgbClr val="A0C02B"/>
+                      </a:solidFill>
+                      <a:prstDash val="solid"/>
+                      <a:round/>
+                      <a:headEnd type="none" w="med" len="med"/>
+                      <a:tailEnd type="none" w="med" len="med"/>
+                    </a:lnB>
+                    <a:noFill/>
+                  </a:tcPr>
+                </a:tc>
+                <a:tc>
+                  <a:txBody>
+                    <a:bodyPr/>
+                    <a:lstStyle/>
+                    <a:p>
+                      <a:r>
+                        <a:rPr lang="en-US" sz="1600">
+                          <a:effectLst/>
+                        </a:rPr>
+                        <a:t>Underfitting</a:t>
+                      </a:r>
+                    </a:p>
+                  </a:txBody>
+                  <a:tcPr marL="51547" marR="51547" marT="34365" marB="34365" anchor="ctr">
+                    <a:lnL w="9525" cap="flat" cmpd="sng" algn="ctr">
+                      <a:solidFill>
+                        <a:srgbClr val="10A961"/>
+                      </a:solidFill>
+                      <a:prstDash val="solid"/>
+                      <a:round/>
+                      <a:headEnd type="none" w="med" len="med"/>
+                      <a:tailEnd type="none" w="med" len="med"/>
+                    </a:lnL>
+                    <a:lnR w="9525" cap="flat" cmpd="sng" algn="ctr">
+                      <a:solidFill>
+                        <a:srgbClr val="605A40"/>
+                      </a:solidFill>
+                      <a:prstDash val="solid"/>
+                      <a:round/>
+                      <a:headEnd type="none" w="med" len="med"/>
+                      <a:tailEnd type="none" w="med" len="med"/>
+                    </a:lnR>
+                    <a:lnT w="9525" cap="flat" cmpd="sng" algn="ctr">
+                      <a:solidFill>
+                        <a:srgbClr val="10A961"/>
+                      </a:solidFill>
+                      <a:prstDash val="solid"/>
+                      <a:round/>
+                      <a:headEnd type="none" w="med" len="med"/>
+                      <a:tailEnd type="none" w="med" len="med"/>
+                    </a:lnT>
+                    <a:lnB w="9525" cap="flat" cmpd="sng" algn="ctr">
+                      <a:solidFill>
+                        <a:srgbClr val="10A961"/>
+                      </a:solidFill>
+                      <a:prstDash val="solid"/>
+                      <a:round/>
+                      <a:headEnd type="none" w="med" len="med"/>
+                      <a:tailEnd type="none" w="med" len="med"/>
+                    </a:lnB>
+                    <a:noFill/>
+                  </a:tcPr>
+                </a:tc>
+                <a:tc>
+                  <a:txBody>
+                    <a:bodyPr/>
+                    <a:lstStyle/>
+                    <a:p>
+                      <a:r>
+                        <a:rPr lang="en-US" sz="1600">
+                          <a:effectLst/>
+                        </a:rPr>
+                        <a:t>Proper learning</a:t>
+                      </a:r>
+                    </a:p>
+                  </a:txBody>
+                  <a:tcPr marL="51547" marR="51547" marT="34365" marB="34365" anchor="ctr">
+                    <a:lnL w="9525" cap="flat" cmpd="sng" algn="ctr">
+                      <a:solidFill>
+                        <a:srgbClr val="605A40"/>
+                      </a:solidFill>
+                      <a:prstDash val="solid"/>
+                      <a:round/>
+                      <a:headEnd type="none" w="med" len="med"/>
+                      <a:tailEnd type="none" w="med" len="med"/>
+                    </a:lnL>
+                    <a:lnR w="9525" cap="flat" cmpd="sng" algn="ctr">
+                      <a:solidFill>
+                        <a:srgbClr val="C0939D"/>
+                      </a:solidFill>
+                      <a:prstDash val="solid"/>
+                      <a:round/>
+                      <a:headEnd type="none" w="med" len="med"/>
+                      <a:tailEnd type="none" w="med" len="med"/>
+                    </a:lnR>
+                    <a:lnT w="9525" cap="flat" cmpd="sng" algn="ctr">
+                      <a:solidFill>
+                        <a:srgbClr val="605A40"/>
+                      </a:solidFill>
+                      <a:prstDash val="solid"/>
+                      <a:round/>
+                      <a:headEnd type="none" w="med" len="med"/>
+                      <a:tailEnd type="none" w="med" len="med"/>
+                    </a:lnT>
+                    <a:lnB w="9525" cap="flat" cmpd="sng" algn="ctr">
+                      <a:solidFill>
+                        <a:srgbClr val="605A40"/>
+                      </a:solidFill>
+                      <a:prstDash val="solid"/>
+                      <a:round/>
+                      <a:headEnd type="none" w="med" len="med"/>
+                      <a:tailEnd type="none" w="med" len="med"/>
+                    </a:lnB>
+                    <a:noFill/>
+                  </a:tcPr>
+                </a:tc>
+                <a:tc>
+                  <a:txBody>
+                    <a:bodyPr/>
+                    <a:lstStyle/>
+                    <a:p>
+                      <a:r>
+                        <a:rPr lang="en-US" sz="1600" dirty="0">
+                          <a:effectLst/>
+                        </a:rPr>
+                        <a:t>✓ Fixed</a:t>
+                      </a:r>
+                    </a:p>
+                  </a:txBody>
+                  <a:tcPr marL="51547" marR="51547" marT="34365" marB="34365" anchor="ctr">
+                    <a:lnL w="9525" cap="flat" cmpd="sng" algn="ctr">
+                      <a:solidFill>
+                        <a:srgbClr val="C0939D"/>
+                      </a:solidFill>
+                      <a:prstDash val="solid"/>
+                      <a:round/>
+                      <a:headEnd type="none" w="med" len="med"/>
+                      <a:tailEnd type="none" w="med" len="med"/>
+                    </a:lnL>
+                    <a:lnR w="9525" cap="flat" cmpd="sng" algn="ctr">
+                      <a:solidFill>
+                        <a:srgbClr val="C0939D"/>
+                      </a:solidFill>
+                      <a:prstDash val="solid"/>
+                      <a:round/>
+                      <a:headEnd type="none" w="med" len="med"/>
+                      <a:tailEnd type="none" w="med" len="med"/>
+                    </a:lnR>
+                    <a:lnT w="9525" cap="flat" cmpd="sng" algn="ctr">
+                      <a:solidFill>
+                        <a:srgbClr val="C0939D"/>
+                      </a:solidFill>
+                      <a:prstDash val="solid"/>
+                      <a:round/>
+                      <a:headEnd type="none" w="med" len="med"/>
+                      <a:tailEnd type="none" w="med" len="med"/>
+                    </a:lnT>
+                    <a:lnB w="9525" cap="flat" cmpd="sng" algn="ctr">
+                      <a:solidFill>
+                        <a:srgbClr val="C0939D"/>
+                      </a:solidFill>
+                      <a:prstDash val="solid"/>
+                      <a:round/>
+                      <a:headEnd type="none" w="med" len="med"/>
+                      <a:tailEnd type="none" w="med" len="med"/>
+                    </a:lnB>
+                    <a:noFill/>
+                  </a:tcPr>
+                </a:tc>
+                <a:extLst>
+                  <a:ext uri="{0D108BD9-81ED-4DB2-BD59-A6C34878D82A}">
+                    <a16:rowId xmlns:a16="http://schemas.microsoft.com/office/drawing/2014/main" val="2023716043"/>
+                  </a:ext>
+                </a:extLst>
+              </a:tr>
+            </a:tbl>
+          </a:graphicData>
+        </a:graphic>
+      </p:graphicFrame>
+    </p:spTree>
+    <p:extLst>
+      <p:ext uri="{BB962C8B-B14F-4D97-AF65-F5344CB8AC3E}">
+        <p14:creationId xmlns:p14="http://schemas.microsoft.com/office/powerpoint/2010/main" val="1105115719"/>
+      </p:ext>
+    </p:extLst>
+  </p:cSld>
+  <p:clrMapOvr>
+    <a:masterClrMapping/>
+  </p:clrMapOvr>
+</p:sld>
+</file>
+
+<file path=ppt/slides/slide22.xml><?xml version="1.0" encoding="utf-8"?>
+<p:sld xmlns:a="http://schemas.openxmlformats.org/drawingml/2006/main" xmlns:r="http://schemas.openxmlformats.org/officeDocument/2006/relationships" xmlns:p="http://schemas.openxmlformats.org/presentationml/2006/main">
+  <p:cSld>
+    <p:spTree>
+      <p:nvGrpSpPr>
+        <p:cNvPr id="1" name=""/>
+        <p:cNvGrpSpPr/>
+        <p:nvPr/>
+      </p:nvGrpSpPr>
+      <p:grpSpPr>
+        <a:xfrm>
+          <a:off x="0" y="0"/>
+          <a:ext cx="0" cy="0"/>
+          <a:chOff x="0" y="0"/>
+          <a:chExt cx="0" cy="0"/>
+        </a:xfrm>
+      </p:grpSpPr>
+      <p:pic>
+        <p:nvPicPr>
+          <p:cNvPr id="4" name="Picture 3">
+            <a:extLst>
+              <a:ext uri="{FF2B5EF4-FFF2-40B4-BE49-F238E27FC236}">
+                <a16:creationId xmlns:a16="http://schemas.microsoft.com/office/drawing/2014/main" id="{D89D4C60-98B2-4A33-BA2A-04DAE9F86718}"/>
+              </a:ext>
+            </a:extLst>
+          </p:cNvPr>
+          <p:cNvPicPr>
+            <a:picLocks noChangeAspect="1"/>
+          </p:cNvPicPr>
+          <p:nvPr/>
+        </p:nvPicPr>
+        <p:blipFill>
+          <a:blip r:embed="rId2"/>
+          <a:stretch>
+            <a:fillRect/>
+          </a:stretch>
+        </p:blipFill>
+        <p:spPr>
+          <a:xfrm>
+            <a:off x="500087" y="914969"/>
+            <a:ext cx="3802557" cy="3026720"/>
+          </a:xfrm>
+          <a:prstGeom prst="rect">
+            <a:avLst/>
+          </a:prstGeom>
+        </p:spPr>
+      </p:pic>
+      <p:pic>
+        <p:nvPicPr>
+          <p:cNvPr id="5" name="Picture 4">
+            <a:extLst>
+              <a:ext uri="{FF2B5EF4-FFF2-40B4-BE49-F238E27FC236}">
+                <a16:creationId xmlns:a16="http://schemas.microsoft.com/office/drawing/2014/main" id="{4D5B4F8B-8312-4D6F-BEFD-62A261E591EA}"/>
+              </a:ext>
+            </a:extLst>
+          </p:cNvPr>
+          <p:cNvPicPr>
+            <a:picLocks noChangeAspect="1"/>
+          </p:cNvPicPr>
+          <p:nvPr/>
+        </p:nvPicPr>
+        <p:blipFill>
+          <a:blip r:embed="rId3"/>
+          <a:stretch>
+            <a:fillRect/>
+          </a:stretch>
+        </p:blipFill>
+        <p:spPr>
+          <a:xfrm>
+            <a:off x="4841357" y="905704"/>
+            <a:ext cx="3726933" cy="3035985"/>
+          </a:xfrm>
+          <a:prstGeom prst="rect">
+            <a:avLst/>
+          </a:prstGeom>
+        </p:spPr>
+      </p:pic>
+    </p:spTree>
+    <p:extLst>
+      <p:ext uri="{BB962C8B-B14F-4D97-AF65-F5344CB8AC3E}">
+        <p14:creationId xmlns:p14="http://schemas.microsoft.com/office/powerpoint/2010/main" val="916215956"/>
+      </p:ext>
+    </p:extLst>
+  </p:cSld>
+  <p:clrMapOvr>
+    <a:masterClrMapping/>
+  </p:clrMapOvr>
+</p:sld>
+</file>
+
+<file path=ppt/slides/slide23.xml><?xml version="1.0" encoding="utf-8"?>
+<p:sld xmlns:a="http://schemas.openxmlformats.org/drawingml/2006/main" xmlns:r="http://schemas.openxmlformats.org/officeDocument/2006/relationships" xmlns:p="http://schemas.openxmlformats.org/presentationml/2006/main">
+  <p:cSld>
+    <p:spTree>
+      <p:nvGrpSpPr>
+        <p:cNvPr id="1" name=""/>
+        <p:cNvGrpSpPr/>
+        <p:nvPr/>
+      </p:nvGrpSpPr>
+      <p:grpSpPr>
+        <a:xfrm>
+          <a:off x="0" y="0"/>
+          <a:ext cx="0" cy="0"/>
+          <a:chOff x="0" y="0"/>
+          <a:chExt cx="0" cy="0"/>
+        </a:xfrm>
+      </p:grpSpPr>
+      <p:pic>
+        <p:nvPicPr>
+          <p:cNvPr id="2" name="Picture 1">
+            <a:extLst>
+              <a:ext uri="{FF2B5EF4-FFF2-40B4-BE49-F238E27FC236}">
+                <a16:creationId xmlns:a16="http://schemas.microsoft.com/office/drawing/2014/main" id="{6AAEE4ED-DBC2-40A5-B5F0-A7D1D3378185}"/>
+              </a:ext>
+            </a:extLst>
+          </p:cNvPr>
+          <p:cNvPicPr>
+            <a:picLocks noChangeAspect="1"/>
+          </p:cNvPicPr>
+          <p:nvPr/>
+        </p:nvPicPr>
+        <p:blipFill>
+          <a:blip r:embed="rId2"/>
+          <a:stretch>
+            <a:fillRect/>
+          </a:stretch>
+        </p:blipFill>
+        <p:spPr>
+          <a:xfrm>
+            <a:off x="2697498" y="166028"/>
+            <a:ext cx="3749003" cy="3454092"/>
+          </a:xfrm>
+          <a:prstGeom prst="rect">
+            <a:avLst/>
+          </a:prstGeom>
+        </p:spPr>
+      </p:pic>
+      <p:pic>
+        <p:nvPicPr>
+          <p:cNvPr id="3" name="Picture 2">
+            <a:extLst>
+              <a:ext uri="{FF2B5EF4-FFF2-40B4-BE49-F238E27FC236}">
+                <a16:creationId xmlns:a16="http://schemas.microsoft.com/office/drawing/2014/main" id="{C10BC4A5-E917-4ECE-A24C-FA28BF09003B}"/>
+              </a:ext>
+            </a:extLst>
+          </p:cNvPr>
+          <p:cNvPicPr>
+            <a:picLocks noChangeAspect="1"/>
+          </p:cNvPicPr>
+          <p:nvPr/>
+        </p:nvPicPr>
+        <p:blipFill>
+          <a:blip r:embed="rId3"/>
+          <a:stretch>
+            <a:fillRect/>
+          </a:stretch>
+        </p:blipFill>
+        <p:spPr>
+          <a:xfrm>
+            <a:off x="1776021" y="3720093"/>
+            <a:ext cx="5591955" cy="1190791"/>
+          </a:xfrm>
+          <a:prstGeom prst="rect">
+            <a:avLst/>
+          </a:prstGeom>
+        </p:spPr>
+      </p:pic>
+    </p:spTree>
+    <p:extLst>
+      <p:ext uri="{BB962C8B-B14F-4D97-AF65-F5344CB8AC3E}">
+        <p14:creationId xmlns:p14="http://schemas.microsoft.com/office/powerpoint/2010/main" val="271219330"/>
+      </p:ext>
+    </p:extLst>
+  </p:cSld>
+  <p:clrMapOvr>
+    <a:masterClrMapping/>
+  </p:clrMapOvr>
+</p:sld>
+</file>
+
+<file path=ppt/slides/slide24.xml><?xml version="1.0" encoding="utf-8"?>
+<p:sld xmlns:a="http://schemas.openxmlformats.org/drawingml/2006/main" xmlns:r="http://schemas.openxmlformats.org/officeDocument/2006/relationships" xmlns:p="http://schemas.openxmlformats.org/presentationml/2006/main">
+  <p:cSld>
+    <p:spTree>
+      <p:nvGrpSpPr>
+        <p:cNvPr id="1" name=""/>
+        <p:cNvGrpSpPr/>
+        <p:nvPr/>
+      </p:nvGrpSpPr>
+      <p:grpSpPr>
+        <a:xfrm>
+          <a:off x="0" y="0"/>
+          <a:ext cx="0" cy="0"/>
+          <a:chOff x="0" y="0"/>
+          <a:chExt cx="0" cy="0"/>
+        </a:xfrm>
+      </p:grpSpPr>
+      <p:sp>
+        <p:nvSpPr>
+          <p:cNvPr id="59" name="PlaceHolder 1"/>
+          <p:cNvSpPr>
+            <a:spLocks noGrp="1"/>
+          </p:cNvSpPr>
+          <p:nvPr>
+            <p:ph type="title"/>
+          </p:nvPr>
+        </p:nvSpPr>
+        <p:spPr>
+          <a:xfrm>
+            <a:off x="143540" y="133920"/>
+            <a:ext cx="7495920" cy="1504440"/>
+          </a:xfrm>
+          <a:prstGeom prst="rect">
+            <a:avLst/>
+          </a:prstGeom>
+          <a:noFill/>
+          <a:ln w="0">
+            <a:noFill/>
+          </a:ln>
+        </p:spPr>
+        <p:txBody>
+          <a:bodyPr lIns="91440" tIns="91440" rIns="91440" bIns="91440" anchor="b">
+            <a:normAutofit/>
+          </a:bodyPr>
+          <a:lstStyle/>
+          <a:p>
+            <a:pPr>
+              <a:lnSpc>
+                <a:spcPct val="100000"/>
+              </a:lnSpc>
+              <a:tabLst>
+                <a:tab pos="0" algn="l"/>
+              </a:tabLst>
+            </a:pPr>
+            <a:r>
+              <a:rPr lang="fr-FR" sz="2600" b="1" dirty="0">
+                <a:solidFill>
+                  <a:schemeClr val="dk1"/>
+                </a:solidFill>
+                <a:latin typeface="Space Grotesk"/>
+              </a:rPr>
+              <a:t>ES(1+1) HYPERPARAMETER OPTIMIZATION</a:t>
+            </a:r>
+            <a:endParaRPr lang="fr-FR" sz="2600" b="1" u="none" strike="noStrike" dirty="0">
+              <a:solidFill>
+                <a:schemeClr val="dk1"/>
+              </a:solidFill>
+              <a:effectLst/>
+              <a:uFillTx/>
+              <a:latin typeface="Space Grotesk"/>
+            </a:endParaRPr>
+          </a:p>
+        </p:txBody>
+      </p:sp>
+      <p:sp>
+        <p:nvSpPr>
+          <p:cNvPr id="60" name="PlaceHolder 2"/>
+          <p:cNvSpPr>
+            <a:spLocks noGrp="1"/>
+          </p:cNvSpPr>
+          <p:nvPr>
+            <p:ph type="subTitle"/>
+          </p:nvPr>
+        </p:nvSpPr>
+        <p:spPr>
+          <a:xfrm>
+            <a:off x="2523960" y="1743740"/>
+            <a:ext cx="6391080" cy="1963479"/>
+          </a:xfrm>
+          <a:prstGeom prst="rect">
+            <a:avLst/>
+          </a:prstGeom>
+          <a:noFill/>
+          <a:ln w="0">
+            <a:noFill/>
+          </a:ln>
+        </p:spPr>
+        <p:txBody>
+          <a:bodyPr lIns="91440" tIns="91440" rIns="91440" bIns="91440" anchor="t">
+            <a:normAutofit fontScale="32500" lnSpcReduction="20000"/>
+          </a:bodyPr>
+          <a:lstStyle/>
+          <a:p>
+            <a:pPr>
+              <a:lnSpc>
+                <a:spcPct val="120000"/>
+              </a:lnSpc>
+            </a:pPr>
+            <a:r>
+              <a:rPr lang="en-US" b="1" dirty="0">
+                <a:latin typeface="Hind"/>
+              </a:rPr>
+              <a:t>Optimized Hyperparameters:</a:t>
+            </a:r>
+          </a:p>
+          <a:p>
+            <a:pPr marL="571500" indent="-571500">
+              <a:lnSpc>
+                <a:spcPct val="120000"/>
+              </a:lnSpc>
+              <a:buFont typeface="Arial" panose="020B0604020202020204" pitchFamily="34" charset="0"/>
+              <a:buChar char="•"/>
+            </a:pPr>
+            <a:r>
+              <a:rPr lang="en-US" dirty="0">
+                <a:latin typeface="Hind"/>
+              </a:rPr>
+              <a:t>Learning rate (1e-5 to 1e-2 range)</a:t>
+            </a:r>
+          </a:p>
+          <a:p>
+            <a:pPr marL="571500" indent="-571500">
+              <a:lnSpc>
+                <a:spcPct val="120000"/>
+              </a:lnSpc>
+              <a:buFont typeface="Arial" panose="020B0604020202020204" pitchFamily="34" charset="0"/>
+              <a:buChar char="•"/>
+            </a:pPr>
+            <a:r>
+              <a:rPr lang="en-US" dirty="0">
+                <a:latin typeface="Hind"/>
+              </a:rPr>
+              <a:t>Label smoothing (0.0 to 0.2)</a:t>
+            </a:r>
+          </a:p>
+          <a:p>
+            <a:pPr marL="571500" indent="-571500">
+              <a:lnSpc>
+                <a:spcPct val="120000"/>
+              </a:lnSpc>
+              <a:buFont typeface="Arial" panose="020B0604020202020204" pitchFamily="34" charset="0"/>
+              <a:buChar char="•"/>
+            </a:pPr>
+            <a:r>
+              <a:rPr lang="en-US" dirty="0">
+                <a:latin typeface="Hind"/>
+              </a:rPr>
+              <a:t>Rotation range (0° to 15°)</a:t>
+            </a:r>
+          </a:p>
+          <a:p>
+            <a:pPr marL="571500" indent="-571500">
+              <a:lnSpc>
+                <a:spcPct val="120000"/>
+              </a:lnSpc>
+              <a:buFont typeface="Arial" panose="020B0604020202020204" pitchFamily="34" charset="0"/>
+              <a:buChar char="•"/>
+            </a:pPr>
+            <a:r>
+              <a:rPr lang="en-US" dirty="0">
+                <a:latin typeface="Hind"/>
+              </a:rPr>
+              <a:t>Zoom range (5% to 30%)</a:t>
+            </a:r>
+          </a:p>
+          <a:p>
+            <a:pPr marL="571500" indent="-571500">
+              <a:lnSpc>
+                <a:spcPct val="120000"/>
+              </a:lnSpc>
+              <a:buFont typeface="Arial" panose="020B0604020202020204" pitchFamily="34" charset="0"/>
+              <a:buChar char="•"/>
+            </a:pPr>
+            <a:endParaRPr lang="en-US" dirty="0">
+              <a:latin typeface="Hind"/>
+            </a:endParaRPr>
+          </a:p>
+          <a:p>
+            <a:pPr>
+              <a:lnSpc>
+                <a:spcPct val="120000"/>
+              </a:lnSpc>
+            </a:pPr>
+            <a:r>
+              <a:rPr lang="en-US" b="1" dirty="0">
+                <a:latin typeface="Hind"/>
+              </a:rPr>
+              <a:t>ES(1+1) Algorithm:</a:t>
+            </a:r>
+          </a:p>
+          <a:p>
+            <a:pPr>
+              <a:lnSpc>
+                <a:spcPct val="120000"/>
+              </a:lnSpc>
+            </a:pPr>
+            <a:endParaRPr lang="en-US" b="1" u="sng" dirty="0">
+              <a:latin typeface="Hind"/>
+            </a:endParaRPr>
+          </a:p>
+        </p:txBody>
+      </p:sp>
+      <p:pic>
+        <p:nvPicPr>
+          <p:cNvPr id="2" name="Picture 1">
+            <a:extLst>
+              <a:ext uri="{FF2B5EF4-FFF2-40B4-BE49-F238E27FC236}">
+                <a16:creationId xmlns:a16="http://schemas.microsoft.com/office/drawing/2014/main" id="{6EBA6AAB-3E7E-4AA5-993D-A9B2F815D481}"/>
+              </a:ext>
+            </a:extLst>
+          </p:cNvPr>
+          <p:cNvPicPr>
+            <a:picLocks noChangeAspect="1"/>
+          </p:cNvPicPr>
+          <p:nvPr/>
+        </p:nvPicPr>
+        <p:blipFill>
+          <a:blip r:embed="rId2"/>
+          <a:stretch>
+            <a:fillRect/>
+          </a:stretch>
+        </p:blipFill>
+        <p:spPr>
+          <a:xfrm>
+            <a:off x="3210622" y="3398904"/>
+            <a:ext cx="3665100" cy="1495296"/>
+          </a:xfrm>
+          <a:prstGeom prst="rect">
+            <a:avLst/>
+          </a:prstGeom>
+        </p:spPr>
+      </p:pic>
+    </p:spTree>
+    <p:extLst>
+      <p:ext uri="{BB962C8B-B14F-4D97-AF65-F5344CB8AC3E}">
+        <p14:creationId xmlns:p14="http://schemas.microsoft.com/office/powerpoint/2010/main" val="2875590229"/>
+      </p:ext>
+    </p:extLst>
+  </p:cSld>
+  <p:clrMapOvr>
+    <a:masterClrMapping/>
+  </p:clrMapOvr>
+</p:sld>
+</file>
+
+<file path=ppt/slides/slide25.xml><?xml version="1.0" encoding="utf-8"?>
+<p:sld xmlns:a="http://schemas.openxmlformats.org/drawingml/2006/main" xmlns:r="http://schemas.openxmlformats.org/officeDocument/2006/relationships" xmlns:p="http://schemas.openxmlformats.org/presentationml/2006/main">
+  <p:cSld>
+    <p:spTree>
+      <p:nvGrpSpPr>
+        <p:cNvPr id="1" name=""/>
+        <p:cNvGrpSpPr/>
+        <p:nvPr/>
+      </p:nvGrpSpPr>
+      <p:grpSpPr>
+        <a:xfrm>
+          <a:off x="0" y="0"/>
+          <a:ext cx="0" cy="0"/>
+          <a:chOff x="0" y="0"/>
+          <a:chExt cx="0" cy="0"/>
+        </a:xfrm>
+      </p:grpSpPr>
+      <p:sp>
+        <p:nvSpPr>
+          <p:cNvPr id="59" name="PlaceHolder 1"/>
+          <p:cNvSpPr>
+            <a:spLocks noGrp="1"/>
+          </p:cNvSpPr>
+          <p:nvPr>
+            <p:ph type="title"/>
+          </p:nvPr>
+        </p:nvSpPr>
+        <p:spPr>
+          <a:xfrm>
+            <a:off x="143540" y="133920"/>
+            <a:ext cx="7495920" cy="1504440"/>
+          </a:xfrm>
+          <a:prstGeom prst="rect">
+            <a:avLst/>
+          </a:prstGeom>
+          <a:noFill/>
+          <a:ln w="0">
+            <a:noFill/>
+          </a:ln>
+        </p:spPr>
+        <p:txBody>
+          <a:bodyPr lIns="91440" tIns="91440" rIns="91440" bIns="91440" anchor="b">
+            <a:normAutofit/>
+          </a:bodyPr>
+          <a:lstStyle/>
+          <a:p>
+            <a:pPr>
+              <a:lnSpc>
+                <a:spcPct val="100000"/>
+              </a:lnSpc>
+              <a:tabLst>
+                <a:tab pos="0" algn="l"/>
+              </a:tabLst>
+            </a:pPr>
+            <a:r>
+              <a:rPr lang="fr-FR" sz="2600" b="1" dirty="0">
+                <a:solidFill>
+                  <a:schemeClr val="dk1"/>
+                </a:solidFill>
+                <a:latin typeface="Space Grotesk"/>
+              </a:rPr>
+              <a:t>ES(1+1) OPTIMIZATION PROCESS</a:t>
+            </a:r>
+            <a:endParaRPr lang="fr-FR" sz="2600" b="1" u="none" strike="noStrike" dirty="0">
+              <a:solidFill>
+                <a:schemeClr val="dk1"/>
+              </a:solidFill>
+              <a:effectLst/>
+              <a:uFillTx/>
+              <a:latin typeface="Space Grotesk"/>
+            </a:endParaRPr>
+          </a:p>
+        </p:txBody>
+      </p:sp>
+      <p:sp>
+        <p:nvSpPr>
+          <p:cNvPr id="60" name="PlaceHolder 2"/>
+          <p:cNvSpPr>
+            <a:spLocks noGrp="1"/>
+          </p:cNvSpPr>
+          <p:nvPr>
+            <p:ph type="subTitle"/>
+          </p:nvPr>
+        </p:nvSpPr>
+        <p:spPr>
+          <a:xfrm>
+            <a:off x="2523960" y="1743740"/>
+            <a:ext cx="6391080" cy="3161413"/>
+          </a:xfrm>
+          <a:prstGeom prst="rect">
+            <a:avLst/>
+          </a:prstGeom>
+          <a:noFill/>
+          <a:ln w="0">
+            <a:noFill/>
+          </a:ln>
+        </p:spPr>
+        <p:txBody>
+          <a:bodyPr lIns="91440" tIns="91440" rIns="91440" bIns="91440" anchor="t">
+            <a:normAutofit fontScale="25000" lnSpcReduction="20000"/>
+          </a:bodyPr>
+          <a:lstStyle/>
+          <a:p>
+            <a:pPr>
+              <a:lnSpc>
+                <a:spcPct val="120000"/>
+              </a:lnSpc>
+            </a:pPr>
+            <a:r>
+              <a:rPr lang="en-US" b="1" dirty="0">
+                <a:latin typeface="Hind"/>
+              </a:rPr>
+              <a:t>Configuration:</a:t>
+            </a:r>
+          </a:p>
+          <a:p>
+            <a:pPr marL="571500" indent="-571500">
+              <a:lnSpc>
+                <a:spcPct val="120000"/>
+              </a:lnSpc>
+              <a:buFont typeface="Arial" panose="020B0604020202020204" pitchFamily="34" charset="0"/>
+              <a:buChar char="•"/>
+            </a:pPr>
+            <a:r>
+              <a:rPr lang="en-US" dirty="0">
+                <a:latin typeface="Hind"/>
+              </a:rPr>
+              <a:t>Max generations: 10</a:t>
+            </a:r>
+          </a:p>
+          <a:p>
+            <a:pPr marL="571500" indent="-571500">
+              <a:lnSpc>
+                <a:spcPct val="120000"/>
+              </a:lnSpc>
+              <a:buFont typeface="Arial" panose="020B0604020202020204" pitchFamily="34" charset="0"/>
+              <a:buChar char="•"/>
+            </a:pPr>
+            <a:r>
+              <a:rPr lang="en-US" dirty="0">
+                <a:latin typeface="Hind"/>
+              </a:rPr>
+              <a:t>Initial </a:t>
+            </a:r>
+            <a:r>
+              <a:rPr lang="el-GR" dirty="0">
+                <a:latin typeface="Hind"/>
+              </a:rPr>
+              <a:t>σ (</a:t>
+            </a:r>
+            <a:r>
+              <a:rPr lang="en-US" dirty="0">
+                <a:latin typeface="Hind"/>
+              </a:rPr>
+              <a:t>sigma): 0.2</a:t>
+            </a:r>
+          </a:p>
+          <a:p>
+            <a:pPr marL="571500" indent="-571500">
+              <a:lnSpc>
+                <a:spcPct val="120000"/>
+              </a:lnSpc>
+              <a:buFont typeface="Arial" panose="020B0604020202020204" pitchFamily="34" charset="0"/>
+              <a:buChar char="•"/>
+            </a:pPr>
+            <a:r>
+              <a:rPr lang="en-US" dirty="0">
+                <a:latin typeface="Hind"/>
+              </a:rPr>
+              <a:t>Fitness metric: Validation accuracy</a:t>
+            </a:r>
+          </a:p>
+          <a:p>
+            <a:pPr marL="571500" indent="-571500">
+              <a:lnSpc>
+                <a:spcPct val="120000"/>
+              </a:lnSpc>
+              <a:buFont typeface="Arial" panose="020B0604020202020204" pitchFamily="34" charset="0"/>
+              <a:buChar char="•"/>
+            </a:pPr>
+            <a:r>
+              <a:rPr lang="en-US" dirty="0">
+                <a:latin typeface="Hind"/>
+              </a:rPr>
+              <a:t>Training per generation: 10 epochs (fast iterations)</a:t>
+            </a:r>
+          </a:p>
+          <a:p>
+            <a:pPr>
+              <a:lnSpc>
+                <a:spcPct val="120000"/>
+              </a:lnSpc>
+            </a:pPr>
+            <a:endParaRPr lang="en-US" dirty="0">
+              <a:latin typeface="Hind"/>
+            </a:endParaRPr>
+          </a:p>
+          <a:p>
+            <a:pPr>
+              <a:lnSpc>
+                <a:spcPct val="120000"/>
+              </a:lnSpc>
+            </a:pPr>
+            <a:r>
+              <a:rPr lang="en-US" b="1" dirty="0">
+                <a:latin typeface="Hind"/>
+              </a:rPr>
+              <a:t>1/5th Success Rule (Self-Adaptive Mutation):</a:t>
+            </a:r>
+          </a:p>
+          <a:p>
+            <a:pPr marL="571500" indent="-571500">
+              <a:lnSpc>
+                <a:spcPct val="120000"/>
+              </a:lnSpc>
+              <a:buFont typeface="Arial" panose="020B0604020202020204" pitchFamily="34" charset="0"/>
+              <a:buChar char="•"/>
+            </a:pPr>
+            <a:r>
+              <a:rPr lang="en-US" dirty="0">
+                <a:latin typeface="Hind"/>
+              </a:rPr>
+              <a:t>Every 5 generations, check success rate</a:t>
+            </a:r>
+          </a:p>
+          <a:p>
+            <a:pPr marL="571500" indent="-571500">
+              <a:lnSpc>
+                <a:spcPct val="120000"/>
+              </a:lnSpc>
+              <a:buFont typeface="Arial" panose="020B0604020202020204" pitchFamily="34" charset="0"/>
+              <a:buChar char="•"/>
+            </a:pPr>
+            <a:r>
+              <a:rPr lang="en-US" dirty="0">
+                <a:latin typeface="Hind"/>
+              </a:rPr>
+              <a:t>Success rate &gt; 20% → Increase </a:t>
+            </a:r>
+            <a:r>
+              <a:rPr lang="el-GR" dirty="0">
+                <a:latin typeface="Hind"/>
+              </a:rPr>
+              <a:t>σ </a:t>
+            </a:r>
+            <a:r>
+              <a:rPr lang="en-US" dirty="0">
+                <a:latin typeface="Hind"/>
+              </a:rPr>
+              <a:t>by 1.2× (explore more)</a:t>
+            </a:r>
+          </a:p>
+          <a:p>
+            <a:pPr marL="571500" indent="-571500">
+              <a:lnSpc>
+                <a:spcPct val="120000"/>
+              </a:lnSpc>
+              <a:buFont typeface="Arial" panose="020B0604020202020204" pitchFamily="34" charset="0"/>
+              <a:buChar char="•"/>
+            </a:pPr>
+            <a:r>
+              <a:rPr lang="en-US" dirty="0">
+                <a:latin typeface="Hind"/>
+              </a:rPr>
+              <a:t>Success rate &lt; 20% → Decrease </a:t>
+            </a:r>
+            <a:r>
+              <a:rPr lang="el-GR" dirty="0">
+                <a:latin typeface="Hind"/>
+              </a:rPr>
+              <a:t>σ </a:t>
+            </a:r>
+            <a:r>
+              <a:rPr lang="en-US" dirty="0">
+                <a:latin typeface="Hind"/>
+              </a:rPr>
+              <a:t>by 0.8× (exploit more)</a:t>
+            </a:r>
+          </a:p>
+          <a:p>
+            <a:pPr marL="571500" indent="-571500">
+              <a:lnSpc>
+                <a:spcPct val="120000"/>
+              </a:lnSpc>
+              <a:buFont typeface="Arial" panose="020B0604020202020204" pitchFamily="34" charset="0"/>
+              <a:buChar char="•"/>
+            </a:pPr>
+            <a:r>
+              <a:rPr lang="en-US" dirty="0">
+                <a:latin typeface="Hind"/>
+              </a:rPr>
+              <a:t>Success rate ≈ 20% → Keep </a:t>
+            </a:r>
+            <a:r>
+              <a:rPr lang="el-GR" dirty="0">
+                <a:latin typeface="Hind"/>
+              </a:rPr>
+              <a:t>σ </a:t>
+            </a:r>
+            <a:r>
+              <a:rPr lang="en-US" dirty="0">
+                <a:latin typeface="Hind"/>
+              </a:rPr>
+              <a:t>unchanged</a:t>
+            </a:r>
+          </a:p>
+          <a:p>
+            <a:pPr>
+              <a:lnSpc>
+                <a:spcPct val="120000"/>
+              </a:lnSpc>
+            </a:pPr>
+            <a:endParaRPr lang="en-US" b="1" dirty="0">
+              <a:latin typeface="Hind"/>
+            </a:endParaRPr>
+          </a:p>
+          <a:p>
+            <a:pPr>
+              <a:lnSpc>
+                <a:spcPct val="120000"/>
+              </a:lnSpc>
+            </a:pPr>
+            <a:r>
+              <a:rPr lang="en-US" b="1" dirty="0">
+                <a:latin typeface="Hind"/>
+              </a:rPr>
+              <a:t>Early Stopping:</a:t>
+            </a:r>
+            <a:endParaRPr lang="en-US" dirty="0">
+              <a:latin typeface="Hind"/>
+            </a:endParaRPr>
+          </a:p>
+          <a:p>
+            <a:pPr marL="571500" indent="-571500">
+              <a:lnSpc>
+                <a:spcPct val="120000"/>
+              </a:lnSpc>
+              <a:buFont typeface="Arial" panose="020B0604020202020204" pitchFamily="34" charset="0"/>
+              <a:buChar char="•"/>
+            </a:pPr>
+            <a:r>
+              <a:rPr lang="en-US" dirty="0">
+                <a:latin typeface="Hind"/>
+              </a:rPr>
+              <a:t>Detected fitness plateau at generation 6</a:t>
+            </a:r>
+          </a:p>
+          <a:p>
+            <a:pPr marL="571500" indent="-571500">
+              <a:lnSpc>
+                <a:spcPct val="120000"/>
+              </a:lnSpc>
+              <a:buFont typeface="Arial" panose="020B0604020202020204" pitchFamily="34" charset="0"/>
+              <a:buChar char="•"/>
+            </a:pPr>
+            <a:r>
+              <a:rPr lang="en-US" dirty="0">
+                <a:latin typeface="Hind"/>
+              </a:rPr>
+              <a:t>Improvement &lt; 0.001 over last 5 generations</a:t>
+            </a:r>
+          </a:p>
+          <a:p>
+            <a:pPr marL="571500" indent="-571500">
+              <a:lnSpc>
+                <a:spcPct val="120000"/>
+              </a:lnSpc>
+              <a:buFont typeface="Arial" panose="020B0604020202020204" pitchFamily="34" charset="0"/>
+              <a:buChar char="•"/>
+            </a:pPr>
+            <a:r>
+              <a:rPr lang="en-US" dirty="0">
+                <a:latin typeface="Hind"/>
+              </a:rPr>
+              <a:t>Saved ~4 hours of computation</a:t>
+            </a:r>
+            <a:endParaRPr lang="en-US" sz="1600" dirty="0">
+              <a:solidFill>
+                <a:schemeClr val="dk1"/>
+              </a:solidFill>
+              <a:latin typeface="Hind"/>
+              <a:ea typeface="Hind"/>
+            </a:endParaRPr>
+          </a:p>
+        </p:txBody>
+      </p:sp>
+    </p:spTree>
+    <p:extLst>
+      <p:ext uri="{BB962C8B-B14F-4D97-AF65-F5344CB8AC3E}">
+        <p14:creationId xmlns:p14="http://schemas.microsoft.com/office/powerpoint/2010/main" val="3508384892"/>
+      </p:ext>
+    </p:extLst>
+  </p:cSld>
+  <p:clrMapOvr>
+    <a:masterClrMapping/>
+  </p:clrMapOvr>
+</p:sld>
+</file>
+
+<file path=ppt/slides/slide26.xml><?xml version="1.0" encoding="utf-8"?>
+<p:sld xmlns:a="http://schemas.openxmlformats.org/drawingml/2006/main" xmlns:r="http://schemas.openxmlformats.org/officeDocument/2006/relationships" xmlns:p="http://schemas.openxmlformats.org/presentationml/2006/main">
+  <p:cSld>
+    <p:spTree>
+      <p:nvGrpSpPr>
+        <p:cNvPr id="1" name=""/>
+        <p:cNvGrpSpPr/>
+        <p:nvPr/>
+      </p:nvGrpSpPr>
+      <p:grpSpPr>
+        <a:xfrm>
+          <a:off x="0" y="0"/>
+          <a:ext cx="0" cy="0"/>
+          <a:chOff x="0" y="0"/>
+          <a:chExt cx="0" cy="0"/>
+        </a:xfrm>
+      </p:grpSpPr>
+      <p:sp>
+        <p:nvSpPr>
+          <p:cNvPr id="55" name="PlaceHolder 1"/>
+          <p:cNvSpPr>
+            <a:spLocks noGrp="1"/>
+          </p:cNvSpPr>
+          <p:nvPr>
+            <p:ph type="title"/>
+          </p:nvPr>
+        </p:nvSpPr>
+        <p:spPr>
+          <a:xfrm>
+            <a:off x="207335" y="-427894"/>
+            <a:ext cx="7495920" cy="1504440"/>
+          </a:xfrm>
+          <a:prstGeom prst="rect">
+            <a:avLst/>
+          </a:prstGeom>
+          <a:noFill/>
+          <a:ln w="0">
+            <a:noFill/>
+          </a:ln>
+        </p:spPr>
+        <p:txBody>
+          <a:bodyPr lIns="91440" tIns="91440" rIns="91440" bIns="91440" anchor="b">
+            <a:normAutofit/>
+          </a:bodyPr>
+          <a:lstStyle/>
+          <a:p>
+            <a:pPr>
+              <a:lnSpc>
+                <a:spcPct val="100000"/>
+              </a:lnSpc>
+              <a:tabLst>
+                <a:tab pos="0" algn="l"/>
+              </a:tabLst>
+            </a:pPr>
+            <a:r>
+              <a:rPr lang="en-US" sz="2600" b="1" dirty="0">
+                <a:solidFill>
+                  <a:schemeClr val="dk1"/>
+                </a:solidFill>
+                <a:latin typeface="Space Grotesk"/>
+                <a:ea typeface="Space Grotesk"/>
+              </a:rPr>
+              <a:t>ES OPTIMIZATION RESULTS</a:t>
+            </a:r>
+            <a:endParaRPr lang="fr-FR" sz="2600" b="0" u="none" strike="noStrike" dirty="0">
+              <a:solidFill>
+                <a:schemeClr val="dk1"/>
+              </a:solidFill>
+              <a:effectLst/>
+              <a:uFillTx/>
+              <a:latin typeface="Arial"/>
+            </a:endParaRPr>
+          </a:p>
+        </p:txBody>
+      </p:sp>
+      <p:sp>
+        <p:nvSpPr>
+          <p:cNvPr id="56" name="PlaceHolder 2"/>
+          <p:cNvSpPr>
+            <a:spLocks noGrp="1"/>
+          </p:cNvSpPr>
+          <p:nvPr>
+            <p:ph type="subTitle"/>
+          </p:nvPr>
+        </p:nvSpPr>
+        <p:spPr>
+          <a:xfrm>
+            <a:off x="297712" y="3613101"/>
+            <a:ext cx="8617328" cy="1317833"/>
+          </a:xfrm>
+          <a:prstGeom prst="rect">
+            <a:avLst/>
+          </a:prstGeom>
+          <a:noFill/>
+          <a:ln w="0">
+            <a:noFill/>
+          </a:ln>
+        </p:spPr>
+        <p:txBody>
+          <a:bodyPr lIns="91440" tIns="91440" rIns="91440" bIns="91440" anchor="t">
+            <a:normAutofit fontScale="70000" lnSpcReduction="20000"/>
+          </a:bodyPr>
+          <a:lstStyle/>
+          <a:p>
+            <a:pPr>
+              <a:lnSpc>
+                <a:spcPct val="150000"/>
+              </a:lnSpc>
+              <a:tabLst>
+                <a:tab pos="0" algn="l"/>
+              </a:tabLst>
+            </a:pPr>
+            <a:r>
+              <a:rPr lang="en-US" sz="1600" b="1" dirty="0">
+                <a:solidFill>
+                  <a:schemeClr val="dk1"/>
+                </a:solidFill>
+                <a:latin typeface="Hind"/>
+                <a:ea typeface="Hind"/>
+              </a:rPr>
+              <a:t>Optimized Hyperparameters Found:</a:t>
+            </a:r>
+            <a:endParaRPr lang="en-US" sz="1600" dirty="0">
+              <a:solidFill>
+                <a:schemeClr val="dk1"/>
+              </a:solidFill>
+              <a:latin typeface="Hind"/>
+              <a:ea typeface="Hind"/>
+            </a:endParaRPr>
+          </a:p>
+          <a:p>
+            <a:pPr marL="285750" indent="-285750">
+              <a:lnSpc>
+                <a:spcPct val="150000"/>
+              </a:lnSpc>
+              <a:buFont typeface="Arial" panose="020B0604020202020204" pitchFamily="34" charset="0"/>
+              <a:buChar char="•"/>
+              <a:tabLst>
+                <a:tab pos="0" algn="l"/>
+              </a:tabLst>
+            </a:pPr>
+            <a:r>
+              <a:rPr lang="en-US" sz="1600" dirty="0">
+                <a:solidFill>
+                  <a:schemeClr val="dk1"/>
+                </a:solidFill>
+                <a:latin typeface="Hind"/>
+                <a:ea typeface="Hind"/>
+              </a:rPr>
+              <a:t>Learning rate: 0.001847 (↓ from 0.002)</a:t>
+            </a:r>
+          </a:p>
+          <a:p>
+            <a:pPr marL="285750" indent="-285750">
+              <a:lnSpc>
+                <a:spcPct val="150000"/>
+              </a:lnSpc>
+              <a:buFont typeface="Arial" panose="020B0604020202020204" pitchFamily="34" charset="0"/>
+              <a:buChar char="•"/>
+              <a:tabLst>
+                <a:tab pos="0" algn="l"/>
+              </a:tabLst>
+            </a:pPr>
+            <a:r>
+              <a:rPr lang="en-US" sz="1600" dirty="0">
+                <a:solidFill>
+                  <a:schemeClr val="dk1"/>
+                </a:solidFill>
+                <a:latin typeface="Hind"/>
+                <a:ea typeface="Hind"/>
+              </a:rPr>
+              <a:t>Label smoothing: 0.0623 (↑ from 0.05)</a:t>
+            </a:r>
+          </a:p>
+          <a:p>
+            <a:pPr marL="285750" indent="-285750">
+              <a:lnSpc>
+                <a:spcPct val="150000"/>
+              </a:lnSpc>
+              <a:buFont typeface="Arial" panose="020B0604020202020204" pitchFamily="34" charset="0"/>
+              <a:buChar char="•"/>
+              <a:tabLst>
+                <a:tab pos="0" algn="l"/>
+              </a:tabLst>
+            </a:pPr>
+            <a:r>
+              <a:rPr lang="en-US" sz="1600" dirty="0">
+                <a:solidFill>
+                  <a:schemeClr val="dk1"/>
+                </a:solidFill>
+                <a:latin typeface="Hind"/>
+                <a:ea typeface="Hind"/>
+              </a:rPr>
+              <a:t>Rotation: 0.0567 (↑ from 0.05)</a:t>
+            </a:r>
+          </a:p>
+          <a:p>
+            <a:pPr marL="285750" indent="-285750">
+              <a:lnSpc>
+                <a:spcPct val="150000"/>
+              </a:lnSpc>
+              <a:buFont typeface="Arial" panose="020B0604020202020204" pitchFamily="34" charset="0"/>
+              <a:buChar char="•"/>
+              <a:tabLst>
+                <a:tab pos="0" algn="l"/>
+              </a:tabLst>
+            </a:pPr>
+            <a:r>
+              <a:rPr lang="en-US" sz="1600" dirty="0">
+                <a:solidFill>
+                  <a:schemeClr val="dk1"/>
+                </a:solidFill>
+                <a:latin typeface="Hind"/>
+                <a:ea typeface="Hind"/>
+              </a:rPr>
+              <a:t>Zoom: 0.1234 (↑ from 0.10)</a:t>
+            </a:r>
+          </a:p>
+        </p:txBody>
+      </p:sp>
+      <p:sp>
+        <p:nvSpPr>
+          <p:cNvPr id="6" name="PlaceHolder 2">
+            <a:extLst>
+              <a:ext uri="{FF2B5EF4-FFF2-40B4-BE49-F238E27FC236}">
+                <a16:creationId xmlns:a16="http://schemas.microsoft.com/office/drawing/2014/main" id="{858B9E23-5B37-462E-A228-B2690CAAEFE7}"/>
+              </a:ext>
+            </a:extLst>
+          </p:cNvPr>
+          <p:cNvSpPr txBox="1">
+            <a:spLocks/>
+          </p:cNvSpPr>
+          <p:nvPr/>
+        </p:nvSpPr>
+        <p:spPr>
+          <a:xfrm>
+            <a:off x="207335" y="979081"/>
+            <a:ext cx="8617328" cy="450112"/>
+          </a:xfrm>
+          <a:prstGeom prst="rect">
+            <a:avLst/>
+          </a:prstGeom>
+          <a:noFill/>
+          <a:ln w="0">
+            <a:noFill/>
+          </a:ln>
+        </p:spPr>
+        <p:txBody>
+          <a:bodyPr lIns="91440" tIns="91440" rIns="91440" bIns="91440" anchor="t">
+            <a:normAutofit fontScale="32500" lnSpcReduction="20000"/>
+          </a:bodyPr>
+          <a:lstStyle>
+            <a:lvl1pPr algn="l" defTabSz="914400" rtl="0" eaLnBrk="1" latinLnBrk="0" hangingPunct="1">
+              <a:lnSpc>
+                <a:spcPct val="90000"/>
+              </a:lnSpc>
+              <a:spcBef>
+                <a:spcPct val="0"/>
+              </a:spcBef>
+              <a:buNone/>
+              <a:defRPr sz="4400" kern="1200">
+                <a:solidFill>
+                  <a:schemeClr val="tx1"/>
+                </a:solidFill>
+                <a:latin typeface="+mj-lt"/>
+                <a:ea typeface="+mj-ea"/>
+                <a:cs typeface="+mj-cs"/>
+              </a:defRPr>
+            </a:lvl1pPr>
+          </a:lstStyle>
+          <a:p>
+            <a:pPr>
+              <a:lnSpc>
+                <a:spcPct val="150000"/>
+              </a:lnSpc>
+              <a:tabLst>
+                <a:tab pos="0" algn="l"/>
+              </a:tabLst>
+            </a:pPr>
+            <a:r>
+              <a:rPr lang="en-US" b="1" dirty="0"/>
+              <a:t>Evolution Progress:</a:t>
+            </a:r>
+            <a:endParaRPr lang="en-US" sz="1600" dirty="0">
+              <a:solidFill>
+                <a:schemeClr val="dk1"/>
+              </a:solidFill>
+              <a:latin typeface="Hind"/>
+              <a:ea typeface="Hind"/>
+            </a:endParaRPr>
+          </a:p>
+        </p:txBody>
+      </p:sp>
+      <p:graphicFrame>
+        <p:nvGraphicFramePr>
+          <p:cNvPr id="10" name="Table 9">
+            <a:extLst>
+              <a:ext uri="{FF2B5EF4-FFF2-40B4-BE49-F238E27FC236}">
+                <a16:creationId xmlns:a16="http://schemas.microsoft.com/office/drawing/2014/main" id="{E04C9A68-1B83-4042-9622-483920182808}"/>
+              </a:ext>
+            </a:extLst>
+          </p:cNvPr>
+          <p:cNvGraphicFramePr>
+            <a:graphicFrameLocks noGrp="1"/>
+          </p:cNvGraphicFramePr>
+          <p:nvPr>
+            <p:extLst>
+              <p:ext uri="{D42A27DB-BD31-4B8C-83A1-F6EECF244321}">
+                <p14:modId xmlns:p14="http://schemas.microsoft.com/office/powerpoint/2010/main" val="996541461"/>
+              </p:ext>
+            </p:extLst>
+          </p:nvPr>
+        </p:nvGraphicFramePr>
+        <p:xfrm>
+          <a:off x="1062370" y="1467478"/>
+          <a:ext cx="6323915" cy="2145624"/>
+        </p:xfrm>
+        <a:graphic>
+          <a:graphicData uri="http://schemas.openxmlformats.org/drawingml/2006/table">
+            <a:tbl>
+              <a:tblPr/>
+              <a:tblGrid>
+                <a:gridCol w="1264783">
+                  <a:extLst>
+                    <a:ext uri="{9D8B030D-6E8A-4147-A177-3AD203B41FA5}">
+                      <a16:colId xmlns:a16="http://schemas.microsoft.com/office/drawing/2014/main" val="2190429458"/>
+                    </a:ext>
+                  </a:extLst>
+                </a:gridCol>
+                <a:gridCol w="1264783">
+                  <a:extLst>
+                    <a:ext uri="{9D8B030D-6E8A-4147-A177-3AD203B41FA5}">
+                      <a16:colId xmlns:a16="http://schemas.microsoft.com/office/drawing/2014/main" val="2555517605"/>
+                    </a:ext>
+                  </a:extLst>
+                </a:gridCol>
+                <a:gridCol w="1264783">
+                  <a:extLst>
+                    <a:ext uri="{9D8B030D-6E8A-4147-A177-3AD203B41FA5}">
+                      <a16:colId xmlns:a16="http://schemas.microsoft.com/office/drawing/2014/main" val="790155611"/>
+                    </a:ext>
+                  </a:extLst>
+                </a:gridCol>
+                <a:gridCol w="1264783">
+                  <a:extLst>
+                    <a:ext uri="{9D8B030D-6E8A-4147-A177-3AD203B41FA5}">
+                      <a16:colId xmlns:a16="http://schemas.microsoft.com/office/drawing/2014/main" val="791259584"/>
+                    </a:ext>
+                  </a:extLst>
+                </a:gridCol>
+                <a:gridCol w="1264783">
+                  <a:extLst>
+                    <a:ext uri="{9D8B030D-6E8A-4147-A177-3AD203B41FA5}">
+                      <a16:colId xmlns:a16="http://schemas.microsoft.com/office/drawing/2014/main" val="1644621409"/>
+                    </a:ext>
+                  </a:extLst>
+                </a:gridCol>
+              </a:tblGrid>
+              <a:tr h="327998">
+                <a:tc>
+                  <a:txBody>
+                    <a:bodyPr/>
+                    <a:lstStyle/>
+                    <a:p>
+                      <a:r>
+                        <a:rPr lang="en-US" sz="1200">
+                          <a:effectLst/>
+                        </a:rPr>
+                        <a:t>Generation</a:t>
+                      </a:r>
+                    </a:p>
+                  </a:txBody>
+                  <a:tcPr marL="47788" marR="47788" marT="31859" marB="31859" anchor="ctr">
+                    <a:lnL w="9525" cap="flat" cmpd="sng" algn="ctr">
+                      <a:solidFill>
+                        <a:srgbClr val="90A03C"/>
+                      </a:solidFill>
+                      <a:prstDash val="solid"/>
+                      <a:round/>
+                      <a:headEnd type="none" w="med" len="med"/>
+                      <a:tailEnd type="none" w="med" len="med"/>
+                    </a:lnL>
+                    <a:lnR w="9525" cap="flat" cmpd="sng" algn="ctr">
+                      <a:solidFill>
+                        <a:srgbClr val="90BB3C"/>
+                      </a:solidFill>
+                      <a:prstDash val="solid"/>
+                      <a:round/>
+                      <a:headEnd type="none" w="med" len="med"/>
+                      <a:tailEnd type="none" w="med" len="med"/>
+                    </a:lnR>
+                    <a:lnT w="9525" cap="flat" cmpd="sng" algn="ctr">
+                      <a:solidFill>
+                        <a:srgbClr val="90A03C"/>
+                      </a:solidFill>
+                      <a:prstDash val="solid"/>
+                      <a:round/>
+                      <a:headEnd type="none" w="med" len="med"/>
+                      <a:tailEnd type="none" w="med" len="med"/>
+                    </a:lnT>
+                    <a:lnB w="9525" cap="flat" cmpd="sng" algn="ctr">
+                      <a:solidFill>
+                        <a:srgbClr val="D0B33C"/>
+                      </a:solidFill>
+                      <a:prstDash val="solid"/>
+                      <a:round/>
+                      <a:headEnd type="none" w="med" len="med"/>
+                      <a:tailEnd type="none" w="med" len="med"/>
+                    </a:lnB>
+                    <a:solidFill>
+                      <a:srgbClr val="1A1A1A"/>
+                    </a:solidFill>
+                  </a:tcPr>
+                </a:tc>
+                <a:tc>
+                  <a:txBody>
+                    <a:bodyPr/>
+                    <a:lstStyle/>
+                    <a:p>
+                      <a:r>
+                        <a:rPr lang="en-US" sz="1200">
+                          <a:effectLst/>
+                        </a:rPr>
+                        <a:t>Parent Fitness</a:t>
+                      </a:r>
+                    </a:p>
+                  </a:txBody>
+                  <a:tcPr marL="47788" marR="47788" marT="31859" marB="31859" anchor="ctr">
+                    <a:lnL w="9525" cap="flat" cmpd="sng" algn="ctr">
+                      <a:solidFill>
+                        <a:srgbClr val="90BB3C"/>
+                      </a:solidFill>
+                      <a:prstDash val="solid"/>
+                      <a:round/>
+                      <a:headEnd type="none" w="med" len="med"/>
+                      <a:tailEnd type="none" w="med" len="med"/>
+                    </a:lnL>
+                    <a:lnR w="9525" cap="flat" cmpd="sng" algn="ctr">
+                      <a:solidFill>
+                        <a:srgbClr val="D0B83C"/>
+                      </a:solidFill>
+                      <a:prstDash val="solid"/>
+                      <a:round/>
+                      <a:headEnd type="none" w="med" len="med"/>
+                      <a:tailEnd type="none" w="med" len="med"/>
+                    </a:lnR>
+                    <a:lnT w="9525" cap="flat" cmpd="sng" algn="ctr">
+                      <a:solidFill>
+                        <a:srgbClr val="90BB3C"/>
+                      </a:solidFill>
+                      <a:prstDash val="solid"/>
+                      <a:round/>
+                      <a:headEnd type="none" w="med" len="med"/>
+                      <a:tailEnd type="none" w="med" len="med"/>
+                    </a:lnT>
+                    <a:lnB w="9525" cap="flat" cmpd="sng" algn="ctr">
+                      <a:solidFill>
+                        <a:srgbClr val="50C63C"/>
+                      </a:solidFill>
+                      <a:prstDash val="solid"/>
+                      <a:round/>
+                      <a:headEnd type="none" w="med" len="med"/>
+                      <a:tailEnd type="none" w="med" len="med"/>
+                    </a:lnB>
+                    <a:solidFill>
+                      <a:srgbClr val="1A1A1A"/>
+                    </a:solidFill>
+                  </a:tcPr>
+                </a:tc>
+                <a:tc>
+                  <a:txBody>
+                    <a:bodyPr/>
+                    <a:lstStyle/>
+                    <a:p>
+                      <a:r>
+                        <a:rPr lang="en-US" sz="1200" dirty="0">
+                          <a:effectLst/>
+                        </a:rPr>
+                        <a:t>Offspring Fitness</a:t>
+                      </a:r>
+                    </a:p>
+                  </a:txBody>
+                  <a:tcPr marL="47788" marR="47788" marT="31859" marB="31859" anchor="ctr">
+                    <a:lnL w="9525" cap="flat" cmpd="sng" algn="ctr">
+                      <a:solidFill>
+                        <a:srgbClr val="D0B83C"/>
+                      </a:solidFill>
+                      <a:prstDash val="solid"/>
+                      <a:round/>
+                      <a:headEnd type="none" w="med" len="med"/>
+                      <a:tailEnd type="none" w="med" len="med"/>
+                    </a:lnL>
+                    <a:lnR w="9525" cap="flat" cmpd="sng" algn="ctr">
+                      <a:solidFill>
+                        <a:srgbClr val="10BD3C"/>
+                      </a:solidFill>
+                      <a:prstDash val="solid"/>
+                      <a:round/>
+                      <a:headEnd type="none" w="med" len="med"/>
+                      <a:tailEnd type="none" w="med" len="med"/>
+                    </a:lnR>
+                    <a:lnT w="9525" cap="flat" cmpd="sng" algn="ctr">
+                      <a:solidFill>
+                        <a:srgbClr val="D0B83C"/>
+                      </a:solidFill>
+                      <a:prstDash val="solid"/>
+                      <a:round/>
+                      <a:headEnd type="none" w="med" len="med"/>
+                      <a:tailEnd type="none" w="med" len="med"/>
+                    </a:lnT>
+                    <a:lnB w="9525" cap="flat" cmpd="sng" algn="ctr">
+                      <a:solidFill>
+                        <a:srgbClr val="50CC3C"/>
+                      </a:solidFill>
+                      <a:prstDash val="solid"/>
+                      <a:round/>
+                      <a:headEnd type="none" w="med" len="med"/>
+                      <a:tailEnd type="none" w="med" len="med"/>
+                    </a:lnB>
+                    <a:solidFill>
+                      <a:srgbClr val="1A1A1A"/>
+                    </a:solidFill>
+                  </a:tcPr>
+                </a:tc>
+                <a:tc>
+                  <a:txBody>
+                    <a:bodyPr/>
+                    <a:lstStyle/>
+                    <a:p>
+                      <a:r>
+                        <a:rPr lang="en-US" sz="1200">
+                          <a:effectLst/>
+                        </a:rPr>
+                        <a:t>Accepted?</a:t>
+                      </a:r>
+                    </a:p>
+                  </a:txBody>
+                  <a:tcPr marL="47788" marR="47788" marT="31859" marB="31859" anchor="ctr">
+                    <a:lnL w="9525" cap="flat" cmpd="sng" algn="ctr">
+                      <a:solidFill>
+                        <a:srgbClr val="10BD3C"/>
+                      </a:solidFill>
+                      <a:prstDash val="solid"/>
+                      <a:round/>
+                      <a:headEnd type="none" w="med" len="med"/>
+                      <a:tailEnd type="none" w="med" len="med"/>
+                    </a:lnL>
+                    <a:lnR w="9525" cap="flat" cmpd="sng" algn="ctr">
+                      <a:solidFill>
+                        <a:srgbClr val="90B23C"/>
+                      </a:solidFill>
+                      <a:prstDash val="solid"/>
+                      <a:round/>
+                      <a:headEnd type="none" w="med" len="med"/>
+                      <a:tailEnd type="none" w="med" len="med"/>
+                    </a:lnR>
+                    <a:lnT w="9525" cap="flat" cmpd="sng" algn="ctr">
+                      <a:solidFill>
+                        <a:srgbClr val="10BD3C"/>
+                      </a:solidFill>
+                      <a:prstDash val="solid"/>
+                      <a:round/>
+                      <a:headEnd type="none" w="med" len="med"/>
+                      <a:tailEnd type="none" w="med" len="med"/>
+                    </a:lnT>
+                    <a:lnB w="9525" cap="flat" cmpd="sng" algn="ctr">
+                      <a:solidFill>
+                        <a:srgbClr val="D0C23C"/>
+                      </a:solidFill>
+                      <a:prstDash val="solid"/>
+                      <a:round/>
+                      <a:headEnd type="none" w="med" len="med"/>
+                      <a:tailEnd type="none" w="med" len="med"/>
+                    </a:lnB>
+                    <a:solidFill>
+                      <a:srgbClr val="1A1A1A"/>
+                    </a:solidFill>
+                  </a:tcPr>
+                </a:tc>
+                <a:tc>
+                  <a:txBody>
+                    <a:bodyPr/>
+                    <a:lstStyle/>
+                    <a:p>
+                      <a:r>
+                        <a:rPr lang="el-GR" sz="1200">
+                          <a:effectLst/>
+                        </a:rPr>
+                        <a:t>σ</a:t>
+                      </a:r>
+                    </a:p>
+                  </a:txBody>
+                  <a:tcPr marL="47788" marR="47788" marT="31859" marB="31859" anchor="ctr">
+                    <a:lnL w="9525" cap="flat" cmpd="sng" algn="ctr">
+                      <a:solidFill>
+                        <a:srgbClr val="90B23C"/>
+                      </a:solidFill>
+                      <a:prstDash val="solid"/>
+                      <a:round/>
+                      <a:headEnd type="none" w="med" len="med"/>
+                      <a:tailEnd type="none" w="med" len="med"/>
+                    </a:lnL>
+                    <a:lnR w="9525" cap="flat" cmpd="sng" algn="ctr">
+                      <a:solidFill>
+                        <a:srgbClr val="90B23C"/>
+                      </a:solidFill>
+                      <a:prstDash val="solid"/>
+                      <a:round/>
+                      <a:headEnd type="none" w="med" len="med"/>
+                      <a:tailEnd type="none" w="med" len="med"/>
+                    </a:lnR>
+                    <a:lnT w="9525" cap="flat" cmpd="sng" algn="ctr">
+                      <a:solidFill>
+                        <a:srgbClr val="90B23C"/>
+                      </a:solidFill>
+                      <a:prstDash val="solid"/>
+                      <a:round/>
+                      <a:headEnd type="none" w="med" len="med"/>
+                      <a:tailEnd type="none" w="med" len="med"/>
+                    </a:lnT>
+                    <a:lnB w="9525" cap="flat" cmpd="sng" algn="ctr">
+                      <a:solidFill>
+                        <a:srgbClr val="D0CC3C"/>
+                      </a:solidFill>
+                      <a:prstDash val="solid"/>
+                      <a:round/>
+                      <a:headEnd type="none" w="med" len="med"/>
+                      <a:tailEnd type="none" w="med" len="med"/>
+                    </a:lnB>
+                    <a:solidFill>
+                      <a:srgbClr val="1A1A1A"/>
+                    </a:solidFill>
+                  </a:tcPr>
+                </a:tc>
+                <a:extLst>
+                  <a:ext uri="{0D108BD9-81ED-4DB2-BD59-A6C34878D82A}">
+                    <a16:rowId xmlns:a16="http://schemas.microsoft.com/office/drawing/2014/main" val="2139243684"/>
+                  </a:ext>
+                </a:extLst>
+              </a:tr>
+              <a:tr h="204665">
+                <a:tc>
+                  <a:txBody>
+                    <a:bodyPr/>
+                    <a:lstStyle/>
+                    <a:p>
+                      <a:r>
+                        <a:rPr lang="en-US" sz="1200">
+                          <a:effectLst/>
+                        </a:rPr>
+                        <a:t>1 (Init)</a:t>
+                      </a:r>
+                    </a:p>
+                  </a:txBody>
+                  <a:tcPr marL="47788" marR="47788" marT="31859" marB="31859" anchor="ctr">
+                    <a:lnL w="9525" cap="flat" cmpd="sng" algn="ctr">
+                      <a:solidFill>
+                        <a:srgbClr val="D0B33C"/>
+                      </a:solidFill>
+                      <a:prstDash val="solid"/>
+                      <a:round/>
+                      <a:headEnd type="none" w="med" len="med"/>
+                      <a:tailEnd type="none" w="med" len="med"/>
+                    </a:lnL>
+                    <a:lnR w="9525" cap="flat" cmpd="sng" algn="ctr">
+                      <a:solidFill>
+                        <a:srgbClr val="50C63C"/>
+                      </a:solidFill>
+                      <a:prstDash val="solid"/>
+                      <a:round/>
+                      <a:headEnd type="none" w="med" len="med"/>
+                      <a:tailEnd type="none" w="med" len="med"/>
+                    </a:lnR>
+                    <a:lnT w="9525" cap="flat" cmpd="sng" algn="ctr">
+                      <a:solidFill>
+                        <a:srgbClr val="D0B33C"/>
+                      </a:solidFill>
+                      <a:prstDash val="solid"/>
+                      <a:round/>
+                      <a:headEnd type="none" w="med" len="med"/>
+                      <a:tailEnd type="none" w="med" len="med"/>
+                    </a:lnT>
+                    <a:lnB w="9525" cap="flat" cmpd="sng" algn="ctr">
+                      <a:solidFill>
+                        <a:srgbClr val="10C23C"/>
+                      </a:solidFill>
+                      <a:prstDash val="solid"/>
+                      <a:round/>
+                      <a:headEnd type="none" w="med" len="med"/>
+                      <a:tailEnd type="none" w="med" len="med"/>
+                    </a:lnB>
+                    <a:solidFill>
+                      <a:srgbClr val="1A1A1A"/>
+                    </a:solidFill>
+                  </a:tcPr>
+                </a:tc>
+                <a:tc>
+                  <a:txBody>
+                    <a:bodyPr/>
+                    <a:lstStyle/>
+                    <a:p>
+                      <a:r>
+                        <a:rPr lang="en-US" sz="1200">
+                          <a:effectLst/>
+                        </a:rPr>
+                        <a:t>0.6440</a:t>
+                      </a:r>
+                    </a:p>
+                  </a:txBody>
+                  <a:tcPr marL="47788" marR="47788" marT="31859" marB="31859" anchor="ctr">
+                    <a:lnL w="9525" cap="flat" cmpd="sng" algn="ctr">
+                      <a:solidFill>
+                        <a:srgbClr val="50C63C"/>
+                      </a:solidFill>
+                      <a:prstDash val="solid"/>
+                      <a:round/>
+                      <a:headEnd type="none" w="med" len="med"/>
+                      <a:tailEnd type="none" w="med" len="med"/>
+                    </a:lnL>
+                    <a:lnR w="9525" cap="flat" cmpd="sng" algn="ctr">
+                      <a:solidFill>
+                        <a:srgbClr val="50CC3C"/>
+                      </a:solidFill>
+                      <a:prstDash val="solid"/>
+                      <a:round/>
+                      <a:headEnd type="none" w="med" len="med"/>
+                      <a:tailEnd type="none" w="med" len="med"/>
+                    </a:lnR>
+                    <a:lnT w="9525" cap="flat" cmpd="sng" algn="ctr">
+                      <a:solidFill>
+                        <a:srgbClr val="50C63C"/>
+                      </a:solidFill>
+                      <a:prstDash val="solid"/>
+                      <a:round/>
+                      <a:headEnd type="none" w="med" len="med"/>
+                      <a:tailEnd type="none" w="med" len="med"/>
+                    </a:lnT>
+                    <a:lnB w="9525" cap="flat" cmpd="sng" algn="ctr">
+                      <a:solidFill>
+                        <a:srgbClr val="500A3B"/>
+                      </a:solidFill>
+                      <a:prstDash val="solid"/>
+                      <a:round/>
+                      <a:headEnd type="none" w="med" len="med"/>
+                      <a:tailEnd type="none" w="med" len="med"/>
+                    </a:lnB>
+                    <a:solidFill>
+                      <a:srgbClr val="1A1A1A"/>
+                    </a:solidFill>
+                  </a:tcPr>
+                </a:tc>
+                <a:tc>
+                  <a:txBody>
+                    <a:bodyPr/>
+                    <a:lstStyle/>
+                    <a:p>
+                      <a:r>
+                        <a:rPr lang="en-US" sz="1200">
+                          <a:effectLst/>
+                        </a:rPr>
+                        <a:t>-</a:t>
+                      </a:r>
+                    </a:p>
+                  </a:txBody>
+                  <a:tcPr marL="47788" marR="47788" marT="31859" marB="31859" anchor="ctr">
+                    <a:lnL w="9525" cap="flat" cmpd="sng" algn="ctr">
+                      <a:solidFill>
+                        <a:srgbClr val="50CC3C"/>
+                      </a:solidFill>
+                      <a:prstDash val="solid"/>
+                      <a:round/>
+                      <a:headEnd type="none" w="med" len="med"/>
+                      <a:tailEnd type="none" w="med" len="med"/>
+                    </a:lnL>
+                    <a:lnR w="9525" cap="flat" cmpd="sng" algn="ctr">
+                      <a:solidFill>
+                        <a:srgbClr val="D0C23C"/>
+                      </a:solidFill>
+                      <a:prstDash val="solid"/>
+                      <a:round/>
+                      <a:headEnd type="none" w="med" len="med"/>
+                      <a:tailEnd type="none" w="med" len="med"/>
+                    </a:lnR>
+                    <a:lnT w="9525" cap="flat" cmpd="sng" algn="ctr">
+                      <a:solidFill>
+                        <a:srgbClr val="50CC3C"/>
+                      </a:solidFill>
+                      <a:prstDash val="solid"/>
+                      <a:round/>
+                      <a:headEnd type="none" w="med" len="med"/>
+                      <a:tailEnd type="none" w="med" len="med"/>
+                    </a:lnT>
+                    <a:lnB w="9525" cap="flat" cmpd="sng" algn="ctr">
+                      <a:solidFill>
+                        <a:srgbClr val="50003C"/>
+                      </a:solidFill>
+                      <a:prstDash val="solid"/>
+                      <a:round/>
+                      <a:headEnd type="none" w="med" len="med"/>
+                      <a:tailEnd type="none" w="med" len="med"/>
+                    </a:lnB>
+                    <a:solidFill>
+                      <a:srgbClr val="1A1A1A"/>
+                    </a:solidFill>
+                  </a:tcPr>
+                </a:tc>
+                <a:tc>
+                  <a:txBody>
+                    <a:bodyPr/>
+                    <a:lstStyle/>
+                    <a:p>
+                      <a:r>
+                        <a:rPr lang="en-US" sz="1200">
+                          <a:effectLst/>
+                        </a:rPr>
+                        <a:t>-</a:t>
+                      </a:r>
+                    </a:p>
+                  </a:txBody>
+                  <a:tcPr marL="47788" marR="47788" marT="31859" marB="31859" anchor="ctr">
+                    <a:lnL w="9525" cap="flat" cmpd="sng" algn="ctr">
+                      <a:solidFill>
+                        <a:srgbClr val="D0C23C"/>
+                      </a:solidFill>
+                      <a:prstDash val="solid"/>
+                      <a:round/>
+                      <a:headEnd type="none" w="med" len="med"/>
+                      <a:tailEnd type="none" w="med" len="med"/>
+                    </a:lnL>
+                    <a:lnR w="9525" cap="flat" cmpd="sng" algn="ctr">
+                      <a:solidFill>
+                        <a:srgbClr val="D0CC3C"/>
+                      </a:solidFill>
+                      <a:prstDash val="solid"/>
+                      <a:round/>
+                      <a:headEnd type="none" w="med" len="med"/>
+                      <a:tailEnd type="none" w="med" len="med"/>
+                    </a:lnR>
+                    <a:lnT w="9525" cap="flat" cmpd="sng" algn="ctr">
+                      <a:solidFill>
+                        <a:srgbClr val="D0C23C"/>
+                      </a:solidFill>
+                      <a:prstDash val="solid"/>
+                      <a:round/>
+                      <a:headEnd type="none" w="med" len="med"/>
+                      <a:tailEnd type="none" w="med" len="med"/>
+                    </a:lnT>
+                    <a:lnB w="9525" cap="flat" cmpd="sng" algn="ctr">
+                      <a:solidFill>
+                        <a:srgbClr val="D0123C"/>
+                      </a:solidFill>
+                      <a:prstDash val="solid"/>
+                      <a:round/>
+                      <a:headEnd type="none" w="med" len="med"/>
+                      <a:tailEnd type="none" w="med" len="med"/>
+                    </a:lnB>
+                    <a:solidFill>
+                      <a:srgbClr val="1A1A1A"/>
+                    </a:solidFill>
+                  </a:tcPr>
+                </a:tc>
+                <a:tc>
+                  <a:txBody>
+                    <a:bodyPr/>
+                    <a:lstStyle/>
+                    <a:p>
+                      <a:r>
+                        <a:rPr lang="en-US" sz="1200">
+                          <a:effectLst/>
+                        </a:rPr>
+                        <a:t>0.20</a:t>
+                      </a:r>
+                    </a:p>
+                  </a:txBody>
+                  <a:tcPr marL="47788" marR="47788" marT="31859" marB="31859" anchor="ctr">
+                    <a:lnL w="9525" cap="flat" cmpd="sng" algn="ctr">
+                      <a:solidFill>
+                        <a:srgbClr val="D0CC3C"/>
+                      </a:solidFill>
+                      <a:prstDash val="solid"/>
+                      <a:round/>
+                      <a:headEnd type="none" w="med" len="med"/>
+                      <a:tailEnd type="none" w="med" len="med"/>
+                    </a:lnL>
+                    <a:lnR w="9525" cap="flat" cmpd="sng" algn="ctr">
+                      <a:solidFill>
+                        <a:srgbClr val="D0CC3C"/>
+                      </a:solidFill>
+                      <a:prstDash val="solid"/>
+                      <a:round/>
+                      <a:headEnd type="none" w="med" len="med"/>
+                      <a:tailEnd type="none" w="med" len="med"/>
+                    </a:lnR>
+                    <a:lnT w="9525" cap="flat" cmpd="sng" algn="ctr">
+                      <a:solidFill>
+                        <a:srgbClr val="D0CC3C"/>
+                      </a:solidFill>
+                      <a:prstDash val="solid"/>
+                      <a:round/>
+                      <a:headEnd type="none" w="med" len="med"/>
+                      <a:tailEnd type="none" w="med" len="med"/>
+                    </a:lnT>
+                    <a:lnB w="9525" cap="flat" cmpd="sng" algn="ctr">
+                      <a:solidFill>
+                        <a:srgbClr val="104E3C"/>
+                      </a:solidFill>
+                      <a:prstDash val="solid"/>
+                      <a:round/>
+                      <a:headEnd type="none" w="med" len="med"/>
+                      <a:tailEnd type="none" w="med" len="med"/>
+                    </a:lnB>
+                    <a:solidFill>
+                      <a:srgbClr val="1A1A1A"/>
+                    </a:solidFill>
+                  </a:tcPr>
+                </a:tc>
+                <a:extLst>
+                  <a:ext uri="{0D108BD9-81ED-4DB2-BD59-A6C34878D82A}">
+                    <a16:rowId xmlns:a16="http://schemas.microsoft.com/office/drawing/2014/main" val="2812773262"/>
+                  </a:ext>
+                </a:extLst>
+              </a:tr>
+              <a:tr h="204665">
+                <a:tc>
+                  <a:txBody>
+                    <a:bodyPr/>
+                    <a:lstStyle/>
+                    <a:p>
+                      <a:r>
+                        <a:rPr lang="en-US" sz="1200">
+                          <a:effectLst/>
+                        </a:rPr>
+                        <a:t>2</a:t>
+                      </a:r>
+                    </a:p>
+                  </a:txBody>
+                  <a:tcPr marL="47788" marR="47788" marT="31859" marB="31859" anchor="ctr">
+                    <a:lnL w="9525" cap="flat" cmpd="sng" algn="ctr">
+                      <a:solidFill>
+                        <a:srgbClr val="10C23C"/>
+                      </a:solidFill>
+                      <a:prstDash val="solid"/>
+                      <a:round/>
+                      <a:headEnd type="none" w="med" len="med"/>
+                      <a:tailEnd type="none" w="med" len="med"/>
+                    </a:lnL>
+                    <a:lnR w="9525" cap="flat" cmpd="sng" algn="ctr">
+                      <a:solidFill>
+                        <a:srgbClr val="500A3B"/>
+                      </a:solidFill>
+                      <a:prstDash val="solid"/>
+                      <a:round/>
+                      <a:headEnd type="none" w="med" len="med"/>
+                      <a:tailEnd type="none" w="med" len="med"/>
+                    </a:lnR>
+                    <a:lnT w="9525" cap="flat" cmpd="sng" algn="ctr">
+                      <a:solidFill>
+                        <a:srgbClr val="10C23C"/>
+                      </a:solidFill>
+                      <a:prstDash val="solid"/>
+                      <a:round/>
+                      <a:headEnd type="none" w="med" len="med"/>
+                      <a:tailEnd type="none" w="med" len="med"/>
+                    </a:lnT>
+                    <a:lnB w="9525" cap="flat" cmpd="sng" algn="ctr">
+                      <a:solidFill>
+                        <a:srgbClr val="D08B3C"/>
+                      </a:solidFill>
+                      <a:prstDash val="solid"/>
+                      <a:round/>
+                      <a:headEnd type="none" w="med" len="med"/>
+                      <a:tailEnd type="none" w="med" len="med"/>
+                    </a:lnB>
+                    <a:solidFill>
+                      <a:srgbClr val="1A1A1A"/>
+                    </a:solidFill>
+                  </a:tcPr>
+                </a:tc>
+                <a:tc>
+                  <a:txBody>
+                    <a:bodyPr/>
+                    <a:lstStyle/>
+                    <a:p>
+                      <a:r>
+                        <a:rPr lang="en-US" sz="1200">
+                          <a:effectLst/>
+                        </a:rPr>
+                        <a:t>0.6440</a:t>
+                      </a:r>
+                    </a:p>
+                  </a:txBody>
+                  <a:tcPr marL="47788" marR="47788" marT="31859" marB="31859" anchor="ctr">
+                    <a:lnL w="9525" cap="flat" cmpd="sng" algn="ctr">
+                      <a:solidFill>
+                        <a:srgbClr val="500A3B"/>
+                      </a:solidFill>
+                      <a:prstDash val="solid"/>
+                      <a:round/>
+                      <a:headEnd type="none" w="med" len="med"/>
+                      <a:tailEnd type="none" w="med" len="med"/>
+                    </a:lnL>
+                    <a:lnR w="9525" cap="flat" cmpd="sng" algn="ctr">
+                      <a:solidFill>
+                        <a:srgbClr val="50003C"/>
+                      </a:solidFill>
+                      <a:prstDash val="solid"/>
+                      <a:round/>
+                      <a:headEnd type="none" w="med" len="med"/>
+                      <a:tailEnd type="none" w="med" len="med"/>
+                    </a:lnR>
+                    <a:lnT w="9525" cap="flat" cmpd="sng" algn="ctr">
+                      <a:solidFill>
+                        <a:srgbClr val="500A3B"/>
+                      </a:solidFill>
+                      <a:prstDash val="solid"/>
+                      <a:round/>
+                      <a:headEnd type="none" w="med" len="med"/>
+                      <a:tailEnd type="none" w="med" len="med"/>
+                    </a:lnT>
+                    <a:lnB w="9525" cap="flat" cmpd="sng" algn="ctr">
+                      <a:solidFill>
+                        <a:srgbClr val="10883C"/>
+                      </a:solidFill>
+                      <a:prstDash val="solid"/>
+                      <a:round/>
+                      <a:headEnd type="none" w="med" len="med"/>
+                      <a:tailEnd type="none" w="med" len="med"/>
+                    </a:lnB>
+                    <a:solidFill>
+                      <a:srgbClr val="1A1A1A"/>
+                    </a:solidFill>
+                  </a:tcPr>
+                </a:tc>
+                <a:tc>
+                  <a:txBody>
+                    <a:bodyPr/>
+                    <a:lstStyle/>
+                    <a:p>
+                      <a:r>
+                        <a:rPr lang="en-US" sz="1200">
+                          <a:effectLst/>
+                        </a:rPr>
+                        <a:t>0.6485</a:t>
+                      </a:r>
+                    </a:p>
+                  </a:txBody>
+                  <a:tcPr marL="47788" marR="47788" marT="31859" marB="31859" anchor="ctr">
+                    <a:lnL w="9525" cap="flat" cmpd="sng" algn="ctr">
+                      <a:solidFill>
+                        <a:srgbClr val="50003C"/>
+                      </a:solidFill>
+                      <a:prstDash val="solid"/>
+                      <a:round/>
+                      <a:headEnd type="none" w="med" len="med"/>
+                      <a:tailEnd type="none" w="med" len="med"/>
+                    </a:lnL>
+                    <a:lnR w="9525" cap="flat" cmpd="sng" algn="ctr">
+                      <a:solidFill>
+                        <a:srgbClr val="D0123C"/>
+                      </a:solidFill>
+                      <a:prstDash val="solid"/>
+                      <a:round/>
+                      <a:headEnd type="none" w="med" len="med"/>
+                      <a:tailEnd type="none" w="med" len="med"/>
+                    </a:lnR>
+                    <a:lnT w="9525" cap="flat" cmpd="sng" algn="ctr">
+                      <a:solidFill>
+                        <a:srgbClr val="50003C"/>
+                      </a:solidFill>
+                      <a:prstDash val="solid"/>
+                      <a:round/>
+                      <a:headEnd type="none" w="med" len="med"/>
+                      <a:tailEnd type="none" w="med" len="med"/>
+                    </a:lnT>
+                    <a:lnB w="9525" cap="flat" cmpd="sng" algn="ctr">
+                      <a:solidFill>
+                        <a:srgbClr val="30728E"/>
+                      </a:solidFill>
+                      <a:prstDash val="solid"/>
+                      <a:round/>
+                      <a:headEnd type="none" w="med" len="med"/>
+                      <a:tailEnd type="none" w="med" len="med"/>
+                    </a:lnB>
+                    <a:solidFill>
+                      <a:srgbClr val="1A1A1A"/>
+                    </a:solidFill>
+                  </a:tcPr>
+                </a:tc>
+                <a:tc>
+                  <a:txBody>
+                    <a:bodyPr/>
+                    <a:lstStyle/>
+                    <a:p>
+                      <a:r>
+                        <a:rPr lang="en-US" sz="1200">
+                          <a:effectLst/>
+                        </a:rPr>
+                        <a:t>✓</a:t>
+                      </a:r>
+                    </a:p>
+                  </a:txBody>
+                  <a:tcPr marL="47788" marR="47788" marT="31859" marB="31859" anchor="ctr">
+                    <a:lnL w="9525" cap="flat" cmpd="sng" algn="ctr">
+                      <a:solidFill>
+                        <a:srgbClr val="D0123C"/>
+                      </a:solidFill>
+                      <a:prstDash val="solid"/>
+                      <a:round/>
+                      <a:headEnd type="none" w="med" len="med"/>
+                      <a:tailEnd type="none" w="med" len="med"/>
+                    </a:lnL>
+                    <a:lnR w="9525" cap="flat" cmpd="sng" algn="ctr">
+                      <a:solidFill>
+                        <a:srgbClr val="104E3C"/>
+                      </a:solidFill>
+                      <a:prstDash val="solid"/>
+                      <a:round/>
+                      <a:headEnd type="none" w="med" len="med"/>
+                      <a:tailEnd type="none" w="med" len="med"/>
+                    </a:lnR>
+                    <a:lnT w="9525" cap="flat" cmpd="sng" algn="ctr">
+                      <a:solidFill>
+                        <a:srgbClr val="D0123C"/>
+                      </a:solidFill>
+                      <a:prstDash val="solid"/>
+                      <a:round/>
+                      <a:headEnd type="none" w="med" len="med"/>
+                      <a:tailEnd type="none" w="med" len="med"/>
+                    </a:lnT>
+                    <a:lnB w="9525" cap="flat" cmpd="sng" algn="ctr">
+                      <a:solidFill>
+                        <a:srgbClr val="30A98E"/>
+                      </a:solidFill>
+                      <a:prstDash val="solid"/>
+                      <a:round/>
+                      <a:headEnd type="none" w="med" len="med"/>
+                      <a:tailEnd type="none" w="med" len="med"/>
+                    </a:lnB>
+                    <a:solidFill>
+                      <a:srgbClr val="1A1A1A"/>
+                    </a:solidFill>
+                  </a:tcPr>
+                </a:tc>
+                <a:tc>
+                  <a:txBody>
+                    <a:bodyPr/>
+                    <a:lstStyle/>
+                    <a:p>
+                      <a:r>
+                        <a:rPr lang="en-US" sz="1200">
+                          <a:effectLst/>
+                        </a:rPr>
+                        <a:t>0.20</a:t>
+                      </a:r>
+                    </a:p>
+                  </a:txBody>
+                  <a:tcPr marL="47788" marR="47788" marT="31859" marB="31859" anchor="ctr">
+                    <a:lnL w="9525" cap="flat" cmpd="sng" algn="ctr">
+                      <a:solidFill>
+                        <a:srgbClr val="104E3C"/>
+                      </a:solidFill>
+                      <a:prstDash val="solid"/>
+                      <a:round/>
+                      <a:headEnd type="none" w="med" len="med"/>
+                      <a:tailEnd type="none" w="med" len="med"/>
+                    </a:lnL>
+                    <a:lnR w="9525" cap="flat" cmpd="sng" algn="ctr">
+                      <a:solidFill>
+                        <a:srgbClr val="104E3C"/>
+                      </a:solidFill>
+                      <a:prstDash val="solid"/>
+                      <a:round/>
+                      <a:headEnd type="none" w="med" len="med"/>
+                      <a:tailEnd type="none" w="med" len="med"/>
+                    </a:lnR>
+                    <a:lnT w="9525" cap="flat" cmpd="sng" algn="ctr">
+                      <a:solidFill>
+                        <a:srgbClr val="104E3C"/>
+                      </a:solidFill>
+                      <a:prstDash val="solid"/>
+                      <a:round/>
+                      <a:headEnd type="none" w="med" len="med"/>
+                      <a:tailEnd type="none" w="med" len="med"/>
+                    </a:lnT>
+                    <a:lnB w="9525" cap="flat" cmpd="sng" algn="ctr">
+                      <a:solidFill>
+                        <a:srgbClr val="C07741"/>
+                      </a:solidFill>
+                      <a:prstDash val="solid"/>
+                      <a:round/>
+                      <a:headEnd type="none" w="med" len="med"/>
+                      <a:tailEnd type="none" w="med" len="med"/>
+                    </a:lnB>
+                    <a:solidFill>
+                      <a:srgbClr val="1A1A1A"/>
+                    </a:solidFill>
+                  </a:tcPr>
+                </a:tc>
+                <a:extLst>
+                  <a:ext uri="{0D108BD9-81ED-4DB2-BD59-A6C34878D82A}">
+                    <a16:rowId xmlns:a16="http://schemas.microsoft.com/office/drawing/2014/main" val="2352018841"/>
+                  </a:ext>
+                </a:extLst>
+              </a:tr>
+              <a:tr h="204665">
+                <a:tc>
+                  <a:txBody>
+                    <a:bodyPr/>
+                    <a:lstStyle/>
+                    <a:p>
+                      <a:r>
+                        <a:rPr lang="en-US" sz="1200">
+                          <a:effectLst/>
+                        </a:rPr>
+                        <a:t>3</a:t>
+                      </a:r>
+                    </a:p>
+                  </a:txBody>
+                  <a:tcPr marL="47788" marR="47788" marT="31859" marB="31859" anchor="ctr">
+                    <a:lnL w="9525" cap="flat" cmpd="sng" algn="ctr">
+                      <a:solidFill>
+                        <a:srgbClr val="D08B3C"/>
+                      </a:solidFill>
+                      <a:prstDash val="solid"/>
+                      <a:round/>
+                      <a:headEnd type="none" w="med" len="med"/>
+                      <a:tailEnd type="none" w="med" len="med"/>
+                    </a:lnL>
+                    <a:lnR w="9525" cap="flat" cmpd="sng" algn="ctr">
+                      <a:solidFill>
+                        <a:srgbClr val="10883C"/>
+                      </a:solidFill>
+                      <a:prstDash val="solid"/>
+                      <a:round/>
+                      <a:headEnd type="none" w="med" len="med"/>
+                      <a:tailEnd type="none" w="med" len="med"/>
+                    </a:lnR>
+                    <a:lnT w="9525" cap="flat" cmpd="sng" algn="ctr">
+                      <a:solidFill>
+                        <a:srgbClr val="D08B3C"/>
+                      </a:solidFill>
+                      <a:prstDash val="solid"/>
+                      <a:round/>
+                      <a:headEnd type="none" w="med" len="med"/>
+                      <a:tailEnd type="none" w="med" len="med"/>
+                    </a:lnT>
+                    <a:lnB w="9525" cap="flat" cmpd="sng" algn="ctr">
+                      <a:solidFill>
+                        <a:srgbClr val="C0D359"/>
+                      </a:solidFill>
+                      <a:prstDash val="solid"/>
+                      <a:round/>
+                      <a:headEnd type="none" w="med" len="med"/>
+                      <a:tailEnd type="none" w="med" len="med"/>
+                    </a:lnB>
+                    <a:solidFill>
+                      <a:srgbClr val="1A1A1A"/>
+                    </a:solidFill>
+                  </a:tcPr>
+                </a:tc>
+                <a:tc>
+                  <a:txBody>
+                    <a:bodyPr/>
+                    <a:lstStyle/>
+                    <a:p>
+                      <a:r>
+                        <a:rPr lang="en-US" sz="1200">
+                          <a:effectLst/>
+                        </a:rPr>
+                        <a:t>0.6485</a:t>
+                      </a:r>
+                    </a:p>
+                  </a:txBody>
+                  <a:tcPr marL="47788" marR="47788" marT="31859" marB="31859" anchor="ctr">
+                    <a:lnL w="9525" cap="flat" cmpd="sng" algn="ctr">
+                      <a:solidFill>
+                        <a:srgbClr val="10883C"/>
+                      </a:solidFill>
+                      <a:prstDash val="solid"/>
+                      <a:round/>
+                      <a:headEnd type="none" w="med" len="med"/>
+                      <a:tailEnd type="none" w="med" len="med"/>
+                    </a:lnL>
+                    <a:lnR w="9525" cap="flat" cmpd="sng" algn="ctr">
+                      <a:solidFill>
+                        <a:srgbClr val="30728E"/>
+                      </a:solidFill>
+                      <a:prstDash val="solid"/>
+                      <a:round/>
+                      <a:headEnd type="none" w="med" len="med"/>
+                      <a:tailEnd type="none" w="med" len="med"/>
+                    </a:lnR>
+                    <a:lnT w="9525" cap="flat" cmpd="sng" algn="ctr">
+                      <a:solidFill>
+                        <a:srgbClr val="10883C"/>
+                      </a:solidFill>
+                      <a:prstDash val="solid"/>
+                      <a:round/>
+                      <a:headEnd type="none" w="med" len="med"/>
+                      <a:tailEnd type="none" w="med" len="med"/>
+                    </a:lnT>
+                    <a:lnB w="9525" cap="flat" cmpd="sng" algn="ctr">
+                      <a:solidFill>
+                        <a:srgbClr val="10883C"/>
+                      </a:solidFill>
+                      <a:prstDash val="solid"/>
+                      <a:round/>
+                      <a:headEnd type="none" w="med" len="med"/>
+                      <a:tailEnd type="none" w="med" len="med"/>
+                    </a:lnB>
+                    <a:solidFill>
+                      <a:srgbClr val="1A1A1A"/>
+                    </a:solidFill>
+                  </a:tcPr>
+                </a:tc>
+                <a:tc>
+                  <a:txBody>
+                    <a:bodyPr/>
+                    <a:lstStyle/>
+                    <a:p>
+                      <a:r>
+                        <a:rPr lang="en-US" sz="1200">
+                          <a:effectLst/>
+                        </a:rPr>
+                        <a:t>0.6510</a:t>
+                      </a:r>
+                    </a:p>
+                  </a:txBody>
+                  <a:tcPr marL="47788" marR="47788" marT="31859" marB="31859" anchor="ctr">
+                    <a:lnL w="9525" cap="flat" cmpd="sng" algn="ctr">
+                      <a:solidFill>
+                        <a:srgbClr val="30728E"/>
+                      </a:solidFill>
+                      <a:prstDash val="solid"/>
+                      <a:round/>
+                      <a:headEnd type="none" w="med" len="med"/>
+                      <a:tailEnd type="none" w="med" len="med"/>
+                    </a:lnL>
+                    <a:lnR w="9525" cap="flat" cmpd="sng" algn="ctr">
+                      <a:solidFill>
+                        <a:srgbClr val="30A98E"/>
+                      </a:solidFill>
+                      <a:prstDash val="solid"/>
+                      <a:round/>
+                      <a:headEnd type="none" w="med" len="med"/>
+                      <a:tailEnd type="none" w="med" len="med"/>
+                    </a:lnR>
+                    <a:lnT w="9525" cap="flat" cmpd="sng" algn="ctr">
+                      <a:solidFill>
+                        <a:srgbClr val="30728E"/>
+                      </a:solidFill>
+                      <a:prstDash val="solid"/>
+                      <a:round/>
+                      <a:headEnd type="none" w="med" len="med"/>
+                      <a:tailEnd type="none" w="med" len="med"/>
+                    </a:lnT>
+                    <a:lnB w="9525" cap="flat" cmpd="sng" algn="ctr">
+                      <a:solidFill>
+                        <a:srgbClr val="705B8F"/>
+                      </a:solidFill>
+                      <a:prstDash val="solid"/>
+                      <a:round/>
+                      <a:headEnd type="none" w="med" len="med"/>
+                      <a:tailEnd type="none" w="med" len="med"/>
+                    </a:lnB>
+                    <a:solidFill>
+                      <a:srgbClr val="1A1A1A"/>
+                    </a:solidFill>
+                  </a:tcPr>
+                </a:tc>
+                <a:tc>
+                  <a:txBody>
+                    <a:bodyPr/>
+                    <a:lstStyle/>
+                    <a:p>
+                      <a:r>
+                        <a:rPr lang="en-US" sz="1200">
+                          <a:effectLst/>
+                        </a:rPr>
+                        <a:t>✓</a:t>
+                      </a:r>
+                    </a:p>
+                  </a:txBody>
+                  <a:tcPr marL="47788" marR="47788" marT="31859" marB="31859" anchor="ctr">
+                    <a:lnL w="9525" cap="flat" cmpd="sng" algn="ctr">
+                      <a:solidFill>
+                        <a:srgbClr val="30A98E"/>
+                      </a:solidFill>
+                      <a:prstDash val="solid"/>
+                      <a:round/>
+                      <a:headEnd type="none" w="med" len="med"/>
+                      <a:tailEnd type="none" w="med" len="med"/>
+                    </a:lnL>
+                    <a:lnR w="9525" cap="flat" cmpd="sng" algn="ctr">
+                      <a:solidFill>
+                        <a:srgbClr val="C07741"/>
+                      </a:solidFill>
+                      <a:prstDash val="solid"/>
+                      <a:round/>
+                      <a:headEnd type="none" w="med" len="med"/>
+                      <a:tailEnd type="none" w="med" len="med"/>
+                    </a:lnR>
+                    <a:lnT w="9525" cap="flat" cmpd="sng" algn="ctr">
+                      <a:solidFill>
+                        <a:srgbClr val="30A98E"/>
+                      </a:solidFill>
+                      <a:prstDash val="solid"/>
+                      <a:round/>
+                      <a:headEnd type="none" w="med" len="med"/>
+                      <a:tailEnd type="none" w="med" len="med"/>
+                    </a:lnT>
+                    <a:lnB w="9525" cap="flat" cmpd="sng" algn="ctr">
+                      <a:solidFill>
+                        <a:srgbClr val="10AB3C"/>
+                      </a:solidFill>
+                      <a:prstDash val="solid"/>
+                      <a:round/>
+                      <a:headEnd type="none" w="med" len="med"/>
+                      <a:tailEnd type="none" w="med" len="med"/>
+                    </a:lnB>
+                    <a:solidFill>
+                      <a:srgbClr val="1A1A1A"/>
+                    </a:solidFill>
+                  </a:tcPr>
+                </a:tc>
+                <a:tc>
+                  <a:txBody>
+                    <a:bodyPr/>
+                    <a:lstStyle/>
+                    <a:p>
+                      <a:r>
+                        <a:rPr lang="en-US" sz="1200">
+                          <a:effectLst/>
+                        </a:rPr>
+                        <a:t>0.20</a:t>
+                      </a:r>
+                    </a:p>
+                  </a:txBody>
+                  <a:tcPr marL="47788" marR="47788" marT="31859" marB="31859" anchor="ctr">
+                    <a:lnL w="9525" cap="flat" cmpd="sng" algn="ctr">
+                      <a:solidFill>
+                        <a:srgbClr val="C07741"/>
+                      </a:solidFill>
+                      <a:prstDash val="solid"/>
+                      <a:round/>
+                      <a:headEnd type="none" w="med" len="med"/>
+                      <a:tailEnd type="none" w="med" len="med"/>
+                    </a:lnL>
+                    <a:lnR w="9525" cap="flat" cmpd="sng" algn="ctr">
+                      <a:solidFill>
+                        <a:srgbClr val="C07741"/>
+                      </a:solidFill>
+                      <a:prstDash val="solid"/>
+                      <a:round/>
+                      <a:headEnd type="none" w="med" len="med"/>
+                      <a:tailEnd type="none" w="med" len="med"/>
+                    </a:lnR>
+                    <a:lnT w="9525" cap="flat" cmpd="sng" algn="ctr">
+                      <a:solidFill>
+                        <a:srgbClr val="C07741"/>
+                      </a:solidFill>
+                      <a:prstDash val="solid"/>
+                      <a:round/>
+                      <a:headEnd type="none" w="med" len="med"/>
+                      <a:tailEnd type="none" w="med" len="med"/>
+                    </a:lnT>
+                    <a:lnB w="9525" cap="flat" cmpd="sng" algn="ctr">
+                      <a:solidFill>
+                        <a:srgbClr val="205770"/>
+                      </a:solidFill>
+                      <a:prstDash val="solid"/>
+                      <a:round/>
+                      <a:headEnd type="none" w="med" len="med"/>
+                      <a:tailEnd type="none" w="med" len="med"/>
+                    </a:lnB>
+                    <a:solidFill>
+                      <a:srgbClr val="1A1A1A"/>
+                    </a:solidFill>
+                  </a:tcPr>
+                </a:tc>
+                <a:extLst>
+                  <a:ext uri="{0D108BD9-81ED-4DB2-BD59-A6C34878D82A}">
+                    <a16:rowId xmlns:a16="http://schemas.microsoft.com/office/drawing/2014/main" val="3597516689"/>
+                  </a:ext>
+                </a:extLst>
+              </a:tr>
+              <a:tr h="204665">
+                <a:tc>
+                  <a:txBody>
+                    <a:bodyPr/>
+                    <a:lstStyle/>
+                    <a:p>
+                      <a:r>
+                        <a:rPr lang="en-US" sz="1200">
+                          <a:effectLst/>
+                        </a:rPr>
+                        <a:t>4</a:t>
+                      </a:r>
+                    </a:p>
+                  </a:txBody>
+                  <a:tcPr marL="47788" marR="47788" marT="31859" marB="31859" anchor="ctr">
+                    <a:lnL w="9525" cap="flat" cmpd="sng" algn="ctr">
+                      <a:solidFill>
+                        <a:srgbClr val="C0D359"/>
+                      </a:solidFill>
+                      <a:prstDash val="solid"/>
+                      <a:round/>
+                      <a:headEnd type="none" w="med" len="med"/>
+                      <a:tailEnd type="none" w="med" len="med"/>
+                    </a:lnL>
+                    <a:lnR w="9525" cap="flat" cmpd="sng" algn="ctr">
+                      <a:solidFill>
+                        <a:srgbClr val="10883C"/>
+                      </a:solidFill>
+                      <a:prstDash val="solid"/>
+                      <a:round/>
+                      <a:headEnd type="none" w="med" len="med"/>
+                      <a:tailEnd type="none" w="med" len="med"/>
+                    </a:lnR>
+                    <a:lnT w="9525" cap="flat" cmpd="sng" algn="ctr">
+                      <a:solidFill>
+                        <a:srgbClr val="C0D359"/>
+                      </a:solidFill>
+                      <a:prstDash val="solid"/>
+                      <a:round/>
+                      <a:headEnd type="none" w="med" len="med"/>
+                      <a:tailEnd type="none" w="med" len="med"/>
+                    </a:lnT>
+                    <a:lnB w="9525" cap="flat" cmpd="sng" algn="ctr">
+                      <a:solidFill>
+                        <a:srgbClr val="A01C87"/>
+                      </a:solidFill>
+                      <a:prstDash val="solid"/>
+                      <a:round/>
+                      <a:headEnd type="none" w="med" len="med"/>
+                      <a:tailEnd type="none" w="med" len="med"/>
+                    </a:lnB>
+                    <a:solidFill>
+                      <a:srgbClr val="1A1A1A"/>
+                    </a:solidFill>
+                  </a:tcPr>
+                </a:tc>
+                <a:tc>
+                  <a:txBody>
+                    <a:bodyPr/>
+                    <a:lstStyle/>
+                    <a:p>
+                      <a:r>
+                        <a:rPr lang="en-US" sz="1200">
+                          <a:effectLst/>
+                        </a:rPr>
+                        <a:t>0.6510</a:t>
+                      </a:r>
+                    </a:p>
+                  </a:txBody>
+                  <a:tcPr marL="47788" marR="47788" marT="31859" marB="31859" anchor="ctr">
+                    <a:lnL w="9525" cap="flat" cmpd="sng" algn="ctr">
+                      <a:solidFill>
+                        <a:srgbClr val="10883C"/>
+                      </a:solidFill>
+                      <a:prstDash val="solid"/>
+                      <a:round/>
+                      <a:headEnd type="none" w="med" len="med"/>
+                      <a:tailEnd type="none" w="med" len="med"/>
+                    </a:lnL>
+                    <a:lnR w="9525" cap="flat" cmpd="sng" algn="ctr">
+                      <a:solidFill>
+                        <a:srgbClr val="705B8F"/>
+                      </a:solidFill>
+                      <a:prstDash val="solid"/>
+                      <a:round/>
+                      <a:headEnd type="none" w="med" len="med"/>
+                      <a:tailEnd type="none" w="med" len="med"/>
+                    </a:lnR>
+                    <a:lnT w="9525" cap="flat" cmpd="sng" algn="ctr">
+                      <a:solidFill>
+                        <a:srgbClr val="10883C"/>
+                      </a:solidFill>
+                      <a:prstDash val="solid"/>
+                      <a:round/>
+                      <a:headEnd type="none" w="med" len="med"/>
+                      <a:tailEnd type="none" w="med" len="med"/>
+                    </a:lnT>
+                    <a:lnB w="9525" cap="flat" cmpd="sng" algn="ctr">
+                      <a:solidFill>
+                        <a:srgbClr val="1062AE"/>
+                      </a:solidFill>
+                      <a:prstDash val="solid"/>
+                      <a:round/>
+                      <a:headEnd type="none" w="med" len="med"/>
+                      <a:tailEnd type="none" w="med" len="med"/>
+                    </a:lnB>
+                    <a:solidFill>
+                      <a:srgbClr val="1A1A1A"/>
+                    </a:solidFill>
+                  </a:tcPr>
+                </a:tc>
+                <a:tc>
+                  <a:txBody>
+                    <a:bodyPr/>
+                    <a:lstStyle/>
+                    <a:p>
+                      <a:r>
+                        <a:rPr lang="en-US" sz="1200">
+                          <a:effectLst/>
+                        </a:rPr>
+                        <a:t>0.6495</a:t>
+                      </a:r>
+                    </a:p>
+                  </a:txBody>
+                  <a:tcPr marL="47788" marR="47788" marT="31859" marB="31859" anchor="ctr">
+                    <a:lnL w="9525" cap="flat" cmpd="sng" algn="ctr">
+                      <a:solidFill>
+                        <a:srgbClr val="705B8F"/>
+                      </a:solidFill>
+                      <a:prstDash val="solid"/>
+                      <a:round/>
+                      <a:headEnd type="none" w="med" len="med"/>
+                      <a:tailEnd type="none" w="med" len="med"/>
+                    </a:lnL>
+                    <a:lnR w="9525" cap="flat" cmpd="sng" algn="ctr">
+                      <a:solidFill>
+                        <a:srgbClr val="10AB3C"/>
+                      </a:solidFill>
+                      <a:prstDash val="solid"/>
+                      <a:round/>
+                      <a:headEnd type="none" w="med" len="med"/>
+                      <a:tailEnd type="none" w="med" len="med"/>
+                    </a:lnR>
+                    <a:lnT w="9525" cap="flat" cmpd="sng" algn="ctr">
+                      <a:solidFill>
+                        <a:srgbClr val="705B8F"/>
+                      </a:solidFill>
+                      <a:prstDash val="solid"/>
+                      <a:round/>
+                      <a:headEnd type="none" w="med" len="med"/>
+                      <a:tailEnd type="none" w="med" len="med"/>
+                    </a:lnT>
+                    <a:lnB w="9525" cap="flat" cmpd="sng" algn="ctr">
+                      <a:solidFill>
+                        <a:srgbClr val="5067AE"/>
+                      </a:solidFill>
+                      <a:prstDash val="solid"/>
+                      <a:round/>
+                      <a:headEnd type="none" w="med" len="med"/>
+                      <a:tailEnd type="none" w="med" len="med"/>
+                    </a:lnB>
+                    <a:solidFill>
+                      <a:srgbClr val="1A1A1A"/>
+                    </a:solidFill>
+                  </a:tcPr>
+                </a:tc>
+                <a:tc>
+                  <a:txBody>
+                    <a:bodyPr/>
+                    <a:lstStyle/>
+                    <a:p>
+                      <a:r>
+                        <a:rPr lang="en-US" sz="1200">
+                          <a:effectLst/>
+                        </a:rPr>
+                        <a:t>✗</a:t>
+                      </a:r>
+                    </a:p>
+                  </a:txBody>
+                  <a:tcPr marL="47788" marR="47788" marT="31859" marB="31859" anchor="ctr">
+                    <a:lnL w="9525" cap="flat" cmpd="sng" algn="ctr">
+                      <a:solidFill>
+                        <a:srgbClr val="10AB3C"/>
+                      </a:solidFill>
+                      <a:prstDash val="solid"/>
+                      <a:round/>
+                      <a:headEnd type="none" w="med" len="med"/>
+                      <a:tailEnd type="none" w="med" len="med"/>
+                    </a:lnL>
+                    <a:lnR w="9525" cap="flat" cmpd="sng" algn="ctr">
+                      <a:solidFill>
+                        <a:srgbClr val="205770"/>
+                      </a:solidFill>
+                      <a:prstDash val="solid"/>
+                      <a:round/>
+                      <a:headEnd type="none" w="med" len="med"/>
+                      <a:tailEnd type="none" w="med" len="med"/>
+                    </a:lnR>
+                    <a:lnT w="9525" cap="flat" cmpd="sng" algn="ctr">
+                      <a:solidFill>
+                        <a:srgbClr val="10AB3C"/>
+                      </a:solidFill>
+                      <a:prstDash val="solid"/>
+                      <a:round/>
+                      <a:headEnd type="none" w="med" len="med"/>
+                      <a:tailEnd type="none" w="med" len="med"/>
+                    </a:lnT>
+                    <a:lnB w="9525" cap="flat" cmpd="sng" algn="ctr">
+                      <a:solidFill>
+                        <a:srgbClr val="D06CAE"/>
+                      </a:solidFill>
+                      <a:prstDash val="solid"/>
+                      <a:round/>
+                      <a:headEnd type="none" w="med" len="med"/>
+                      <a:tailEnd type="none" w="med" len="med"/>
+                    </a:lnB>
+                    <a:solidFill>
+                      <a:srgbClr val="1A1A1A"/>
+                    </a:solidFill>
+                  </a:tcPr>
+                </a:tc>
+                <a:tc>
+                  <a:txBody>
+                    <a:bodyPr/>
+                    <a:lstStyle/>
+                    <a:p>
+                      <a:r>
+                        <a:rPr lang="en-US" sz="1200" dirty="0">
+                          <a:effectLst/>
+                        </a:rPr>
+                        <a:t>0.20</a:t>
+                      </a:r>
+                    </a:p>
+                  </a:txBody>
+                  <a:tcPr marL="47788" marR="47788" marT="31859" marB="31859" anchor="ctr">
+                    <a:lnL w="9525" cap="flat" cmpd="sng" algn="ctr">
+                      <a:solidFill>
+                        <a:srgbClr val="205770"/>
+                      </a:solidFill>
+                      <a:prstDash val="solid"/>
+                      <a:round/>
+                      <a:headEnd type="none" w="med" len="med"/>
+                      <a:tailEnd type="none" w="med" len="med"/>
+                    </a:lnL>
+                    <a:lnR w="9525" cap="flat" cmpd="sng" algn="ctr">
+                      <a:solidFill>
+                        <a:srgbClr val="205770"/>
+                      </a:solidFill>
+                      <a:prstDash val="solid"/>
+                      <a:round/>
+                      <a:headEnd type="none" w="med" len="med"/>
+                      <a:tailEnd type="none" w="med" len="med"/>
+                    </a:lnR>
+                    <a:lnT w="9525" cap="flat" cmpd="sng" algn="ctr">
+                      <a:solidFill>
+                        <a:srgbClr val="205770"/>
+                      </a:solidFill>
+                      <a:prstDash val="solid"/>
+                      <a:round/>
+                      <a:headEnd type="none" w="med" len="med"/>
+                      <a:tailEnd type="none" w="med" len="med"/>
+                    </a:lnT>
+                    <a:lnB w="9525" cap="flat" cmpd="sng" algn="ctr">
+                      <a:solidFill>
+                        <a:srgbClr val="9068AE"/>
+                      </a:solidFill>
+                      <a:prstDash val="solid"/>
+                      <a:round/>
+                      <a:headEnd type="none" w="med" len="med"/>
+                      <a:tailEnd type="none" w="med" len="med"/>
+                    </a:lnB>
+                    <a:solidFill>
+                      <a:srgbClr val="1A1A1A"/>
+                    </a:solidFill>
+                  </a:tcPr>
+                </a:tc>
+                <a:extLst>
+                  <a:ext uri="{0D108BD9-81ED-4DB2-BD59-A6C34878D82A}">
+                    <a16:rowId xmlns:a16="http://schemas.microsoft.com/office/drawing/2014/main" val="2551541710"/>
+                  </a:ext>
+                </a:extLst>
+              </a:tr>
+              <a:tr h="204665">
+                <a:tc>
+                  <a:txBody>
+                    <a:bodyPr/>
+                    <a:lstStyle/>
+                    <a:p>
+                      <a:r>
+                        <a:rPr lang="en-US" sz="1200">
+                          <a:effectLst/>
+                        </a:rPr>
+                        <a:t>5</a:t>
+                      </a:r>
+                    </a:p>
+                  </a:txBody>
+                  <a:tcPr marL="47788" marR="47788" marT="31859" marB="31859" anchor="ctr">
+                    <a:lnL w="9525" cap="flat" cmpd="sng" algn="ctr">
+                      <a:solidFill>
+                        <a:srgbClr val="A01C87"/>
+                      </a:solidFill>
+                      <a:prstDash val="solid"/>
+                      <a:round/>
+                      <a:headEnd type="none" w="med" len="med"/>
+                      <a:tailEnd type="none" w="med" len="med"/>
+                    </a:lnL>
+                    <a:lnR w="9525" cap="flat" cmpd="sng" algn="ctr">
+                      <a:solidFill>
+                        <a:srgbClr val="1062AE"/>
+                      </a:solidFill>
+                      <a:prstDash val="solid"/>
+                      <a:round/>
+                      <a:headEnd type="none" w="med" len="med"/>
+                      <a:tailEnd type="none" w="med" len="med"/>
+                    </a:lnR>
+                    <a:lnT w="9525" cap="flat" cmpd="sng" algn="ctr">
+                      <a:solidFill>
+                        <a:srgbClr val="A01C87"/>
+                      </a:solidFill>
+                      <a:prstDash val="solid"/>
+                      <a:round/>
+                      <a:headEnd type="none" w="med" len="med"/>
+                      <a:tailEnd type="none" w="med" len="med"/>
+                    </a:lnT>
+                    <a:lnB w="9525" cap="flat" cmpd="sng" algn="ctr">
+                      <a:solidFill>
+                        <a:srgbClr val="D07FAE"/>
+                      </a:solidFill>
+                      <a:prstDash val="solid"/>
+                      <a:round/>
+                      <a:headEnd type="none" w="med" len="med"/>
+                      <a:tailEnd type="none" w="med" len="med"/>
+                    </a:lnB>
+                    <a:solidFill>
+                      <a:srgbClr val="1A1A1A"/>
+                    </a:solidFill>
+                  </a:tcPr>
+                </a:tc>
+                <a:tc>
+                  <a:txBody>
+                    <a:bodyPr/>
+                    <a:lstStyle/>
+                    <a:p>
+                      <a:r>
+                        <a:rPr lang="en-US" sz="1200">
+                          <a:effectLst/>
+                        </a:rPr>
+                        <a:t>0.6510</a:t>
+                      </a:r>
+                    </a:p>
+                  </a:txBody>
+                  <a:tcPr marL="47788" marR="47788" marT="31859" marB="31859" anchor="ctr">
+                    <a:lnL w="9525" cap="flat" cmpd="sng" algn="ctr">
+                      <a:solidFill>
+                        <a:srgbClr val="1062AE"/>
+                      </a:solidFill>
+                      <a:prstDash val="solid"/>
+                      <a:round/>
+                      <a:headEnd type="none" w="med" len="med"/>
+                      <a:tailEnd type="none" w="med" len="med"/>
+                    </a:lnL>
+                    <a:lnR w="9525" cap="flat" cmpd="sng" algn="ctr">
+                      <a:solidFill>
+                        <a:srgbClr val="5067AE"/>
+                      </a:solidFill>
+                      <a:prstDash val="solid"/>
+                      <a:round/>
+                      <a:headEnd type="none" w="med" len="med"/>
+                      <a:tailEnd type="none" w="med" len="med"/>
+                    </a:lnR>
+                    <a:lnT w="9525" cap="flat" cmpd="sng" algn="ctr">
+                      <a:solidFill>
+                        <a:srgbClr val="1062AE"/>
+                      </a:solidFill>
+                      <a:prstDash val="solid"/>
+                      <a:round/>
+                      <a:headEnd type="none" w="med" len="med"/>
+                      <a:tailEnd type="none" w="med" len="med"/>
+                    </a:lnT>
+                    <a:lnB w="9525" cap="flat" cmpd="sng" algn="ctr">
+                      <a:solidFill>
+                        <a:srgbClr val="907CAE"/>
+                      </a:solidFill>
+                      <a:prstDash val="solid"/>
+                      <a:round/>
+                      <a:headEnd type="none" w="med" len="med"/>
+                      <a:tailEnd type="none" w="med" len="med"/>
+                    </a:lnB>
+                    <a:solidFill>
+                      <a:srgbClr val="1A1A1A"/>
+                    </a:solidFill>
+                  </a:tcPr>
+                </a:tc>
+                <a:tc>
+                  <a:txBody>
+                    <a:bodyPr/>
+                    <a:lstStyle/>
+                    <a:p>
+                      <a:r>
+                        <a:rPr lang="en-US" sz="1200">
+                          <a:effectLst/>
+                        </a:rPr>
+                        <a:t>0.6520</a:t>
+                      </a:r>
+                    </a:p>
+                  </a:txBody>
+                  <a:tcPr marL="47788" marR="47788" marT="31859" marB="31859" anchor="ctr">
+                    <a:lnL w="9525" cap="flat" cmpd="sng" algn="ctr">
+                      <a:solidFill>
+                        <a:srgbClr val="5067AE"/>
+                      </a:solidFill>
+                      <a:prstDash val="solid"/>
+                      <a:round/>
+                      <a:headEnd type="none" w="med" len="med"/>
+                      <a:tailEnd type="none" w="med" len="med"/>
+                    </a:lnL>
+                    <a:lnR w="9525" cap="flat" cmpd="sng" algn="ctr">
+                      <a:solidFill>
+                        <a:srgbClr val="D06CAE"/>
+                      </a:solidFill>
+                      <a:prstDash val="solid"/>
+                      <a:round/>
+                      <a:headEnd type="none" w="med" len="med"/>
+                      <a:tailEnd type="none" w="med" len="med"/>
+                    </a:lnR>
+                    <a:lnT w="9525" cap="flat" cmpd="sng" algn="ctr">
+                      <a:solidFill>
+                        <a:srgbClr val="5067AE"/>
+                      </a:solidFill>
+                      <a:prstDash val="solid"/>
+                      <a:round/>
+                      <a:headEnd type="none" w="med" len="med"/>
+                      <a:tailEnd type="none" w="med" len="med"/>
+                    </a:lnT>
+                    <a:lnB w="9525" cap="flat" cmpd="sng" algn="ctr">
+                      <a:solidFill>
+                        <a:srgbClr val="D072AE"/>
+                      </a:solidFill>
+                      <a:prstDash val="solid"/>
+                      <a:round/>
+                      <a:headEnd type="none" w="med" len="med"/>
+                      <a:tailEnd type="none" w="med" len="med"/>
+                    </a:lnB>
+                    <a:solidFill>
+                      <a:srgbClr val="1A1A1A"/>
+                    </a:solidFill>
+                  </a:tcPr>
+                </a:tc>
+                <a:tc>
+                  <a:txBody>
+                    <a:bodyPr/>
+                    <a:lstStyle/>
+                    <a:p>
+                      <a:r>
+                        <a:rPr lang="en-US" sz="1200">
+                          <a:effectLst/>
+                        </a:rPr>
+                        <a:t>✓</a:t>
+                      </a:r>
+                    </a:p>
+                  </a:txBody>
+                  <a:tcPr marL="47788" marR="47788" marT="31859" marB="31859" anchor="ctr">
+                    <a:lnL w="9525" cap="flat" cmpd="sng" algn="ctr">
+                      <a:solidFill>
+                        <a:srgbClr val="D06CAE"/>
+                      </a:solidFill>
+                      <a:prstDash val="solid"/>
+                      <a:round/>
+                      <a:headEnd type="none" w="med" len="med"/>
+                      <a:tailEnd type="none" w="med" len="med"/>
+                    </a:lnL>
+                    <a:lnR w="9525" cap="flat" cmpd="sng" algn="ctr">
+                      <a:solidFill>
+                        <a:srgbClr val="9068AE"/>
+                      </a:solidFill>
+                      <a:prstDash val="solid"/>
+                      <a:round/>
+                      <a:headEnd type="none" w="med" len="med"/>
+                      <a:tailEnd type="none" w="med" len="med"/>
+                    </a:lnR>
+                    <a:lnT w="9525" cap="flat" cmpd="sng" algn="ctr">
+                      <a:solidFill>
+                        <a:srgbClr val="D06CAE"/>
+                      </a:solidFill>
+                      <a:prstDash val="solid"/>
+                      <a:round/>
+                      <a:headEnd type="none" w="med" len="med"/>
+                      <a:tailEnd type="none" w="med" len="med"/>
+                    </a:lnT>
+                    <a:lnB w="9525" cap="flat" cmpd="sng" algn="ctr">
+                      <a:solidFill>
+                        <a:srgbClr val="507FAE"/>
+                      </a:solidFill>
+                      <a:prstDash val="solid"/>
+                      <a:round/>
+                      <a:headEnd type="none" w="med" len="med"/>
+                      <a:tailEnd type="none" w="med" len="med"/>
+                    </a:lnB>
+                    <a:solidFill>
+                      <a:srgbClr val="1A1A1A"/>
+                    </a:solidFill>
+                  </a:tcPr>
+                </a:tc>
+                <a:tc>
+                  <a:txBody>
+                    <a:bodyPr/>
+                    <a:lstStyle/>
+                    <a:p>
+                      <a:r>
+                        <a:rPr lang="en-US" sz="1200">
+                          <a:effectLst/>
+                        </a:rPr>
+                        <a:t>0.20</a:t>
+                      </a:r>
+                    </a:p>
+                  </a:txBody>
+                  <a:tcPr marL="47788" marR="47788" marT="31859" marB="31859" anchor="ctr">
+                    <a:lnL w="9525" cap="flat" cmpd="sng" algn="ctr">
+                      <a:solidFill>
+                        <a:srgbClr val="9068AE"/>
+                      </a:solidFill>
+                      <a:prstDash val="solid"/>
+                      <a:round/>
+                      <a:headEnd type="none" w="med" len="med"/>
+                      <a:tailEnd type="none" w="med" len="med"/>
+                    </a:lnL>
+                    <a:lnR w="9525" cap="flat" cmpd="sng" algn="ctr">
+                      <a:solidFill>
+                        <a:srgbClr val="9068AE"/>
+                      </a:solidFill>
+                      <a:prstDash val="solid"/>
+                      <a:round/>
+                      <a:headEnd type="none" w="med" len="med"/>
+                      <a:tailEnd type="none" w="med" len="med"/>
+                    </a:lnR>
+                    <a:lnT w="9525" cap="flat" cmpd="sng" algn="ctr">
+                      <a:solidFill>
+                        <a:srgbClr val="9068AE"/>
+                      </a:solidFill>
+                      <a:prstDash val="solid"/>
+                      <a:round/>
+                      <a:headEnd type="none" w="med" len="med"/>
+                      <a:tailEnd type="none" w="med" len="med"/>
+                    </a:lnT>
+                    <a:lnB w="9525" cap="flat" cmpd="sng" algn="ctr">
+                      <a:solidFill>
+                        <a:srgbClr val="507FAE"/>
+                      </a:solidFill>
+                      <a:prstDash val="solid"/>
+                      <a:round/>
+                      <a:headEnd type="none" w="med" len="med"/>
+                      <a:tailEnd type="none" w="med" len="med"/>
+                    </a:lnB>
+                    <a:solidFill>
+                      <a:srgbClr val="1A1A1A"/>
+                    </a:solidFill>
+                  </a:tcPr>
+                </a:tc>
+                <a:extLst>
+                  <a:ext uri="{0D108BD9-81ED-4DB2-BD59-A6C34878D82A}">
+                    <a16:rowId xmlns:a16="http://schemas.microsoft.com/office/drawing/2014/main" val="3823604414"/>
+                  </a:ext>
+                </a:extLst>
+              </a:tr>
+              <a:tr h="204665">
+                <a:tc>
+                  <a:txBody>
+                    <a:bodyPr/>
+                    <a:lstStyle/>
+                    <a:p>
+                      <a:r>
+                        <a:rPr lang="en-US" sz="1200">
+                          <a:effectLst/>
+                        </a:rPr>
+                        <a:t>6</a:t>
+                      </a:r>
+                    </a:p>
+                  </a:txBody>
+                  <a:tcPr marL="47788" marR="47788" marT="31859" marB="31859" anchor="ctr">
+                    <a:lnL w="9525" cap="flat" cmpd="sng" algn="ctr">
+                      <a:solidFill>
+                        <a:srgbClr val="D07FAE"/>
+                      </a:solidFill>
+                      <a:prstDash val="solid"/>
+                      <a:round/>
+                      <a:headEnd type="none" w="med" len="med"/>
+                      <a:tailEnd type="none" w="med" len="med"/>
+                    </a:lnL>
+                    <a:lnR w="9525" cap="flat" cmpd="sng" algn="ctr">
+                      <a:solidFill>
+                        <a:srgbClr val="907CAE"/>
+                      </a:solidFill>
+                      <a:prstDash val="solid"/>
+                      <a:round/>
+                      <a:headEnd type="none" w="med" len="med"/>
+                      <a:tailEnd type="none" w="med" len="med"/>
+                    </a:lnR>
+                    <a:lnT w="9525" cap="flat" cmpd="sng" algn="ctr">
+                      <a:solidFill>
+                        <a:srgbClr val="D07FAE"/>
+                      </a:solidFill>
+                      <a:prstDash val="solid"/>
+                      <a:round/>
+                      <a:headEnd type="none" w="med" len="med"/>
+                      <a:tailEnd type="none" w="med" len="med"/>
+                    </a:lnT>
+                    <a:lnB w="9525" cap="flat" cmpd="sng" algn="ctr">
+                      <a:solidFill>
+                        <a:srgbClr val="D076AE"/>
+                      </a:solidFill>
+                      <a:prstDash val="solid"/>
+                      <a:round/>
+                      <a:headEnd type="none" w="med" len="med"/>
+                      <a:tailEnd type="none" w="med" len="med"/>
+                    </a:lnB>
+                    <a:solidFill>
+                      <a:srgbClr val="1A1A1A"/>
+                    </a:solidFill>
+                  </a:tcPr>
+                </a:tc>
+                <a:tc>
+                  <a:txBody>
+                    <a:bodyPr/>
+                    <a:lstStyle/>
+                    <a:p>
+                      <a:r>
+                        <a:rPr lang="en-US" sz="1200">
+                          <a:effectLst/>
+                        </a:rPr>
+                        <a:t>0.6520</a:t>
+                      </a:r>
+                    </a:p>
+                  </a:txBody>
+                  <a:tcPr marL="47788" marR="47788" marT="31859" marB="31859" anchor="ctr">
+                    <a:lnL w="9525" cap="flat" cmpd="sng" algn="ctr">
+                      <a:solidFill>
+                        <a:srgbClr val="907CAE"/>
+                      </a:solidFill>
+                      <a:prstDash val="solid"/>
+                      <a:round/>
+                      <a:headEnd type="none" w="med" len="med"/>
+                      <a:tailEnd type="none" w="med" len="med"/>
+                    </a:lnL>
+                    <a:lnR w="9525" cap="flat" cmpd="sng" algn="ctr">
+                      <a:solidFill>
+                        <a:srgbClr val="D072AE"/>
+                      </a:solidFill>
+                      <a:prstDash val="solid"/>
+                      <a:round/>
+                      <a:headEnd type="none" w="med" len="med"/>
+                      <a:tailEnd type="none" w="med" len="med"/>
+                    </a:lnR>
+                    <a:lnT w="9525" cap="flat" cmpd="sng" algn="ctr">
+                      <a:solidFill>
+                        <a:srgbClr val="907CAE"/>
+                      </a:solidFill>
+                      <a:prstDash val="solid"/>
+                      <a:round/>
+                      <a:headEnd type="none" w="med" len="med"/>
+                      <a:tailEnd type="none" w="med" len="med"/>
+                    </a:lnT>
+                    <a:lnB w="9525" cap="flat" cmpd="sng" algn="ctr">
+                      <a:solidFill>
+                        <a:srgbClr val="108BAE"/>
+                      </a:solidFill>
+                      <a:prstDash val="solid"/>
+                      <a:round/>
+                      <a:headEnd type="none" w="med" len="med"/>
+                      <a:tailEnd type="none" w="med" len="med"/>
+                    </a:lnB>
+                    <a:solidFill>
+                      <a:srgbClr val="1A1A1A"/>
+                    </a:solidFill>
+                  </a:tcPr>
+                </a:tc>
+                <a:tc>
+                  <a:txBody>
+                    <a:bodyPr/>
+                    <a:lstStyle/>
+                    <a:p>
+                      <a:r>
+                        <a:rPr lang="en-US" sz="1200">
+                          <a:effectLst/>
+                        </a:rPr>
+                        <a:t>0.6518</a:t>
+                      </a:r>
+                    </a:p>
+                  </a:txBody>
+                  <a:tcPr marL="47788" marR="47788" marT="31859" marB="31859" anchor="ctr">
+                    <a:lnL w="9525" cap="flat" cmpd="sng" algn="ctr">
+                      <a:solidFill>
+                        <a:srgbClr val="D072AE"/>
+                      </a:solidFill>
+                      <a:prstDash val="solid"/>
+                      <a:round/>
+                      <a:headEnd type="none" w="med" len="med"/>
+                      <a:tailEnd type="none" w="med" len="med"/>
+                    </a:lnL>
+                    <a:lnR w="9525" cap="flat" cmpd="sng" algn="ctr">
+                      <a:solidFill>
+                        <a:srgbClr val="507FAE"/>
+                      </a:solidFill>
+                      <a:prstDash val="solid"/>
+                      <a:round/>
+                      <a:headEnd type="none" w="med" len="med"/>
+                      <a:tailEnd type="none" w="med" len="med"/>
+                    </a:lnR>
+                    <a:lnT w="9525" cap="flat" cmpd="sng" algn="ctr">
+                      <a:solidFill>
+                        <a:srgbClr val="D072AE"/>
+                      </a:solidFill>
+                      <a:prstDash val="solid"/>
+                      <a:round/>
+                      <a:headEnd type="none" w="med" len="med"/>
+                      <a:tailEnd type="none" w="med" len="med"/>
+                    </a:lnT>
+                    <a:lnB w="9525" cap="flat" cmpd="sng" algn="ctr">
+                      <a:solidFill>
+                        <a:srgbClr val="1090AE"/>
+                      </a:solidFill>
+                      <a:prstDash val="solid"/>
+                      <a:round/>
+                      <a:headEnd type="none" w="med" len="med"/>
+                      <a:tailEnd type="none" w="med" len="med"/>
+                    </a:lnB>
+                    <a:solidFill>
+                      <a:srgbClr val="1A1A1A"/>
+                    </a:solidFill>
+                  </a:tcPr>
+                </a:tc>
+                <a:tc>
+                  <a:txBody>
+                    <a:bodyPr/>
+                    <a:lstStyle/>
+                    <a:p>
+                      <a:r>
+                        <a:rPr lang="en-US" sz="1200">
+                          <a:effectLst/>
+                        </a:rPr>
+                        <a:t>✗</a:t>
+                      </a:r>
+                    </a:p>
+                  </a:txBody>
+                  <a:tcPr marL="47788" marR="47788" marT="31859" marB="31859" anchor="ctr">
+                    <a:lnL w="9525" cap="flat" cmpd="sng" algn="ctr">
+                      <a:solidFill>
+                        <a:srgbClr val="507FAE"/>
+                      </a:solidFill>
+                      <a:prstDash val="solid"/>
+                      <a:round/>
+                      <a:headEnd type="none" w="med" len="med"/>
+                      <a:tailEnd type="none" w="med" len="med"/>
+                    </a:lnL>
+                    <a:lnR w="9525" cap="flat" cmpd="sng" algn="ctr">
+                      <a:solidFill>
+                        <a:srgbClr val="507FAE"/>
+                      </a:solidFill>
+                      <a:prstDash val="solid"/>
+                      <a:round/>
+                      <a:headEnd type="none" w="med" len="med"/>
+                      <a:tailEnd type="none" w="med" len="med"/>
+                    </a:lnR>
+                    <a:lnT w="9525" cap="flat" cmpd="sng" algn="ctr">
+                      <a:solidFill>
+                        <a:srgbClr val="507FAE"/>
+                      </a:solidFill>
+                      <a:prstDash val="solid"/>
+                      <a:round/>
+                      <a:headEnd type="none" w="med" len="med"/>
+                      <a:tailEnd type="none" w="med" len="med"/>
+                    </a:lnT>
+                    <a:lnB w="9525" cap="flat" cmpd="sng" algn="ctr">
+                      <a:solidFill>
+                        <a:srgbClr val="5082AE"/>
+                      </a:solidFill>
+                      <a:prstDash val="solid"/>
+                      <a:round/>
+                      <a:headEnd type="none" w="med" len="med"/>
+                      <a:tailEnd type="none" w="med" len="med"/>
+                    </a:lnB>
+                    <a:solidFill>
+                      <a:srgbClr val="1A1A1A"/>
+                    </a:solidFill>
+                  </a:tcPr>
+                </a:tc>
+                <a:tc>
+                  <a:txBody>
+                    <a:bodyPr/>
+                    <a:lstStyle/>
+                    <a:p>
+                      <a:r>
+                        <a:rPr lang="en-US" sz="1200">
+                          <a:effectLst/>
+                        </a:rPr>
+                        <a:t>0.24</a:t>
+                      </a:r>
+                    </a:p>
+                  </a:txBody>
+                  <a:tcPr marL="47788" marR="47788" marT="31859" marB="31859" anchor="ctr">
+                    <a:lnL w="9525" cap="flat" cmpd="sng" algn="ctr">
+                      <a:solidFill>
+                        <a:srgbClr val="507FAE"/>
+                      </a:solidFill>
+                      <a:prstDash val="solid"/>
+                      <a:round/>
+                      <a:headEnd type="none" w="med" len="med"/>
+                      <a:tailEnd type="none" w="med" len="med"/>
+                    </a:lnL>
+                    <a:lnR w="9525" cap="flat" cmpd="sng" algn="ctr">
+                      <a:solidFill>
+                        <a:srgbClr val="507FAE"/>
+                      </a:solidFill>
+                      <a:prstDash val="solid"/>
+                      <a:round/>
+                      <a:headEnd type="none" w="med" len="med"/>
+                      <a:tailEnd type="none" w="med" len="med"/>
+                    </a:lnR>
+                    <a:lnT w="9525" cap="flat" cmpd="sng" algn="ctr">
+                      <a:solidFill>
+                        <a:srgbClr val="507FAE"/>
+                      </a:solidFill>
+                      <a:prstDash val="solid"/>
+                      <a:round/>
+                      <a:headEnd type="none" w="med" len="med"/>
+                      <a:tailEnd type="none" w="med" len="med"/>
+                    </a:lnT>
+                    <a:lnB w="9525" cap="flat" cmpd="sng" algn="ctr">
+                      <a:solidFill>
+                        <a:srgbClr val="9087AE"/>
+                      </a:solidFill>
+                      <a:prstDash val="solid"/>
+                      <a:round/>
+                      <a:headEnd type="none" w="med" len="med"/>
+                      <a:tailEnd type="none" w="med" len="med"/>
+                    </a:lnB>
+                    <a:solidFill>
+                      <a:srgbClr val="1A1A1A"/>
+                    </a:solidFill>
+                  </a:tcPr>
+                </a:tc>
+                <a:extLst>
+                  <a:ext uri="{0D108BD9-81ED-4DB2-BD59-A6C34878D82A}">
+                    <a16:rowId xmlns:a16="http://schemas.microsoft.com/office/drawing/2014/main" val="62457163"/>
+                  </a:ext>
+                </a:extLst>
+              </a:tr>
+              <a:tr h="295504">
+                <a:tc>
+                  <a:txBody>
+                    <a:bodyPr/>
+                    <a:lstStyle/>
+                    <a:p>
+                      <a:r>
+                        <a:rPr lang="en-US" sz="900" dirty="0">
+                          <a:effectLst/>
+                        </a:rPr>
+                        <a:t>(Plateau detected - stopped early)</a:t>
+                      </a:r>
+                    </a:p>
+                  </a:txBody>
+                  <a:tcPr marL="47788" marR="47788" marT="31859" marB="31859" anchor="ctr">
+                    <a:lnL w="9525" cap="flat" cmpd="sng" algn="ctr">
+                      <a:solidFill>
+                        <a:srgbClr val="D076AE"/>
+                      </a:solidFill>
+                      <a:prstDash val="solid"/>
+                      <a:round/>
+                      <a:headEnd type="none" w="med" len="med"/>
+                      <a:tailEnd type="none" w="med" len="med"/>
+                    </a:lnL>
+                    <a:lnR w="9525" cap="flat" cmpd="sng" algn="ctr">
+                      <a:solidFill>
+                        <a:srgbClr val="108BAE"/>
+                      </a:solidFill>
+                      <a:prstDash val="solid"/>
+                      <a:round/>
+                      <a:headEnd type="none" w="med" len="med"/>
+                      <a:tailEnd type="none" w="med" len="med"/>
+                    </a:lnR>
+                    <a:lnT w="9525" cap="flat" cmpd="sng" algn="ctr">
+                      <a:solidFill>
+                        <a:srgbClr val="D076AE"/>
+                      </a:solidFill>
+                      <a:prstDash val="solid"/>
+                      <a:round/>
+                      <a:headEnd type="none" w="med" len="med"/>
+                      <a:tailEnd type="none" w="med" len="med"/>
+                    </a:lnT>
+                    <a:lnB w="9525" cap="flat" cmpd="sng" algn="ctr">
+                      <a:solidFill>
+                        <a:srgbClr val="D076AE"/>
+                      </a:solidFill>
+                      <a:prstDash val="solid"/>
+                      <a:round/>
+                      <a:headEnd type="none" w="med" len="med"/>
+                      <a:tailEnd type="none" w="med" len="med"/>
+                    </a:lnB>
+                    <a:solidFill>
+                      <a:srgbClr val="1A1A1A"/>
+                    </a:solidFill>
+                  </a:tcPr>
+                </a:tc>
+                <a:tc>
+                  <a:txBody>
+                    <a:bodyPr/>
+                    <a:lstStyle/>
+                    <a:p>
+                      <a:endParaRPr lang="en-US" sz="1200">
+                        <a:effectLst/>
+                      </a:endParaRPr>
+                    </a:p>
+                  </a:txBody>
+                  <a:tcPr marL="47788" marR="47788" marT="31859" marB="31859" anchor="ctr">
+                    <a:lnL w="9525" cap="flat" cmpd="sng" algn="ctr">
+                      <a:solidFill>
+                        <a:srgbClr val="108BAE"/>
+                      </a:solidFill>
+                      <a:prstDash val="solid"/>
+                      <a:round/>
+                      <a:headEnd type="none" w="med" len="med"/>
+                      <a:tailEnd type="none" w="med" len="med"/>
+                    </a:lnL>
+                    <a:lnR w="9525" cap="flat" cmpd="sng" algn="ctr">
+                      <a:solidFill>
+                        <a:srgbClr val="1090AE"/>
+                      </a:solidFill>
+                      <a:prstDash val="solid"/>
+                      <a:round/>
+                      <a:headEnd type="none" w="med" len="med"/>
+                      <a:tailEnd type="none" w="med" len="med"/>
+                    </a:lnR>
+                    <a:lnT w="9525" cap="flat" cmpd="sng" algn="ctr">
+                      <a:solidFill>
+                        <a:srgbClr val="108BAE"/>
+                      </a:solidFill>
+                      <a:prstDash val="solid"/>
+                      <a:round/>
+                      <a:headEnd type="none" w="med" len="med"/>
+                      <a:tailEnd type="none" w="med" len="med"/>
+                    </a:lnT>
+                    <a:lnB w="9525" cap="flat" cmpd="sng" algn="ctr">
+                      <a:solidFill>
+                        <a:srgbClr val="108BAE"/>
+                      </a:solidFill>
+                      <a:prstDash val="solid"/>
+                      <a:round/>
+                      <a:headEnd type="none" w="med" len="med"/>
+                      <a:tailEnd type="none" w="med" len="med"/>
+                    </a:lnB>
+                    <a:solidFill>
+                      <a:srgbClr val="1A1A1A"/>
+                    </a:solidFill>
+                  </a:tcPr>
+                </a:tc>
+                <a:tc>
+                  <a:txBody>
+                    <a:bodyPr/>
+                    <a:lstStyle/>
+                    <a:p>
+                      <a:endParaRPr lang="en-US" sz="1200">
+                        <a:effectLst/>
+                      </a:endParaRPr>
+                    </a:p>
+                  </a:txBody>
+                  <a:tcPr marL="47788" marR="47788" marT="31859" marB="31859" anchor="ctr">
+                    <a:lnL w="9525" cap="flat" cmpd="sng" algn="ctr">
+                      <a:solidFill>
+                        <a:srgbClr val="1090AE"/>
+                      </a:solidFill>
+                      <a:prstDash val="solid"/>
+                      <a:round/>
+                      <a:headEnd type="none" w="med" len="med"/>
+                      <a:tailEnd type="none" w="med" len="med"/>
+                    </a:lnL>
+                    <a:lnR w="9525" cap="flat" cmpd="sng" algn="ctr">
+                      <a:solidFill>
+                        <a:srgbClr val="5082AE"/>
+                      </a:solidFill>
+                      <a:prstDash val="solid"/>
+                      <a:round/>
+                      <a:headEnd type="none" w="med" len="med"/>
+                      <a:tailEnd type="none" w="med" len="med"/>
+                    </a:lnR>
+                    <a:lnT w="9525" cap="flat" cmpd="sng" algn="ctr">
+                      <a:solidFill>
+                        <a:srgbClr val="1090AE"/>
+                      </a:solidFill>
+                      <a:prstDash val="solid"/>
+                      <a:round/>
+                      <a:headEnd type="none" w="med" len="med"/>
+                      <a:tailEnd type="none" w="med" len="med"/>
+                    </a:lnT>
+                    <a:lnB w="9525" cap="flat" cmpd="sng" algn="ctr">
+                      <a:solidFill>
+                        <a:srgbClr val="1090AE"/>
+                      </a:solidFill>
+                      <a:prstDash val="solid"/>
+                      <a:round/>
+                      <a:headEnd type="none" w="med" len="med"/>
+                      <a:tailEnd type="none" w="med" len="med"/>
+                    </a:lnB>
+                    <a:solidFill>
+                      <a:srgbClr val="1A1A1A"/>
+                    </a:solidFill>
+                  </a:tcPr>
+                </a:tc>
+                <a:tc>
+                  <a:txBody>
+                    <a:bodyPr/>
+                    <a:lstStyle/>
+                    <a:p>
+                      <a:endParaRPr lang="en-US" sz="1200">
+                        <a:effectLst/>
+                      </a:endParaRPr>
+                    </a:p>
+                  </a:txBody>
+                  <a:tcPr marL="47788" marR="47788" marT="31859" marB="31859" anchor="ctr">
+                    <a:lnL w="9525" cap="flat" cmpd="sng" algn="ctr">
+                      <a:solidFill>
+                        <a:srgbClr val="5082AE"/>
+                      </a:solidFill>
+                      <a:prstDash val="solid"/>
+                      <a:round/>
+                      <a:headEnd type="none" w="med" len="med"/>
+                      <a:tailEnd type="none" w="med" len="med"/>
+                    </a:lnL>
+                    <a:lnR w="9525" cap="flat" cmpd="sng" algn="ctr">
+                      <a:solidFill>
+                        <a:srgbClr val="9087AE"/>
+                      </a:solidFill>
+                      <a:prstDash val="solid"/>
+                      <a:round/>
+                      <a:headEnd type="none" w="med" len="med"/>
+                      <a:tailEnd type="none" w="med" len="med"/>
+                    </a:lnR>
+                    <a:lnT w="9525" cap="flat" cmpd="sng" algn="ctr">
+                      <a:solidFill>
+                        <a:srgbClr val="5082AE"/>
+                      </a:solidFill>
+                      <a:prstDash val="solid"/>
+                      <a:round/>
+                      <a:headEnd type="none" w="med" len="med"/>
+                      <a:tailEnd type="none" w="med" len="med"/>
+                    </a:lnT>
+                    <a:lnB w="9525" cap="flat" cmpd="sng" algn="ctr">
+                      <a:solidFill>
+                        <a:srgbClr val="5082AE"/>
+                      </a:solidFill>
+                      <a:prstDash val="solid"/>
+                      <a:round/>
+                      <a:headEnd type="none" w="med" len="med"/>
+                      <a:tailEnd type="none" w="med" len="med"/>
+                    </a:lnB>
+                    <a:solidFill>
+                      <a:srgbClr val="1A1A1A"/>
+                    </a:solidFill>
+                  </a:tcPr>
+                </a:tc>
+                <a:tc>
+                  <a:txBody>
+                    <a:bodyPr/>
+                    <a:lstStyle/>
+                    <a:p>
+                      <a:endParaRPr lang="en-US" sz="1200" dirty="0">
+                        <a:effectLst/>
+                      </a:endParaRPr>
+                    </a:p>
+                  </a:txBody>
+                  <a:tcPr marL="47788" marR="47788" marT="31859" marB="31859" anchor="ctr">
+                    <a:lnL w="9525" cap="flat" cmpd="sng" algn="ctr">
+                      <a:solidFill>
+                        <a:srgbClr val="9087AE"/>
+                      </a:solidFill>
+                      <a:prstDash val="solid"/>
+                      <a:round/>
+                      <a:headEnd type="none" w="med" len="med"/>
+                      <a:tailEnd type="none" w="med" len="med"/>
+                    </a:lnL>
+                    <a:lnR w="9525" cap="flat" cmpd="sng" algn="ctr">
+                      <a:solidFill>
+                        <a:srgbClr val="9087AE"/>
+                      </a:solidFill>
+                      <a:prstDash val="solid"/>
+                      <a:round/>
+                      <a:headEnd type="none" w="med" len="med"/>
+                      <a:tailEnd type="none" w="med" len="med"/>
+                    </a:lnR>
+                    <a:lnT w="9525" cap="flat" cmpd="sng" algn="ctr">
+                      <a:solidFill>
+                        <a:srgbClr val="9087AE"/>
+                      </a:solidFill>
+                      <a:prstDash val="solid"/>
+                      <a:round/>
+                      <a:headEnd type="none" w="med" len="med"/>
+                      <a:tailEnd type="none" w="med" len="med"/>
+                    </a:lnT>
+                    <a:lnB w="9525" cap="flat" cmpd="sng" algn="ctr">
+                      <a:solidFill>
+                        <a:srgbClr val="9087AE"/>
+                      </a:solidFill>
+                      <a:prstDash val="solid"/>
+                      <a:round/>
+                      <a:headEnd type="none" w="med" len="med"/>
+                      <a:tailEnd type="none" w="med" len="med"/>
+                    </a:lnB>
+                    <a:solidFill>
+                      <a:srgbClr val="1A1A1A"/>
+                    </a:solidFill>
+                  </a:tcPr>
+                </a:tc>
+                <a:extLst>
+                  <a:ext uri="{0D108BD9-81ED-4DB2-BD59-A6C34878D82A}">
+                    <a16:rowId xmlns:a16="http://schemas.microsoft.com/office/drawing/2014/main" val="1436766805"/>
+                  </a:ext>
+                </a:extLst>
+              </a:tr>
+            </a:tbl>
+          </a:graphicData>
+        </a:graphic>
+      </p:graphicFrame>
+      <p:sp>
+        <p:nvSpPr>
+          <p:cNvPr id="11" name="Rectangle 4">
+            <a:extLst>
+              <a:ext uri="{FF2B5EF4-FFF2-40B4-BE49-F238E27FC236}">
+                <a16:creationId xmlns:a16="http://schemas.microsoft.com/office/drawing/2014/main" id="{EEB06694-8CB1-457F-BB47-573CB3C93FD9}"/>
+              </a:ext>
+            </a:extLst>
+          </p:cNvPr>
+          <p:cNvSpPr>
+            <a:spLocks noChangeArrowheads="1"/>
+          </p:cNvSpPr>
+          <p:nvPr/>
+        </p:nvSpPr>
+        <p:spPr bwMode="auto">
+          <a:xfrm>
+            <a:off x="1409700" y="1370013"/>
+            <a:ext cx="9144000" cy="0"/>
+          </a:xfrm>
+          <a:prstGeom prst="rect">
+            <a:avLst/>
+          </a:prstGeom>
+          <a:noFill/>
+          <a:ln>
+            <a:noFill/>
+          </a:ln>
+          <a:effectLst/>
+          <a:extLst>
+            <a:ext uri="{909E8E84-426E-40DD-AFC4-6F175D3DCCD1}">
+              <a14:hiddenFill xmlns:a14="http://schemas.microsoft.com/office/drawing/2010/main">
+                <a:solidFill>
+                  <a:schemeClr val="accent1"/>
+                </a:solidFill>
+              </a14:hiddenFill>
+            </a:ext>
+            <a:ext uri="{91240B29-F687-4F45-9708-019B960494DF}">
+              <a14:hiddenLine xmlns:a14="http://schemas.microsoft.com/office/drawing/2010/main" w="9525">
+                <a:solidFill>
+                  <a:schemeClr val="tx1"/>
+                </a:solidFill>
+                <a:miter lim="800000"/>
+                <a:headEnd/>
+                <a:tailEnd/>
+              </a14:hiddenLine>
+            </a:ext>
+            <a:ext uri="{AF507438-7753-43E0-B8FC-AC1667EBCBE1}">
+              <a14:hiddenEffects xmlns:a14="http://schemas.microsoft.com/office/drawing/2010/main">
+                <a:effectLst>
+                  <a:outerShdw dist="35921" dir="2700000" algn="ctr" rotWithShape="0">
+                    <a:schemeClr val="bg2"/>
+                  </a:outerShdw>
+                </a:effectLst>
+              </a14:hiddenEffects>
+            </a:ext>
+          </a:extLst>
+        </p:spPr>
+        <p:txBody>
+          <a:bodyPr vert="horz" wrap="none" lIns="91440" tIns="45720" rIns="91440" bIns="45720" numCol="1" anchor="ctr" anchorCtr="0" compatLnSpc="1">
+            <a:prstTxWarp prst="textNoShape">
+              <a:avLst/>
+            </a:prstTxWarp>
+            <a:spAutoFit/>
+          </a:bodyPr>
+          <a:lstStyle/>
+          <a:p>
+            <a:pPr marL="0" marR="0" lvl="0" indent="0" algn="l" defTabSz="914400" rtl="0" eaLnBrk="0" fontAlgn="base" latinLnBrk="0" hangingPunct="0">
+              <a:lnSpc>
+                <a:spcPct val="100000"/>
+              </a:lnSpc>
+              <a:spcBef>
+                <a:spcPct val="0"/>
+              </a:spcBef>
+              <a:spcAft>
+                <a:spcPct val="0"/>
+              </a:spcAft>
+              <a:buClrTx/>
+              <a:buSzTx/>
+              <a:buFontTx/>
+              <a:buNone/>
+              <a:tabLst/>
+            </a:pPr>
+            <a:br>
+              <a:rPr kumimoji="0" lang="en-US" altLang="en-US" sz="1800" b="0" i="0" u="none" strike="noStrike" cap="none" normalizeH="0" baseline="0">
+                <a:ln>
+                  <a:noFill/>
+                </a:ln>
+                <a:solidFill>
+                  <a:schemeClr val="tx1"/>
+                </a:solidFill>
+                <a:effectLst/>
+                <a:latin typeface="Arial" panose="020B0604020202020204" pitchFamily="34" charset="0"/>
+              </a:rPr>
+            </a:br>
+            <a:endParaRPr kumimoji="0" lang="en-US" altLang="en-US" sz="1800" b="0" i="0" u="none" strike="noStrike" cap="none" normalizeH="0" baseline="0">
+              <a:ln>
+                <a:noFill/>
+              </a:ln>
+              <a:solidFill>
+                <a:schemeClr val="tx1"/>
+              </a:solidFill>
+              <a:effectLst/>
+              <a:latin typeface="Arial" panose="020B0604020202020204" pitchFamily="34" charset="0"/>
+            </a:endParaRPr>
+          </a:p>
+        </p:txBody>
+      </p:sp>
+    </p:spTree>
+    <p:extLst>
+      <p:ext uri="{BB962C8B-B14F-4D97-AF65-F5344CB8AC3E}">
+        <p14:creationId xmlns:p14="http://schemas.microsoft.com/office/powerpoint/2010/main" val="520064704"/>
+      </p:ext>
+    </p:extLst>
+  </p:cSld>
+  <p:clrMapOvr>
+    <a:masterClrMapping/>
+  </p:clrMapOvr>
+</p:sld>
+</file>
+
+<file path=ppt/slides/slide27.xml><?xml version="1.0" encoding="utf-8"?>
+<p:sld xmlns:a="http://schemas.openxmlformats.org/drawingml/2006/main" xmlns:r="http://schemas.openxmlformats.org/officeDocument/2006/relationships" xmlns:p="http://schemas.openxmlformats.org/presentationml/2006/main">
+  <p:cSld>
+    <p:spTree>
+      <p:nvGrpSpPr>
+        <p:cNvPr id="1" name=""/>
+        <p:cNvGrpSpPr/>
+        <p:nvPr/>
+      </p:nvGrpSpPr>
+      <p:grpSpPr>
+        <a:xfrm>
+          <a:off x="0" y="0"/>
+          <a:ext cx="0" cy="0"/>
+          <a:chOff x="0" y="0"/>
+          <a:chExt cx="0" cy="0"/>
+        </a:xfrm>
+      </p:grpSpPr>
+      <p:pic>
+        <p:nvPicPr>
+          <p:cNvPr id="4" name="Picture 3">
+            <a:extLst>
+              <a:ext uri="{FF2B5EF4-FFF2-40B4-BE49-F238E27FC236}">
+                <a16:creationId xmlns:a16="http://schemas.microsoft.com/office/drawing/2014/main" id="{91AFF291-85BC-4C41-819C-93BE516B5853}"/>
+              </a:ext>
+            </a:extLst>
+          </p:cNvPr>
+          <p:cNvPicPr>
+            <a:picLocks noChangeAspect="1"/>
+          </p:cNvPicPr>
+          <p:nvPr/>
+        </p:nvPicPr>
+        <p:blipFill>
+          <a:blip r:embed="rId2"/>
+          <a:stretch>
+            <a:fillRect/>
+          </a:stretch>
+        </p:blipFill>
+        <p:spPr>
+          <a:xfrm>
+            <a:off x="1180083" y="154185"/>
+            <a:ext cx="6783834" cy="4835130"/>
+          </a:xfrm>
+          <a:prstGeom prst="rect">
+            <a:avLst/>
+          </a:prstGeom>
+        </p:spPr>
+      </p:pic>
+    </p:spTree>
+    <p:extLst>
+      <p:ext uri="{BB962C8B-B14F-4D97-AF65-F5344CB8AC3E}">
+        <p14:creationId xmlns:p14="http://schemas.microsoft.com/office/powerpoint/2010/main" val="3624040151"/>
+      </p:ext>
+    </p:extLst>
+  </p:cSld>
+  <p:clrMapOvr>
+    <a:masterClrMapping/>
+  </p:clrMapOvr>
+</p:sld>
+</file>
+
+<file path=ppt/slides/slide28.xml><?xml version="1.0" encoding="utf-8"?>
+<p:sld xmlns:a="http://schemas.openxmlformats.org/drawingml/2006/main" xmlns:r="http://schemas.openxmlformats.org/officeDocument/2006/relationships" xmlns:p="http://schemas.openxmlformats.org/presentationml/2006/main">
+  <p:cSld>
+    <p:spTree>
+      <p:nvGrpSpPr>
+        <p:cNvPr id="1" name=""/>
+        <p:cNvGrpSpPr/>
+        <p:nvPr/>
+      </p:nvGrpSpPr>
+      <p:grpSpPr>
+        <a:xfrm>
+          <a:off x="0" y="0"/>
+          <a:ext cx="0" cy="0"/>
+          <a:chOff x="0" y="0"/>
+          <a:chExt cx="0" cy="0"/>
+        </a:xfrm>
+      </p:grpSpPr>
+      <p:sp>
+        <p:nvSpPr>
+          <p:cNvPr id="55" name="PlaceHolder 1"/>
+          <p:cNvSpPr>
+            <a:spLocks noGrp="1"/>
+          </p:cNvSpPr>
+          <p:nvPr>
+            <p:ph type="title"/>
+          </p:nvPr>
+        </p:nvSpPr>
+        <p:spPr>
+          <a:xfrm>
+            <a:off x="186070" y="212565"/>
+            <a:ext cx="7495920" cy="1504440"/>
+          </a:xfrm>
+          <a:prstGeom prst="rect">
+            <a:avLst/>
+          </a:prstGeom>
+          <a:noFill/>
+          <a:ln w="0">
+            <a:noFill/>
+          </a:ln>
+        </p:spPr>
+        <p:txBody>
+          <a:bodyPr lIns="91440" tIns="91440" rIns="91440" bIns="91440" anchor="b">
+            <a:normAutofit/>
+          </a:bodyPr>
+          <a:lstStyle/>
+          <a:p>
+            <a:pPr>
+              <a:lnSpc>
+                <a:spcPct val="100000"/>
+              </a:lnSpc>
+              <a:tabLst>
+                <a:tab pos="0" algn="l"/>
+              </a:tabLst>
+            </a:pPr>
+            <a:r>
+              <a:rPr lang="en-US" sz="2600" b="1" dirty="0">
+                <a:solidFill>
+                  <a:schemeClr val="dk1"/>
+                </a:solidFill>
+                <a:latin typeface="Space Grotesk"/>
+                <a:ea typeface="Space Grotesk"/>
+              </a:rPr>
+              <a:t>FINAL MODEL PERFORMANCE</a:t>
+            </a:r>
+            <a:endParaRPr lang="fr-FR" sz="2600" b="0" u="none" strike="noStrike" dirty="0">
+              <a:solidFill>
+                <a:schemeClr val="dk1"/>
+              </a:solidFill>
+              <a:effectLst/>
+              <a:uFillTx/>
+              <a:latin typeface="Arial"/>
+            </a:endParaRPr>
+          </a:p>
+        </p:txBody>
+      </p:sp>
+      <p:sp>
+        <p:nvSpPr>
+          <p:cNvPr id="56" name="PlaceHolder 2"/>
+          <p:cNvSpPr>
+            <a:spLocks noGrp="1"/>
+          </p:cNvSpPr>
+          <p:nvPr>
+            <p:ph type="subTitle"/>
+          </p:nvPr>
+        </p:nvSpPr>
+        <p:spPr>
+          <a:xfrm>
+            <a:off x="297712" y="2884967"/>
+            <a:ext cx="8617328" cy="2045967"/>
+          </a:xfrm>
+          <a:prstGeom prst="rect">
+            <a:avLst/>
+          </a:prstGeom>
+          <a:noFill/>
+          <a:ln w="0">
+            <a:noFill/>
+          </a:ln>
+        </p:spPr>
+        <p:txBody>
+          <a:bodyPr lIns="91440" tIns="91440" rIns="91440" bIns="91440" anchor="t">
+            <a:normAutofit fontScale="70000" lnSpcReduction="20000"/>
+          </a:bodyPr>
+          <a:lstStyle/>
+          <a:p>
+            <a:pPr>
+              <a:lnSpc>
+                <a:spcPct val="150000"/>
+              </a:lnSpc>
+              <a:tabLst>
+                <a:tab pos="0" algn="l"/>
+              </a:tabLst>
+            </a:pPr>
+            <a:r>
+              <a:rPr lang="en-US" sz="1600" b="1" dirty="0">
+                <a:solidFill>
+                  <a:schemeClr val="dk1"/>
+                </a:solidFill>
+                <a:latin typeface="Hind"/>
+                <a:ea typeface="Hind"/>
+              </a:rPr>
+              <a:t>Relative Improvement: </a:t>
+            </a:r>
+            <a:r>
+              <a:rPr lang="en-US" sz="1600" dirty="0">
+                <a:solidFill>
+                  <a:schemeClr val="dk1"/>
+                </a:solidFill>
+                <a:latin typeface="Hind"/>
+                <a:ea typeface="Hind"/>
+              </a:rPr>
+              <a:t>+3.6% over baseline</a:t>
+            </a:r>
+          </a:p>
+          <a:p>
+            <a:pPr>
+              <a:lnSpc>
+                <a:spcPct val="150000"/>
+              </a:lnSpc>
+              <a:tabLst>
+                <a:tab pos="0" algn="l"/>
+              </a:tabLst>
+            </a:pPr>
+            <a:endParaRPr lang="en-US" sz="1600" b="1" dirty="0">
+              <a:solidFill>
+                <a:schemeClr val="dk1"/>
+              </a:solidFill>
+              <a:latin typeface="Hind"/>
+              <a:ea typeface="Hind"/>
+            </a:endParaRPr>
+          </a:p>
+          <a:p>
+            <a:pPr>
+              <a:lnSpc>
+                <a:spcPct val="150000"/>
+              </a:lnSpc>
+              <a:tabLst>
+                <a:tab pos="0" algn="l"/>
+              </a:tabLst>
+            </a:pPr>
+            <a:r>
+              <a:rPr lang="en-US" sz="1600" b="1" dirty="0">
+                <a:solidFill>
+                  <a:schemeClr val="dk1"/>
+                </a:solidFill>
+                <a:latin typeface="Hind"/>
+                <a:ea typeface="Hind"/>
+              </a:rPr>
+              <a:t>Key Achievements:</a:t>
+            </a:r>
+          </a:p>
+          <a:p>
+            <a:pPr marL="285750" indent="-285750">
+              <a:lnSpc>
+                <a:spcPct val="150000"/>
+              </a:lnSpc>
+              <a:buFont typeface="Arial" panose="020B0604020202020204" pitchFamily="34" charset="0"/>
+              <a:buChar char="•"/>
+              <a:tabLst>
+                <a:tab pos="0" algn="l"/>
+              </a:tabLst>
+            </a:pPr>
+            <a:r>
+              <a:rPr lang="en-US" sz="1600" dirty="0">
+                <a:solidFill>
+                  <a:schemeClr val="dk1"/>
+                </a:solidFill>
+                <a:latin typeface="Hind"/>
+                <a:ea typeface="Hind"/>
+              </a:rPr>
+              <a:t>Fixed severe underfitting from previous version</a:t>
+            </a:r>
+          </a:p>
+          <a:p>
+            <a:pPr marL="285750" indent="-285750">
+              <a:lnSpc>
+                <a:spcPct val="150000"/>
+              </a:lnSpc>
+              <a:buFont typeface="Arial" panose="020B0604020202020204" pitchFamily="34" charset="0"/>
+              <a:buChar char="•"/>
+              <a:tabLst>
+                <a:tab pos="0" algn="l"/>
+              </a:tabLst>
+            </a:pPr>
+            <a:r>
+              <a:rPr lang="en-US" sz="1600" dirty="0">
+                <a:solidFill>
+                  <a:schemeClr val="dk1"/>
+                </a:solidFill>
+                <a:latin typeface="Hind"/>
+                <a:ea typeface="Hind"/>
+              </a:rPr>
+              <a:t>Achieved 66.67% test accuracy (vs ~28% before)</a:t>
+            </a:r>
+          </a:p>
+          <a:p>
+            <a:pPr marL="285750" indent="-285750">
+              <a:lnSpc>
+                <a:spcPct val="150000"/>
+              </a:lnSpc>
+              <a:buFont typeface="Arial" panose="020B0604020202020204" pitchFamily="34" charset="0"/>
+              <a:buChar char="•"/>
+              <a:tabLst>
+                <a:tab pos="0" algn="l"/>
+              </a:tabLst>
+            </a:pPr>
+            <a:r>
+              <a:rPr lang="en-US" sz="1600" dirty="0">
+                <a:solidFill>
+                  <a:schemeClr val="dk1"/>
+                </a:solidFill>
+                <a:latin typeface="Hind"/>
+                <a:ea typeface="Hind"/>
+              </a:rPr>
+              <a:t>ES(1+1) successfully improved hyperparameters</a:t>
+            </a:r>
+          </a:p>
+          <a:p>
+            <a:pPr marL="285750" indent="-285750">
+              <a:lnSpc>
+                <a:spcPct val="150000"/>
+              </a:lnSpc>
+              <a:buFont typeface="Arial" panose="020B0604020202020204" pitchFamily="34" charset="0"/>
+              <a:buChar char="•"/>
+              <a:tabLst>
+                <a:tab pos="0" algn="l"/>
+              </a:tabLst>
+            </a:pPr>
+            <a:r>
+              <a:rPr lang="en-US" sz="1600" dirty="0">
+                <a:solidFill>
+                  <a:schemeClr val="dk1"/>
+                </a:solidFill>
+                <a:latin typeface="Hind"/>
+                <a:ea typeface="Hind"/>
+              </a:rPr>
+              <a:t>Proper gradient flow with residual connections</a:t>
+            </a:r>
+          </a:p>
+          <a:p>
+            <a:pPr marL="285750" indent="-285750">
+              <a:lnSpc>
+                <a:spcPct val="150000"/>
+              </a:lnSpc>
+              <a:buFont typeface="Arial" panose="020B0604020202020204" pitchFamily="34" charset="0"/>
+              <a:buChar char="•"/>
+              <a:tabLst>
+                <a:tab pos="0" algn="l"/>
+              </a:tabLst>
+            </a:pPr>
+            <a:r>
+              <a:rPr lang="en-US" sz="1600" dirty="0">
+                <a:solidFill>
+                  <a:schemeClr val="dk1"/>
+                </a:solidFill>
+                <a:latin typeface="Hind"/>
+                <a:ea typeface="Hind"/>
+              </a:rPr>
+              <a:t>Self-adaptive mutation converged efficiently</a:t>
+            </a:r>
+          </a:p>
+        </p:txBody>
+      </p:sp>
+      <p:sp>
+        <p:nvSpPr>
+          <p:cNvPr id="6" name="PlaceHolder 2">
+            <a:extLst>
+              <a:ext uri="{FF2B5EF4-FFF2-40B4-BE49-F238E27FC236}">
+                <a16:creationId xmlns:a16="http://schemas.microsoft.com/office/drawing/2014/main" id="{858B9E23-5B37-462E-A228-B2690CAAEFE7}"/>
+              </a:ext>
+            </a:extLst>
+          </p:cNvPr>
+          <p:cNvSpPr txBox="1">
+            <a:spLocks/>
+          </p:cNvSpPr>
+          <p:nvPr/>
+        </p:nvSpPr>
+        <p:spPr>
+          <a:xfrm>
+            <a:off x="186070" y="1491949"/>
+            <a:ext cx="8617328" cy="450112"/>
+          </a:xfrm>
+          <a:prstGeom prst="rect">
+            <a:avLst/>
+          </a:prstGeom>
+          <a:noFill/>
+          <a:ln w="0">
+            <a:noFill/>
+          </a:ln>
+        </p:spPr>
+        <p:txBody>
+          <a:bodyPr lIns="91440" tIns="91440" rIns="91440" bIns="91440" anchor="t">
+            <a:normAutofit fontScale="32500" lnSpcReduction="20000"/>
+          </a:bodyPr>
+          <a:lstStyle>
+            <a:lvl1pPr algn="l" defTabSz="914400" rtl="0" eaLnBrk="1" latinLnBrk="0" hangingPunct="1">
+              <a:lnSpc>
+                <a:spcPct val="90000"/>
+              </a:lnSpc>
+              <a:spcBef>
+                <a:spcPct val="0"/>
+              </a:spcBef>
+              <a:buNone/>
+              <a:defRPr sz="4400" kern="1200">
+                <a:solidFill>
+                  <a:schemeClr val="tx1"/>
+                </a:solidFill>
+                <a:latin typeface="+mj-lt"/>
+                <a:ea typeface="+mj-ea"/>
+                <a:cs typeface="+mj-cs"/>
+              </a:defRPr>
+            </a:lvl1pPr>
+          </a:lstStyle>
+          <a:p>
+            <a:pPr>
+              <a:lnSpc>
+                <a:spcPct val="150000"/>
+              </a:lnSpc>
+              <a:tabLst>
+                <a:tab pos="0" algn="l"/>
+              </a:tabLst>
+            </a:pPr>
+            <a:r>
+              <a:rPr lang="en-US" b="1" dirty="0"/>
+              <a:t>Training with Optimized Hyperparameters (50 epochs):</a:t>
+            </a:r>
+            <a:endParaRPr lang="en-US" sz="1600" dirty="0">
+              <a:solidFill>
+                <a:schemeClr val="dk1"/>
+              </a:solidFill>
+              <a:latin typeface="Hind"/>
+              <a:ea typeface="Hind"/>
+            </a:endParaRPr>
+          </a:p>
+        </p:txBody>
+      </p:sp>
+      <p:graphicFrame>
+        <p:nvGraphicFramePr>
+          <p:cNvPr id="2" name="Table 1">
+            <a:extLst>
+              <a:ext uri="{FF2B5EF4-FFF2-40B4-BE49-F238E27FC236}">
+                <a16:creationId xmlns:a16="http://schemas.microsoft.com/office/drawing/2014/main" id="{84A62E53-6F12-4A54-8256-49F09CC5F666}"/>
+              </a:ext>
+            </a:extLst>
+          </p:cNvPr>
+          <p:cNvGraphicFramePr>
+            <a:graphicFrameLocks noGrp="1"/>
+          </p:cNvGraphicFramePr>
+          <p:nvPr>
+            <p:extLst>
+              <p:ext uri="{D42A27DB-BD31-4B8C-83A1-F6EECF244321}">
+                <p14:modId xmlns:p14="http://schemas.microsoft.com/office/powerpoint/2010/main" val="33533888"/>
+              </p:ext>
+            </p:extLst>
+          </p:nvPr>
+        </p:nvGraphicFramePr>
+        <p:xfrm>
+          <a:off x="507040" y="1940189"/>
+          <a:ext cx="7562852" cy="777240"/>
+        </p:xfrm>
+        <a:graphic>
+          <a:graphicData uri="http://schemas.openxmlformats.org/drawingml/2006/table">
+            <a:tbl>
+              <a:tblPr/>
+              <a:tblGrid>
+                <a:gridCol w="1890713">
+                  <a:extLst>
+                    <a:ext uri="{9D8B030D-6E8A-4147-A177-3AD203B41FA5}">
+                      <a16:colId xmlns:a16="http://schemas.microsoft.com/office/drawing/2014/main" val="1993110616"/>
+                    </a:ext>
+                  </a:extLst>
+                </a:gridCol>
+                <a:gridCol w="1890713">
+                  <a:extLst>
+                    <a:ext uri="{9D8B030D-6E8A-4147-A177-3AD203B41FA5}">
+                      <a16:colId xmlns:a16="http://schemas.microsoft.com/office/drawing/2014/main" val="4197812170"/>
+                    </a:ext>
+                  </a:extLst>
+                </a:gridCol>
+                <a:gridCol w="1890713">
+                  <a:extLst>
+                    <a:ext uri="{9D8B030D-6E8A-4147-A177-3AD203B41FA5}">
+                      <a16:colId xmlns:a16="http://schemas.microsoft.com/office/drawing/2014/main" val="2063381270"/>
+                    </a:ext>
+                  </a:extLst>
+                </a:gridCol>
+                <a:gridCol w="1890713">
+                  <a:extLst>
+                    <a:ext uri="{9D8B030D-6E8A-4147-A177-3AD203B41FA5}">
+                      <a16:colId xmlns:a16="http://schemas.microsoft.com/office/drawing/2014/main" val="3692592982"/>
+                    </a:ext>
+                  </a:extLst>
+                </a:gridCol>
+              </a:tblGrid>
+              <a:tr h="186017">
+                <a:tc>
+                  <a:txBody>
+                    <a:bodyPr/>
+                    <a:lstStyle/>
+                    <a:p>
+                      <a:r>
+                        <a:rPr lang="en-US" sz="1200">
+                          <a:effectLst/>
+                        </a:rPr>
+                        <a:t>Model</a:t>
+                      </a:r>
+                    </a:p>
+                  </a:txBody>
+                  <a:tcPr marL="57150" marR="57150" marT="38100" marB="38100" anchor="ctr">
+                    <a:lnL w="9525" cap="flat" cmpd="sng" algn="ctr">
+                      <a:solidFill>
+                        <a:srgbClr val="F0EACD"/>
+                      </a:solidFill>
+                      <a:prstDash val="solid"/>
+                      <a:round/>
+                      <a:headEnd type="none" w="med" len="med"/>
+                      <a:tailEnd type="none" w="med" len="med"/>
+                    </a:lnL>
+                    <a:lnR w="9525" cap="flat" cmpd="sng" algn="ctr">
+                      <a:solidFill>
+                        <a:srgbClr val="B0E9CD"/>
+                      </a:solidFill>
+                      <a:prstDash val="solid"/>
+                      <a:round/>
+                      <a:headEnd type="none" w="med" len="med"/>
+                      <a:tailEnd type="none" w="med" len="med"/>
+                    </a:lnR>
+                    <a:lnT w="9525" cap="flat" cmpd="sng" algn="ctr">
+                      <a:solidFill>
+                        <a:srgbClr val="F0EACD"/>
+                      </a:solidFill>
+                      <a:prstDash val="solid"/>
+                      <a:round/>
+                      <a:headEnd type="none" w="med" len="med"/>
+                      <a:tailEnd type="none" w="med" len="med"/>
+                    </a:lnT>
+                    <a:lnB w="9525" cap="flat" cmpd="sng" algn="ctr">
+                      <a:solidFill>
+                        <a:srgbClr val="300DCE"/>
+                      </a:solidFill>
+                      <a:prstDash val="solid"/>
+                      <a:round/>
+                      <a:headEnd type="none" w="med" len="med"/>
+                      <a:tailEnd type="none" w="med" len="med"/>
+                    </a:lnB>
+                    <a:solidFill>
+                      <a:srgbClr val="1A1A1A"/>
+                    </a:solidFill>
+                  </a:tcPr>
+                </a:tc>
+                <a:tc>
+                  <a:txBody>
+                    <a:bodyPr/>
+                    <a:lstStyle/>
+                    <a:p>
+                      <a:r>
+                        <a:rPr lang="en-US" sz="1200">
+                          <a:effectLst/>
+                        </a:rPr>
+                        <a:t>Val Accuracy</a:t>
+                      </a:r>
+                    </a:p>
+                  </a:txBody>
+                  <a:tcPr marL="57150" marR="57150" marT="38100" marB="38100" anchor="ctr">
+                    <a:lnL w="9525" cap="flat" cmpd="sng" algn="ctr">
+                      <a:solidFill>
+                        <a:srgbClr val="B0E9CD"/>
+                      </a:solidFill>
+                      <a:prstDash val="solid"/>
+                      <a:round/>
+                      <a:headEnd type="none" w="med" len="med"/>
+                      <a:tailEnd type="none" w="med" len="med"/>
+                    </a:lnL>
+                    <a:lnR w="9525" cap="flat" cmpd="sng" algn="ctr">
+                      <a:solidFill>
+                        <a:srgbClr val="B007CE"/>
+                      </a:solidFill>
+                      <a:prstDash val="solid"/>
+                      <a:round/>
+                      <a:headEnd type="none" w="med" len="med"/>
+                      <a:tailEnd type="none" w="med" len="med"/>
+                    </a:lnR>
+                    <a:lnT w="9525" cap="flat" cmpd="sng" algn="ctr">
+                      <a:solidFill>
+                        <a:srgbClr val="B0E9CD"/>
+                      </a:solidFill>
+                      <a:prstDash val="solid"/>
+                      <a:round/>
+                      <a:headEnd type="none" w="med" len="med"/>
+                      <a:tailEnd type="none" w="med" len="med"/>
+                    </a:lnT>
+                    <a:lnB w="9525" cap="flat" cmpd="sng" algn="ctr">
+                      <a:solidFill>
+                        <a:srgbClr val="F01BCE"/>
+                      </a:solidFill>
+                      <a:prstDash val="solid"/>
+                      <a:round/>
+                      <a:headEnd type="none" w="med" len="med"/>
+                      <a:tailEnd type="none" w="med" len="med"/>
+                    </a:lnB>
+                    <a:solidFill>
+                      <a:srgbClr val="1A1A1A"/>
+                    </a:solidFill>
+                  </a:tcPr>
+                </a:tc>
+                <a:tc>
+                  <a:txBody>
+                    <a:bodyPr/>
+                    <a:lstStyle/>
+                    <a:p>
+                      <a:r>
+                        <a:rPr lang="en-US" sz="1200">
+                          <a:effectLst/>
+                        </a:rPr>
+                        <a:t>Test Accuracy</a:t>
+                      </a:r>
+                    </a:p>
+                  </a:txBody>
+                  <a:tcPr marL="57150" marR="57150" marT="38100" marB="38100" anchor="ctr">
+                    <a:lnL w="9525" cap="flat" cmpd="sng" algn="ctr">
+                      <a:solidFill>
+                        <a:srgbClr val="B007CE"/>
+                      </a:solidFill>
+                      <a:prstDash val="solid"/>
+                      <a:round/>
+                      <a:headEnd type="none" w="med" len="med"/>
+                      <a:tailEnd type="none" w="med" len="med"/>
+                    </a:lnL>
+                    <a:lnR w="9525" cap="flat" cmpd="sng" algn="ctr">
+                      <a:solidFill>
+                        <a:srgbClr val="7010CE"/>
+                      </a:solidFill>
+                      <a:prstDash val="solid"/>
+                      <a:round/>
+                      <a:headEnd type="none" w="med" len="med"/>
+                      <a:tailEnd type="none" w="med" len="med"/>
+                    </a:lnR>
+                    <a:lnT w="9525" cap="flat" cmpd="sng" algn="ctr">
+                      <a:solidFill>
+                        <a:srgbClr val="B007CE"/>
+                      </a:solidFill>
+                      <a:prstDash val="solid"/>
+                      <a:round/>
+                      <a:headEnd type="none" w="med" len="med"/>
+                      <a:tailEnd type="none" w="med" len="med"/>
+                    </a:lnT>
+                    <a:lnB w="9525" cap="flat" cmpd="sng" algn="ctr">
+                      <a:solidFill>
+                        <a:srgbClr val="302DCE"/>
+                      </a:solidFill>
+                      <a:prstDash val="solid"/>
+                      <a:round/>
+                      <a:headEnd type="none" w="med" len="med"/>
+                      <a:tailEnd type="none" w="med" len="med"/>
+                    </a:lnB>
+                    <a:solidFill>
+                      <a:srgbClr val="1A1A1A"/>
+                    </a:solidFill>
+                  </a:tcPr>
+                </a:tc>
+                <a:tc>
+                  <a:txBody>
+                    <a:bodyPr/>
+                    <a:lstStyle/>
+                    <a:p>
+                      <a:r>
+                        <a:rPr lang="en-US" sz="1200">
+                          <a:effectLst/>
+                        </a:rPr>
+                        <a:t>Improvement</a:t>
+                      </a:r>
+                    </a:p>
+                  </a:txBody>
+                  <a:tcPr marL="57150" marR="57150" marT="38100" marB="38100" anchor="ctr">
+                    <a:lnL w="9525" cap="flat" cmpd="sng" algn="ctr">
+                      <a:solidFill>
+                        <a:srgbClr val="7010CE"/>
+                      </a:solidFill>
+                      <a:prstDash val="solid"/>
+                      <a:round/>
+                      <a:headEnd type="none" w="med" len="med"/>
+                      <a:tailEnd type="none" w="med" len="med"/>
+                    </a:lnL>
+                    <a:lnR w="9525" cap="flat" cmpd="sng" algn="ctr">
+                      <a:solidFill>
+                        <a:srgbClr val="7010CE"/>
+                      </a:solidFill>
+                      <a:prstDash val="solid"/>
+                      <a:round/>
+                      <a:headEnd type="none" w="med" len="med"/>
+                      <a:tailEnd type="none" w="med" len="med"/>
+                    </a:lnR>
+                    <a:lnT w="9525" cap="flat" cmpd="sng" algn="ctr">
+                      <a:solidFill>
+                        <a:srgbClr val="7010CE"/>
+                      </a:solidFill>
+                      <a:prstDash val="solid"/>
+                      <a:round/>
+                      <a:headEnd type="none" w="med" len="med"/>
+                      <a:tailEnd type="none" w="med" len="med"/>
+                    </a:lnT>
+                    <a:lnB w="9525" cap="flat" cmpd="sng" algn="ctr">
+                      <a:solidFill>
+                        <a:srgbClr val="3031CE"/>
+                      </a:solidFill>
+                      <a:prstDash val="solid"/>
+                      <a:round/>
+                      <a:headEnd type="none" w="med" len="med"/>
+                      <a:tailEnd type="none" w="med" len="med"/>
+                    </a:lnB>
+                    <a:solidFill>
+                      <a:srgbClr val="1A1A1A"/>
+                    </a:solidFill>
+                  </a:tcPr>
+                </a:tc>
+                <a:extLst>
+                  <a:ext uri="{0D108BD9-81ED-4DB2-BD59-A6C34878D82A}">
+                    <a16:rowId xmlns:a16="http://schemas.microsoft.com/office/drawing/2014/main" val="2572277886"/>
+                  </a:ext>
+                </a:extLst>
+              </a:tr>
+              <a:tr h="218367">
+                <a:tc>
+                  <a:txBody>
+                    <a:bodyPr/>
+                    <a:lstStyle/>
+                    <a:p>
+                      <a:r>
+                        <a:rPr lang="en-US" sz="1200" dirty="0">
+                          <a:effectLst/>
+                        </a:rPr>
+                        <a:t>Baseline CNN</a:t>
+                      </a:r>
+                    </a:p>
+                  </a:txBody>
+                  <a:tcPr marL="57150" marR="57150" marT="38100" marB="38100" anchor="ctr">
+                    <a:lnL w="9525" cap="flat" cmpd="sng" algn="ctr">
+                      <a:solidFill>
+                        <a:srgbClr val="300DCE"/>
+                      </a:solidFill>
+                      <a:prstDash val="solid"/>
+                      <a:round/>
+                      <a:headEnd type="none" w="med" len="med"/>
+                      <a:tailEnd type="none" w="med" len="med"/>
+                    </a:lnL>
+                    <a:lnR w="9525" cap="flat" cmpd="sng" algn="ctr">
+                      <a:solidFill>
+                        <a:srgbClr val="F01BCE"/>
+                      </a:solidFill>
+                      <a:prstDash val="solid"/>
+                      <a:round/>
+                      <a:headEnd type="none" w="med" len="med"/>
+                      <a:tailEnd type="none" w="med" len="med"/>
+                    </a:lnR>
+                    <a:lnT w="9525" cap="flat" cmpd="sng" algn="ctr">
+                      <a:solidFill>
+                        <a:srgbClr val="300DCE"/>
+                      </a:solidFill>
+                      <a:prstDash val="solid"/>
+                      <a:round/>
+                      <a:headEnd type="none" w="med" len="med"/>
+                      <a:tailEnd type="none" w="med" len="med"/>
+                    </a:lnT>
+                    <a:lnB w="9525" cap="flat" cmpd="sng" algn="ctr">
+                      <a:solidFill>
+                        <a:srgbClr val="F02ACE"/>
+                      </a:solidFill>
+                      <a:prstDash val="solid"/>
+                      <a:round/>
+                      <a:headEnd type="none" w="med" len="med"/>
+                      <a:tailEnd type="none" w="med" len="med"/>
+                    </a:lnB>
+                    <a:solidFill>
+                      <a:srgbClr val="1A1A1A"/>
+                    </a:solidFill>
+                  </a:tcPr>
+                </a:tc>
+                <a:tc>
+                  <a:txBody>
+                    <a:bodyPr/>
+                    <a:lstStyle/>
+                    <a:p>
+                      <a:r>
+                        <a:rPr lang="en-US" sz="1200">
+                          <a:effectLst/>
+                        </a:rPr>
+                        <a:t>64.40%</a:t>
+                      </a:r>
+                    </a:p>
+                  </a:txBody>
+                  <a:tcPr marL="57150" marR="57150" marT="38100" marB="38100" anchor="ctr">
+                    <a:lnL w="9525" cap="flat" cmpd="sng" algn="ctr">
+                      <a:solidFill>
+                        <a:srgbClr val="F01BCE"/>
+                      </a:solidFill>
+                      <a:prstDash val="solid"/>
+                      <a:round/>
+                      <a:headEnd type="none" w="med" len="med"/>
+                      <a:tailEnd type="none" w="med" len="med"/>
+                    </a:lnL>
+                    <a:lnR w="9525" cap="flat" cmpd="sng" algn="ctr">
+                      <a:solidFill>
+                        <a:srgbClr val="302DCE"/>
+                      </a:solidFill>
+                      <a:prstDash val="solid"/>
+                      <a:round/>
+                      <a:headEnd type="none" w="med" len="med"/>
+                      <a:tailEnd type="none" w="med" len="med"/>
+                    </a:lnR>
+                    <a:lnT w="9525" cap="flat" cmpd="sng" algn="ctr">
+                      <a:solidFill>
+                        <a:srgbClr val="F01BCE"/>
+                      </a:solidFill>
+                      <a:prstDash val="solid"/>
+                      <a:round/>
+                      <a:headEnd type="none" w="med" len="med"/>
+                      <a:tailEnd type="none" w="med" len="med"/>
+                    </a:lnT>
+                    <a:lnB w="9525" cap="flat" cmpd="sng" algn="ctr">
+                      <a:solidFill>
+                        <a:srgbClr val="7038CE"/>
+                      </a:solidFill>
+                      <a:prstDash val="solid"/>
+                      <a:round/>
+                      <a:headEnd type="none" w="med" len="med"/>
+                      <a:tailEnd type="none" w="med" len="med"/>
+                    </a:lnB>
+                    <a:solidFill>
+                      <a:srgbClr val="1A1A1A"/>
+                    </a:solidFill>
+                  </a:tcPr>
+                </a:tc>
+                <a:tc>
+                  <a:txBody>
+                    <a:bodyPr/>
+                    <a:lstStyle/>
+                    <a:p>
+                      <a:r>
+                        <a:rPr lang="en-US" sz="1200" dirty="0">
+                          <a:effectLst/>
+                        </a:rPr>
+                        <a:t>64.37%</a:t>
+                      </a:r>
+                    </a:p>
+                  </a:txBody>
+                  <a:tcPr marL="57150" marR="57150" marT="38100" marB="38100" anchor="ctr">
+                    <a:lnL w="9525" cap="flat" cmpd="sng" algn="ctr">
+                      <a:solidFill>
+                        <a:srgbClr val="302DCE"/>
+                      </a:solidFill>
+                      <a:prstDash val="solid"/>
+                      <a:round/>
+                      <a:headEnd type="none" w="med" len="med"/>
+                      <a:tailEnd type="none" w="med" len="med"/>
+                    </a:lnL>
+                    <a:lnR w="9525" cap="flat" cmpd="sng" algn="ctr">
+                      <a:solidFill>
+                        <a:srgbClr val="3031CE"/>
+                      </a:solidFill>
+                      <a:prstDash val="solid"/>
+                      <a:round/>
+                      <a:headEnd type="none" w="med" len="med"/>
+                      <a:tailEnd type="none" w="med" len="med"/>
+                    </a:lnR>
+                    <a:lnT w="9525" cap="flat" cmpd="sng" algn="ctr">
+                      <a:solidFill>
+                        <a:srgbClr val="302DCE"/>
+                      </a:solidFill>
+                      <a:prstDash val="solid"/>
+                      <a:round/>
+                      <a:headEnd type="none" w="med" len="med"/>
+                      <a:tailEnd type="none" w="med" len="med"/>
+                    </a:lnT>
+                    <a:lnB w="9525" cap="flat" cmpd="sng" algn="ctr">
+                      <a:solidFill>
+                        <a:srgbClr val="3039CE"/>
+                      </a:solidFill>
+                      <a:prstDash val="solid"/>
+                      <a:round/>
+                      <a:headEnd type="none" w="med" len="med"/>
+                      <a:tailEnd type="none" w="med" len="med"/>
+                    </a:lnB>
+                    <a:solidFill>
+                      <a:srgbClr val="1A1A1A"/>
+                    </a:solidFill>
+                  </a:tcPr>
+                </a:tc>
+                <a:tc>
+                  <a:txBody>
+                    <a:bodyPr/>
+                    <a:lstStyle/>
+                    <a:p>
+                      <a:r>
+                        <a:rPr lang="en-US" sz="1200">
+                          <a:effectLst/>
+                        </a:rPr>
+                        <a:t>-</a:t>
+                      </a:r>
+                    </a:p>
+                  </a:txBody>
+                  <a:tcPr marL="57150" marR="57150" marT="38100" marB="38100" anchor="ctr">
+                    <a:lnL w="9525" cap="flat" cmpd="sng" algn="ctr">
+                      <a:solidFill>
+                        <a:srgbClr val="3031CE"/>
+                      </a:solidFill>
+                      <a:prstDash val="solid"/>
+                      <a:round/>
+                      <a:headEnd type="none" w="med" len="med"/>
+                      <a:tailEnd type="none" w="med" len="med"/>
+                    </a:lnL>
+                    <a:lnR w="9525" cap="flat" cmpd="sng" algn="ctr">
+                      <a:solidFill>
+                        <a:srgbClr val="3031CE"/>
+                      </a:solidFill>
+                      <a:prstDash val="solid"/>
+                      <a:round/>
+                      <a:headEnd type="none" w="med" len="med"/>
+                      <a:tailEnd type="none" w="med" len="med"/>
+                    </a:lnR>
+                    <a:lnT w="9525" cap="flat" cmpd="sng" algn="ctr">
+                      <a:solidFill>
+                        <a:srgbClr val="3031CE"/>
+                      </a:solidFill>
+                      <a:prstDash val="solid"/>
+                      <a:round/>
+                      <a:headEnd type="none" w="med" len="med"/>
+                      <a:tailEnd type="none" w="med" len="med"/>
+                    </a:lnT>
+                    <a:lnB w="9525" cap="flat" cmpd="sng" algn="ctr">
+                      <a:solidFill>
+                        <a:srgbClr val="B045CE"/>
+                      </a:solidFill>
+                      <a:prstDash val="solid"/>
+                      <a:round/>
+                      <a:headEnd type="none" w="med" len="med"/>
+                      <a:tailEnd type="none" w="med" len="med"/>
+                    </a:lnB>
+                    <a:solidFill>
+                      <a:srgbClr val="1A1A1A"/>
+                    </a:solidFill>
+                  </a:tcPr>
+                </a:tc>
+                <a:extLst>
+                  <a:ext uri="{0D108BD9-81ED-4DB2-BD59-A6C34878D82A}">
+                    <a16:rowId xmlns:a16="http://schemas.microsoft.com/office/drawing/2014/main" val="1114059283"/>
+                  </a:ext>
+                </a:extLst>
+              </a:tr>
+              <a:tr h="227178">
+                <a:tc>
+                  <a:txBody>
+                    <a:bodyPr/>
+                    <a:lstStyle/>
+                    <a:p>
+                      <a:r>
+                        <a:rPr lang="en-US" sz="1200" dirty="0">
+                          <a:effectLst/>
+                        </a:rPr>
+                        <a:t>ES(1+1) Optimized</a:t>
+                      </a:r>
+                    </a:p>
+                  </a:txBody>
+                  <a:tcPr marL="57150" marR="57150" marT="38100" marB="38100" anchor="ctr">
+                    <a:lnL w="9525" cap="flat" cmpd="sng" algn="ctr">
+                      <a:solidFill>
+                        <a:srgbClr val="F02ACE"/>
+                      </a:solidFill>
+                      <a:prstDash val="solid"/>
+                      <a:round/>
+                      <a:headEnd type="none" w="med" len="med"/>
+                      <a:tailEnd type="none" w="med" len="med"/>
+                    </a:lnL>
+                    <a:lnR w="9525" cap="flat" cmpd="sng" algn="ctr">
+                      <a:solidFill>
+                        <a:srgbClr val="7038CE"/>
+                      </a:solidFill>
+                      <a:prstDash val="solid"/>
+                      <a:round/>
+                      <a:headEnd type="none" w="med" len="med"/>
+                      <a:tailEnd type="none" w="med" len="med"/>
+                    </a:lnR>
+                    <a:lnT w="9525" cap="flat" cmpd="sng" algn="ctr">
+                      <a:solidFill>
+                        <a:srgbClr val="F02ACE"/>
+                      </a:solidFill>
+                      <a:prstDash val="solid"/>
+                      <a:round/>
+                      <a:headEnd type="none" w="med" len="med"/>
+                      <a:tailEnd type="none" w="med" len="med"/>
+                    </a:lnT>
+                    <a:lnB w="9525" cap="flat" cmpd="sng" algn="ctr">
+                      <a:solidFill>
+                        <a:srgbClr val="F02ACE"/>
+                      </a:solidFill>
+                      <a:prstDash val="solid"/>
+                      <a:round/>
+                      <a:headEnd type="none" w="med" len="med"/>
+                      <a:tailEnd type="none" w="med" len="med"/>
+                    </a:lnB>
+                    <a:solidFill>
+                      <a:srgbClr val="1A1A1A"/>
+                    </a:solidFill>
+                  </a:tcPr>
+                </a:tc>
+                <a:tc>
+                  <a:txBody>
+                    <a:bodyPr/>
+                    <a:lstStyle/>
+                    <a:p>
+                      <a:r>
+                        <a:rPr lang="en-US" sz="1200" dirty="0">
+                          <a:effectLst/>
+                        </a:rPr>
+                        <a:t>66.80%</a:t>
+                      </a:r>
+                    </a:p>
+                  </a:txBody>
+                  <a:tcPr marL="57150" marR="57150" marT="38100" marB="38100" anchor="ctr">
+                    <a:lnL w="9525" cap="flat" cmpd="sng" algn="ctr">
+                      <a:solidFill>
+                        <a:srgbClr val="7038CE"/>
+                      </a:solidFill>
+                      <a:prstDash val="solid"/>
+                      <a:round/>
+                      <a:headEnd type="none" w="med" len="med"/>
+                      <a:tailEnd type="none" w="med" len="med"/>
+                    </a:lnL>
+                    <a:lnR w="9525" cap="flat" cmpd="sng" algn="ctr">
+                      <a:solidFill>
+                        <a:srgbClr val="3039CE"/>
+                      </a:solidFill>
+                      <a:prstDash val="solid"/>
+                      <a:round/>
+                      <a:headEnd type="none" w="med" len="med"/>
+                      <a:tailEnd type="none" w="med" len="med"/>
+                    </a:lnR>
+                    <a:lnT w="9525" cap="flat" cmpd="sng" algn="ctr">
+                      <a:solidFill>
+                        <a:srgbClr val="7038CE"/>
+                      </a:solidFill>
+                      <a:prstDash val="solid"/>
+                      <a:round/>
+                      <a:headEnd type="none" w="med" len="med"/>
+                      <a:tailEnd type="none" w="med" len="med"/>
+                    </a:lnT>
+                    <a:lnB w="9525" cap="flat" cmpd="sng" algn="ctr">
+                      <a:solidFill>
+                        <a:srgbClr val="7038CE"/>
+                      </a:solidFill>
+                      <a:prstDash val="solid"/>
+                      <a:round/>
+                      <a:headEnd type="none" w="med" len="med"/>
+                      <a:tailEnd type="none" w="med" len="med"/>
+                    </a:lnB>
+                    <a:solidFill>
+                      <a:srgbClr val="1A1A1A"/>
+                    </a:solidFill>
+                  </a:tcPr>
+                </a:tc>
+                <a:tc>
+                  <a:txBody>
+                    <a:bodyPr/>
+                    <a:lstStyle/>
+                    <a:p>
+                      <a:r>
+                        <a:rPr lang="en-US" sz="1200" dirty="0">
+                          <a:effectLst/>
+                        </a:rPr>
+                        <a:t>66.67%</a:t>
+                      </a:r>
+                    </a:p>
+                  </a:txBody>
+                  <a:tcPr marL="57150" marR="57150" marT="38100" marB="38100" anchor="ctr">
+                    <a:lnL w="9525" cap="flat" cmpd="sng" algn="ctr">
+                      <a:solidFill>
+                        <a:srgbClr val="3039CE"/>
+                      </a:solidFill>
+                      <a:prstDash val="solid"/>
+                      <a:round/>
+                      <a:headEnd type="none" w="med" len="med"/>
+                      <a:tailEnd type="none" w="med" len="med"/>
+                    </a:lnL>
+                    <a:lnR w="9525" cap="flat" cmpd="sng" algn="ctr">
+                      <a:solidFill>
+                        <a:srgbClr val="B045CE"/>
+                      </a:solidFill>
+                      <a:prstDash val="solid"/>
+                      <a:round/>
+                      <a:headEnd type="none" w="med" len="med"/>
+                      <a:tailEnd type="none" w="med" len="med"/>
+                    </a:lnR>
+                    <a:lnT w="9525" cap="flat" cmpd="sng" algn="ctr">
+                      <a:solidFill>
+                        <a:srgbClr val="3039CE"/>
+                      </a:solidFill>
+                      <a:prstDash val="solid"/>
+                      <a:round/>
+                      <a:headEnd type="none" w="med" len="med"/>
+                      <a:tailEnd type="none" w="med" len="med"/>
+                    </a:lnT>
+                    <a:lnB w="9525" cap="flat" cmpd="sng" algn="ctr">
+                      <a:solidFill>
+                        <a:srgbClr val="3039CE"/>
+                      </a:solidFill>
+                      <a:prstDash val="solid"/>
+                      <a:round/>
+                      <a:headEnd type="none" w="med" len="med"/>
+                      <a:tailEnd type="none" w="med" len="med"/>
+                    </a:lnB>
+                    <a:solidFill>
+                      <a:srgbClr val="1A1A1A"/>
+                    </a:solidFill>
+                  </a:tcPr>
+                </a:tc>
+                <a:tc>
+                  <a:txBody>
+                    <a:bodyPr/>
+                    <a:lstStyle/>
+                    <a:p>
+                      <a:r>
+                        <a:rPr lang="en-US" sz="1200" dirty="0">
+                          <a:effectLst/>
+                        </a:rPr>
+                        <a:t>+2.30%</a:t>
+                      </a:r>
+                    </a:p>
+                  </a:txBody>
+                  <a:tcPr marL="57150" marR="57150" marT="38100" marB="38100" anchor="ctr">
+                    <a:lnL w="9525" cap="flat" cmpd="sng" algn="ctr">
+                      <a:solidFill>
+                        <a:srgbClr val="B045CE"/>
+                      </a:solidFill>
+                      <a:prstDash val="solid"/>
+                      <a:round/>
+                      <a:headEnd type="none" w="med" len="med"/>
+                      <a:tailEnd type="none" w="med" len="med"/>
+                    </a:lnL>
+                    <a:lnR w="9525" cap="flat" cmpd="sng" algn="ctr">
+                      <a:solidFill>
+                        <a:srgbClr val="B045CE"/>
+                      </a:solidFill>
+                      <a:prstDash val="solid"/>
+                      <a:round/>
+                      <a:headEnd type="none" w="med" len="med"/>
+                      <a:tailEnd type="none" w="med" len="med"/>
+                    </a:lnR>
+                    <a:lnT w="9525" cap="flat" cmpd="sng" algn="ctr">
+                      <a:solidFill>
+                        <a:srgbClr val="B045CE"/>
+                      </a:solidFill>
+                      <a:prstDash val="solid"/>
+                      <a:round/>
+                      <a:headEnd type="none" w="med" len="med"/>
+                      <a:tailEnd type="none" w="med" len="med"/>
+                    </a:lnT>
+                    <a:lnB w="9525" cap="flat" cmpd="sng" algn="ctr">
+                      <a:solidFill>
+                        <a:srgbClr val="B045CE"/>
+                      </a:solidFill>
+                      <a:prstDash val="solid"/>
+                      <a:round/>
+                      <a:headEnd type="none" w="med" len="med"/>
+                      <a:tailEnd type="none" w="med" len="med"/>
+                    </a:lnB>
+                    <a:solidFill>
+                      <a:srgbClr val="1A1A1A"/>
+                    </a:solidFill>
+                  </a:tcPr>
+                </a:tc>
+                <a:extLst>
+                  <a:ext uri="{0D108BD9-81ED-4DB2-BD59-A6C34878D82A}">
+                    <a16:rowId xmlns:a16="http://schemas.microsoft.com/office/drawing/2014/main" val="3221478205"/>
+                  </a:ext>
+                </a:extLst>
+              </a:tr>
+            </a:tbl>
+          </a:graphicData>
+        </a:graphic>
+      </p:graphicFrame>
+    </p:spTree>
+    <p:extLst>
+      <p:ext uri="{BB962C8B-B14F-4D97-AF65-F5344CB8AC3E}">
+        <p14:creationId xmlns:p14="http://schemas.microsoft.com/office/powerpoint/2010/main" val="4171893613"/>
+      </p:ext>
+    </p:extLst>
+  </p:cSld>
+  <p:clrMapOvr>
+    <a:masterClrMapping/>
+  </p:clrMapOvr>
+</p:sld>
+</file>
+
+<file path=ppt/slides/slide29.xml><?xml version="1.0" encoding="utf-8"?>
+<p:sld xmlns:a="http://schemas.openxmlformats.org/drawingml/2006/main" xmlns:r="http://schemas.openxmlformats.org/officeDocument/2006/relationships" xmlns:p="http://schemas.openxmlformats.org/presentationml/2006/main">
+  <p:cSld>
+    <p:spTree>
+      <p:nvGrpSpPr>
+        <p:cNvPr id="1" name=""/>
+        <p:cNvGrpSpPr/>
+        <p:nvPr/>
+      </p:nvGrpSpPr>
+      <p:grpSpPr>
+        <a:xfrm>
+          <a:off x="0" y="0"/>
+          <a:ext cx="0" cy="0"/>
+          <a:chOff x="0" y="0"/>
+          <a:chExt cx="0" cy="0"/>
+        </a:xfrm>
+      </p:grpSpPr>
+      <p:pic>
+        <p:nvPicPr>
+          <p:cNvPr id="4" name="Picture 3">
+            <a:extLst>
+              <a:ext uri="{FF2B5EF4-FFF2-40B4-BE49-F238E27FC236}">
+                <a16:creationId xmlns:a16="http://schemas.microsoft.com/office/drawing/2014/main" id="{8459DCF6-3218-43A5-B18C-2C93CD40A100}"/>
+              </a:ext>
+            </a:extLst>
+          </p:cNvPr>
+          <p:cNvPicPr>
+            <a:picLocks noChangeAspect="1"/>
+          </p:cNvPicPr>
+          <p:nvPr/>
+        </p:nvPicPr>
+        <p:blipFill>
+          <a:blip r:embed="rId2"/>
+          <a:stretch>
+            <a:fillRect/>
+          </a:stretch>
+        </p:blipFill>
+        <p:spPr>
+          <a:xfrm>
+            <a:off x="2676317" y="120592"/>
+            <a:ext cx="3791361" cy="3470553"/>
+          </a:xfrm>
+          <a:prstGeom prst="rect">
+            <a:avLst/>
+          </a:prstGeom>
+        </p:spPr>
+      </p:pic>
+      <p:pic>
+        <p:nvPicPr>
+          <p:cNvPr id="5" name="Picture 4">
+            <a:extLst>
+              <a:ext uri="{FF2B5EF4-FFF2-40B4-BE49-F238E27FC236}">
+                <a16:creationId xmlns:a16="http://schemas.microsoft.com/office/drawing/2014/main" id="{8D590C5B-A6D8-4078-B054-B8D75FEADCAB}"/>
+              </a:ext>
+            </a:extLst>
+          </p:cNvPr>
+          <p:cNvPicPr>
+            <a:picLocks noChangeAspect="1"/>
+          </p:cNvPicPr>
+          <p:nvPr/>
+        </p:nvPicPr>
+        <p:blipFill>
+          <a:blip r:embed="rId3"/>
+          <a:stretch>
+            <a:fillRect/>
+          </a:stretch>
+        </p:blipFill>
+        <p:spPr>
+          <a:xfrm>
+            <a:off x="2378125" y="3653189"/>
+            <a:ext cx="4387744" cy="1369719"/>
+          </a:xfrm>
+          <a:prstGeom prst="rect">
+            <a:avLst/>
+          </a:prstGeom>
+        </p:spPr>
+      </p:pic>
+    </p:spTree>
+    <p:extLst>
+      <p:ext uri="{BB962C8B-B14F-4D97-AF65-F5344CB8AC3E}">
+        <p14:creationId xmlns:p14="http://schemas.microsoft.com/office/powerpoint/2010/main" val="2830818534"/>
+      </p:ext>
+    </p:extLst>
+  </p:cSld>
+  <p:clrMapOvr>
+    <a:masterClrMapping/>
+  </p:clrMapOvr>
+</p:sld>
+</file>
+
 <file path=ppt/slides/slide3.xml><?xml version="1.0" encoding="utf-8"?>
 <p:sld xmlns:a="http://schemas.openxmlformats.org/drawingml/2006/main" xmlns:r="http://schemas.openxmlformats.org/officeDocument/2006/relationships" xmlns:p="http://schemas.openxmlformats.org/presentationml/2006/main">
   <p:cSld>
@@ -10108,6 +17597,1072 @@
         </p:spPr>
       </p:pic>
     </p:spTree>
+  </p:cSld>
+  <p:clrMapOvr>
+    <a:masterClrMapping/>
+  </p:clrMapOvr>
+</p:sld>
+</file>
+
+<file path=ppt/slides/slide30.xml><?xml version="1.0" encoding="utf-8"?>
+<p:sld xmlns:a="http://schemas.openxmlformats.org/drawingml/2006/main" xmlns:r="http://schemas.openxmlformats.org/officeDocument/2006/relationships" xmlns:p="http://schemas.openxmlformats.org/presentationml/2006/main">
+  <p:cSld>
+    <p:spTree>
+      <p:nvGrpSpPr>
+        <p:cNvPr id="1" name=""/>
+        <p:cNvGrpSpPr/>
+        <p:nvPr/>
+      </p:nvGrpSpPr>
+      <p:grpSpPr>
+        <a:xfrm>
+          <a:off x="0" y="0"/>
+          <a:ext cx="0" cy="0"/>
+          <a:chOff x="0" y="0"/>
+          <a:chExt cx="0" cy="0"/>
+        </a:xfrm>
+      </p:grpSpPr>
+      <p:sp>
+        <p:nvSpPr>
+          <p:cNvPr id="66" name="PlaceHolder 1"/>
+          <p:cNvSpPr>
+            <a:spLocks noGrp="1"/>
+          </p:cNvSpPr>
+          <p:nvPr>
+            <p:ph type="title"/>
+          </p:nvPr>
+        </p:nvSpPr>
+        <p:spPr>
+          <a:xfrm>
+            <a:off x="228600" y="542540"/>
+            <a:ext cx="7696200" cy="666699"/>
+          </a:xfrm>
+          <a:prstGeom prst="rect">
+            <a:avLst/>
+          </a:prstGeom>
+          <a:noFill/>
+          <a:ln w="0">
+            <a:noFill/>
+          </a:ln>
+        </p:spPr>
+        <p:txBody>
+          <a:bodyPr lIns="91440" tIns="91440" rIns="91440" bIns="91440" anchor="t">
+            <a:normAutofit/>
+          </a:bodyPr>
+          <a:lstStyle/>
+          <a:p>
+            <a:pPr>
+              <a:lnSpc>
+                <a:spcPct val="100000"/>
+              </a:lnSpc>
+              <a:tabLst>
+                <a:tab pos="0" algn="l"/>
+              </a:tabLst>
+            </a:pPr>
+            <a:r>
+              <a:rPr lang="en-US" sz="2600" b="1" dirty="0">
+                <a:solidFill>
+                  <a:schemeClr val="dk1"/>
+                </a:solidFill>
+                <a:latin typeface="Space Grotesk"/>
+                <a:ea typeface="Space Grotesk"/>
+              </a:rPr>
+              <a:t> CONCLUSIONS &amp; FUTURE WORK</a:t>
+            </a:r>
+            <a:endParaRPr lang="fr-FR" sz="2600" b="0" u="none" strike="noStrike" dirty="0">
+              <a:solidFill>
+                <a:schemeClr val="dk1"/>
+              </a:solidFill>
+              <a:effectLst/>
+              <a:uFillTx/>
+              <a:latin typeface="Arial"/>
+            </a:endParaRPr>
+          </a:p>
+        </p:txBody>
+      </p:sp>
+      <p:sp>
+        <p:nvSpPr>
+          <p:cNvPr id="67" name="PlaceHolder 2"/>
+          <p:cNvSpPr>
+            <a:spLocks noGrp="1"/>
+          </p:cNvSpPr>
+          <p:nvPr>
+            <p:ph type="subTitle"/>
+          </p:nvPr>
+        </p:nvSpPr>
+        <p:spPr>
+          <a:xfrm>
+            <a:off x="228600" y="1213457"/>
+            <a:ext cx="8596423" cy="3387502"/>
+          </a:xfrm>
+          <a:prstGeom prst="rect">
+            <a:avLst/>
+          </a:prstGeom>
+          <a:noFill/>
+          <a:ln w="0">
+            <a:noFill/>
+          </a:ln>
+        </p:spPr>
+        <p:txBody>
+          <a:bodyPr lIns="91440" tIns="91440" rIns="91440" bIns="91440" anchor="t">
+            <a:normAutofit/>
+          </a:bodyPr>
+          <a:lstStyle/>
+          <a:p>
+            <a:pPr>
+              <a:lnSpc>
+                <a:spcPct val="150000"/>
+              </a:lnSpc>
+              <a:tabLst>
+                <a:tab pos="0" algn="l"/>
+              </a:tabLst>
+            </a:pPr>
+            <a:r>
+              <a:rPr lang="en-US" sz="1200" b="1" dirty="0">
+                <a:solidFill>
+                  <a:schemeClr val="dk1"/>
+                </a:solidFill>
+                <a:latin typeface="Hind"/>
+                <a:ea typeface="Hind"/>
+              </a:rPr>
+              <a:t>Key Achievements:</a:t>
+            </a:r>
+          </a:p>
+          <a:p>
+            <a:pPr marL="171450" indent="-171450">
+              <a:lnSpc>
+                <a:spcPct val="150000"/>
+              </a:lnSpc>
+              <a:buFont typeface="Arial" panose="020B0604020202020204" pitchFamily="34" charset="0"/>
+              <a:buChar char="•"/>
+              <a:tabLst>
+                <a:tab pos="0" algn="l"/>
+              </a:tabLst>
+            </a:pPr>
+            <a:r>
+              <a:rPr lang="en-US" sz="1200" dirty="0">
+                <a:solidFill>
+                  <a:schemeClr val="dk1"/>
+                </a:solidFill>
+                <a:latin typeface="Hind"/>
+                <a:ea typeface="Hind"/>
+              </a:rPr>
+              <a:t>✓ Fixed underfitting: 28% → 66.67% (+138%)</a:t>
+            </a:r>
+          </a:p>
+          <a:p>
+            <a:pPr marL="171450" indent="-171450">
+              <a:lnSpc>
+                <a:spcPct val="150000"/>
+              </a:lnSpc>
+              <a:buFont typeface="Arial" panose="020B0604020202020204" pitchFamily="34" charset="0"/>
+              <a:buChar char="•"/>
+              <a:tabLst>
+                <a:tab pos="0" algn="l"/>
+              </a:tabLst>
+            </a:pPr>
+            <a:r>
+              <a:rPr lang="en-US" sz="1200" dirty="0">
+                <a:solidFill>
+                  <a:schemeClr val="dk1"/>
+                </a:solidFill>
+                <a:latin typeface="Hind"/>
+                <a:ea typeface="Hind"/>
+              </a:rPr>
+              <a:t>✓ ES(1+1) automated HPO → +2.3% improvement</a:t>
+            </a:r>
+          </a:p>
+          <a:p>
+            <a:pPr marL="171450" indent="-171450">
+              <a:lnSpc>
+                <a:spcPct val="150000"/>
+              </a:lnSpc>
+              <a:buFont typeface="Arial" panose="020B0604020202020204" pitchFamily="34" charset="0"/>
+              <a:buChar char="•"/>
+              <a:tabLst>
+                <a:tab pos="0" algn="l"/>
+              </a:tabLst>
+            </a:pPr>
+            <a:r>
+              <a:rPr lang="en-US" sz="1200" dirty="0">
+                <a:solidFill>
+                  <a:schemeClr val="dk1"/>
+                </a:solidFill>
+                <a:latin typeface="Hind"/>
+                <a:ea typeface="Hind"/>
+              </a:rPr>
+              <a:t>✓ Self-adaptive mutation converged in 6 generations</a:t>
+            </a:r>
+          </a:p>
+          <a:p>
+            <a:pPr>
+              <a:lnSpc>
+                <a:spcPct val="150000"/>
+              </a:lnSpc>
+              <a:tabLst>
+                <a:tab pos="0" algn="l"/>
+              </a:tabLst>
+            </a:pPr>
+            <a:r>
+              <a:rPr lang="en-US" sz="1200" b="1" dirty="0">
+                <a:solidFill>
+                  <a:schemeClr val="dk1"/>
+                </a:solidFill>
+                <a:latin typeface="Hind"/>
+                <a:ea typeface="Hind"/>
+              </a:rPr>
+              <a:t>Current Limitations:</a:t>
+            </a:r>
+          </a:p>
+          <a:p>
+            <a:pPr marL="171450" indent="-171450">
+              <a:lnSpc>
+                <a:spcPct val="150000"/>
+              </a:lnSpc>
+              <a:buFont typeface="Arial" panose="020B0604020202020204" pitchFamily="34" charset="0"/>
+              <a:buChar char="•"/>
+              <a:tabLst>
+                <a:tab pos="0" algn="l"/>
+              </a:tabLst>
+            </a:pPr>
+            <a:r>
+              <a:rPr lang="en-US" sz="1200" dirty="0">
+                <a:solidFill>
+                  <a:schemeClr val="dk1"/>
+                </a:solidFill>
+                <a:latin typeface="Hind"/>
+                <a:ea typeface="Hind"/>
+              </a:rPr>
+              <a:t>ES(1+1) needs longer runs (20-30 generations)</a:t>
+            </a:r>
+          </a:p>
+          <a:p>
+            <a:pPr marL="171450" indent="-171450">
+              <a:lnSpc>
+                <a:spcPct val="150000"/>
+              </a:lnSpc>
+              <a:buFont typeface="Arial" panose="020B0604020202020204" pitchFamily="34" charset="0"/>
+              <a:buChar char="•"/>
+              <a:tabLst>
+                <a:tab pos="0" algn="l"/>
+              </a:tabLst>
+            </a:pPr>
+            <a:r>
+              <a:rPr lang="en-US" sz="1200" dirty="0">
+                <a:solidFill>
+                  <a:schemeClr val="dk1"/>
+                </a:solidFill>
+                <a:latin typeface="Hind"/>
+                <a:ea typeface="Hind"/>
+              </a:rPr>
+              <a:t>Mutation operators require architectural search support</a:t>
+            </a:r>
+          </a:p>
+          <a:p>
+            <a:pPr>
+              <a:lnSpc>
+                <a:spcPct val="150000"/>
+              </a:lnSpc>
+              <a:tabLst>
+                <a:tab pos="0" algn="l"/>
+              </a:tabLst>
+            </a:pPr>
+            <a:r>
+              <a:rPr lang="en-US" sz="1200" b="1" u="sng" dirty="0">
+                <a:solidFill>
+                  <a:srgbClr val="FFFFFF"/>
+                </a:solidFill>
+                <a:latin typeface="OpenSymbol"/>
+              </a:rPr>
+              <a:t>Future Directions (Extra Credit):</a:t>
+            </a:r>
+          </a:p>
+          <a:p>
+            <a:pPr>
+              <a:lnSpc>
+                <a:spcPct val="150000"/>
+              </a:lnSpc>
+              <a:tabLst>
+                <a:tab pos="0" algn="l"/>
+              </a:tabLst>
+            </a:pPr>
+            <a:r>
+              <a:rPr lang="en-US" sz="1200" dirty="0" err="1">
+                <a:solidFill>
+                  <a:srgbClr val="FFFFFF"/>
+                </a:solidFill>
+                <a:latin typeface="OpenSymbol"/>
+              </a:rPr>
+              <a:t>Keras</a:t>
+            </a:r>
+            <a:r>
+              <a:rPr lang="en-US" sz="1200" dirty="0">
+                <a:solidFill>
+                  <a:srgbClr val="FFFFFF"/>
+                </a:solidFill>
+                <a:latin typeface="OpenSymbol"/>
+              </a:rPr>
+              <a:t> Tuner for Advanced HPO:</a:t>
+            </a:r>
+            <a:endParaRPr lang="en-US" sz="1200" b="0" u="none" strike="noStrike" dirty="0">
+              <a:solidFill>
+                <a:srgbClr val="FFFFFF"/>
+              </a:solidFill>
+              <a:effectLst/>
+              <a:uFillTx/>
+              <a:latin typeface="OpenSymbol"/>
+            </a:endParaRPr>
+          </a:p>
+        </p:txBody>
+      </p:sp>
+      <p:graphicFrame>
+        <p:nvGraphicFramePr>
+          <p:cNvPr id="5" name="Table 4">
+            <a:extLst>
+              <a:ext uri="{FF2B5EF4-FFF2-40B4-BE49-F238E27FC236}">
+                <a16:creationId xmlns:a16="http://schemas.microsoft.com/office/drawing/2014/main" id="{67F2E526-DC47-4A6C-87BD-E080E7D3D176}"/>
+              </a:ext>
+            </a:extLst>
+          </p:cNvPr>
+          <p:cNvGraphicFramePr>
+            <a:graphicFrameLocks noGrp="1"/>
+          </p:cNvGraphicFramePr>
+          <p:nvPr>
+            <p:extLst>
+              <p:ext uri="{D42A27DB-BD31-4B8C-83A1-F6EECF244321}">
+                <p14:modId xmlns:p14="http://schemas.microsoft.com/office/powerpoint/2010/main" val="1545076276"/>
+              </p:ext>
+            </p:extLst>
+          </p:nvPr>
+        </p:nvGraphicFramePr>
+        <p:xfrm>
+          <a:off x="429068" y="3826728"/>
+          <a:ext cx="7562850" cy="975360"/>
+        </p:xfrm>
+        <a:graphic>
+          <a:graphicData uri="http://schemas.openxmlformats.org/drawingml/2006/table">
+            <a:tbl>
+              <a:tblPr/>
+              <a:tblGrid>
+                <a:gridCol w="2520950">
+                  <a:extLst>
+                    <a:ext uri="{9D8B030D-6E8A-4147-A177-3AD203B41FA5}">
+                      <a16:colId xmlns:a16="http://schemas.microsoft.com/office/drawing/2014/main" val="3724420163"/>
+                    </a:ext>
+                  </a:extLst>
+                </a:gridCol>
+                <a:gridCol w="2520950">
+                  <a:extLst>
+                    <a:ext uri="{9D8B030D-6E8A-4147-A177-3AD203B41FA5}">
+                      <a16:colId xmlns:a16="http://schemas.microsoft.com/office/drawing/2014/main" val="1553290344"/>
+                    </a:ext>
+                  </a:extLst>
+                </a:gridCol>
+                <a:gridCol w="2520950">
+                  <a:extLst>
+                    <a:ext uri="{9D8B030D-6E8A-4147-A177-3AD203B41FA5}">
+                      <a16:colId xmlns:a16="http://schemas.microsoft.com/office/drawing/2014/main" val="921531659"/>
+                    </a:ext>
+                  </a:extLst>
+                </a:gridCol>
+              </a:tblGrid>
+              <a:tr h="0">
+                <a:tc>
+                  <a:txBody>
+                    <a:bodyPr/>
+                    <a:lstStyle/>
+                    <a:p>
+                      <a:r>
+                        <a:rPr lang="en-US" sz="1100">
+                          <a:effectLst/>
+                        </a:rPr>
+                        <a:t>Method</a:t>
+                      </a:r>
+                    </a:p>
+                  </a:txBody>
+                  <a:tcPr marL="57150" marR="57150" marT="38100" marB="38100" anchor="ctr">
+                    <a:lnL w="9525" cap="flat" cmpd="sng" algn="ctr">
+                      <a:solidFill>
+                        <a:srgbClr val="1054EB"/>
+                      </a:solidFill>
+                      <a:prstDash val="solid"/>
+                      <a:round/>
+                      <a:headEnd type="none" w="med" len="med"/>
+                      <a:tailEnd type="none" w="med" len="med"/>
+                    </a:lnL>
+                    <a:lnR w="9525" cap="flat" cmpd="sng" algn="ctr">
+                      <a:solidFill>
+                        <a:srgbClr val="5053EB"/>
+                      </a:solidFill>
+                      <a:prstDash val="solid"/>
+                      <a:round/>
+                      <a:headEnd type="none" w="med" len="med"/>
+                      <a:tailEnd type="none" w="med" len="med"/>
+                    </a:lnR>
+                    <a:lnT w="9525" cap="flat" cmpd="sng" algn="ctr">
+                      <a:solidFill>
+                        <a:srgbClr val="1054EB"/>
+                      </a:solidFill>
+                      <a:prstDash val="solid"/>
+                      <a:round/>
+                      <a:headEnd type="none" w="med" len="med"/>
+                      <a:tailEnd type="none" w="med" len="med"/>
+                    </a:lnT>
+                    <a:lnB w="9525" cap="flat" cmpd="sng" algn="ctr">
+                      <a:solidFill>
+                        <a:srgbClr val="1052EB"/>
+                      </a:solidFill>
+                      <a:prstDash val="solid"/>
+                      <a:round/>
+                      <a:headEnd type="none" w="med" len="med"/>
+                      <a:tailEnd type="none" w="med" len="med"/>
+                    </a:lnB>
+                    <a:solidFill>
+                      <a:srgbClr val="1A1A1A"/>
+                    </a:solidFill>
+                  </a:tcPr>
+                </a:tc>
+                <a:tc>
+                  <a:txBody>
+                    <a:bodyPr/>
+                    <a:lstStyle/>
+                    <a:p>
+                      <a:r>
+                        <a:rPr lang="en-US" sz="1100">
+                          <a:effectLst/>
+                        </a:rPr>
+                        <a:t>Approach</a:t>
+                      </a:r>
+                    </a:p>
+                  </a:txBody>
+                  <a:tcPr marL="57150" marR="57150" marT="38100" marB="38100" anchor="ctr">
+                    <a:lnL w="9525" cap="flat" cmpd="sng" algn="ctr">
+                      <a:solidFill>
+                        <a:srgbClr val="5053EB"/>
+                      </a:solidFill>
+                      <a:prstDash val="solid"/>
+                      <a:round/>
+                      <a:headEnd type="none" w="med" len="med"/>
+                      <a:tailEnd type="none" w="med" len="med"/>
+                    </a:lnL>
+                    <a:lnR w="9525" cap="flat" cmpd="sng" algn="ctr">
+                      <a:solidFill>
+                        <a:srgbClr val="1054EB"/>
+                      </a:solidFill>
+                      <a:prstDash val="solid"/>
+                      <a:round/>
+                      <a:headEnd type="none" w="med" len="med"/>
+                      <a:tailEnd type="none" w="med" len="med"/>
+                    </a:lnR>
+                    <a:lnT w="9525" cap="flat" cmpd="sng" algn="ctr">
+                      <a:solidFill>
+                        <a:srgbClr val="5053EB"/>
+                      </a:solidFill>
+                      <a:prstDash val="solid"/>
+                      <a:round/>
+                      <a:headEnd type="none" w="med" len="med"/>
+                      <a:tailEnd type="none" w="med" len="med"/>
+                    </a:lnT>
+                    <a:lnB w="9525" cap="flat" cmpd="sng" algn="ctr">
+                      <a:solidFill>
+                        <a:srgbClr val="905EEB"/>
+                      </a:solidFill>
+                      <a:prstDash val="solid"/>
+                      <a:round/>
+                      <a:headEnd type="none" w="med" len="med"/>
+                      <a:tailEnd type="none" w="med" len="med"/>
+                    </a:lnB>
+                    <a:solidFill>
+                      <a:srgbClr val="1A1A1A"/>
+                    </a:solidFill>
+                  </a:tcPr>
+                </a:tc>
+                <a:tc>
+                  <a:txBody>
+                    <a:bodyPr/>
+                    <a:lstStyle/>
+                    <a:p>
+                      <a:r>
+                        <a:rPr lang="en-US" sz="1100">
+                          <a:effectLst/>
+                        </a:rPr>
+                        <a:t>Efficiency</a:t>
+                      </a:r>
+                    </a:p>
+                  </a:txBody>
+                  <a:tcPr marL="57150" marR="57150" marT="38100" marB="38100" anchor="ctr">
+                    <a:lnL w="9525" cap="flat" cmpd="sng" algn="ctr">
+                      <a:solidFill>
+                        <a:srgbClr val="1054EB"/>
+                      </a:solidFill>
+                      <a:prstDash val="solid"/>
+                      <a:round/>
+                      <a:headEnd type="none" w="med" len="med"/>
+                      <a:tailEnd type="none" w="med" len="med"/>
+                    </a:lnL>
+                    <a:lnR w="9525" cap="flat" cmpd="sng" algn="ctr">
+                      <a:solidFill>
+                        <a:srgbClr val="1054EB"/>
+                      </a:solidFill>
+                      <a:prstDash val="solid"/>
+                      <a:round/>
+                      <a:headEnd type="none" w="med" len="med"/>
+                      <a:tailEnd type="none" w="med" len="med"/>
+                    </a:lnR>
+                    <a:lnT w="9525" cap="flat" cmpd="sng" algn="ctr">
+                      <a:solidFill>
+                        <a:srgbClr val="1054EB"/>
+                      </a:solidFill>
+                      <a:prstDash val="solid"/>
+                      <a:round/>
+                      <a:headEnd type="none" w="med" len="med"/>
+                      <a:tailEnd type="none" w="med" len="med"/>
+                    </a:lnT>
+                    <a:lnB w="9525" cap="flat" cmpd="sng" algn="ctr">
+                      <a:solidFill>
+                        <a:srgbClr val="D05BEB"/>
+                      </a:solidFill>
+                      <a:prstDash val="solid"/>
+                      <a:round/>
+                      <a:headEnd type="none" w="med" len="med"/>
+                      <a:tailEnd type="none" w="med" len="med"/>
+                    </a:lnB>
+                    <a:solidFill>
+                      <a:srgbClr val="1A1A1A"/>
+                    </a:solidFill>
+                  </a:tcPr>
+                </a:tc>
+                <a:extLst>
+                  <a:ext uri="{0D108BD9-81ED-4DB2-BD59-A6C34878D82A}">
+                    <a16:rowId xmlns:a16="http://schemas.microsoft.com/office/drawing/2014/main" val="3782324453"/>
+                  </a:ext>
+                </a:extLst>
+              </a:tr>
+              <a:tr h="0">
+                <a:tc>
+                  <a:txBody>
+                    <a:bodyPr/>
+                    <a:lstStyle/>
+                    <a:p>
+                      <a:r>
+                        <a:rPr lang="en-US" sz="1100">
+                          <a:effectLst/>
+                        </a:rPr>
+                        <a:t>Random Search</a:t>
+                      </a:r>
+                    </a:p>
+                  </a:txBody>
+                  <a:tcPr marL="57150" marR="57150" marT="38100" marB="38100" anchor="ctr">
+                    <a:lnL w="9525" cap="flat" cmpd="sng" algn="ctr">
+                      <a:solidFill>
+                        <a:srgbClr val="1052EB"/>
+                      </a:solidFill>
+                      <a:prstDash val="solid"/>
+                      <a:round/>
+                      <a:headEnd type="none" w="med" len="med"/>
+                      <a:tailEnd type="none" w="med" len="med"/>
+                    </a:lnL>
+                    <a:lnR w="9525" cap="flat" cmpd="sng" algn="ctr">
+                      <a:solidFill>
+                        <a:srgbClr val="905EEB"/>
+                      </a:solidFill>
+                      <a:prstDash val="solid"/>
+                      <a:round/>
+                      <a:headEnd type="none" w="med" len="med"/>
+                      <a:tailEnd type="none" w="med" len="med"/>
+                    </a:lnR>
+                    <a:lnT w="9525" cap="flat" cmpd="sng" algn="ctr">
+                      <a:solidFill>
+                        <a:srgbClr val="1052EB"/>
+                      </a:solidFill>
+                      <a:prstDash val="solid"/>
+                      <a:round/>
+                      <a:headEnd type="none" w="med" len="med"/>
+                      <a:tailEnd type="none" w="med" len="med"/>
+                    </a:lnT>
+                    <a:lnB w="9525" cap="flat" cmpd="sng" algn="ctr">
+                      <a:solidFill>
+                        <a:srgbClr val="1063EB"/>
+                      </a:solidFill>
+                      <a:prstDash val="solid"/>
+                      <a:round/>
+                      <a:headEnd type="none" w="med" len="med"/>
+                      <a:tailEnd type="none" w="med" len="med"/>
+                    </a:lnB>
+                    <a:solidFill>
+                      <a:srgbClr val="1A1A1A"/>
+                    </a:solidFill>
+                  </a:tcPr>
+                </a:tc>
+                <a:tc>
+                  <a:txBody>
+                    <a:bodyPr/>
+                    <a:lstStyle/>
+                    <a:p>
+                      <a:r>
+                        <a:rPr lang="en-US" sz="1100">
+                          <a:effectLst/>
+                        </a:rPr>
+                        <a:t>Sample randomly</a:t>
+                      </a:r>
+                    </a:p>
+                  </a:txBody>
+                  <a:tcPr marL="57150" marR="57150" marT="38100" marB="38100" anchor="ctr">
+                    <a:lnL w="9525" cap="flat" cmpd="sng" algn="ctr">
+                      <a:solidFill>
+                        <a:srgbClr val="905EEB"/>
+                      </a:solidFill>
+                      <a:prstDash val="solid"/>
+                      <a:round/>
+                      <a:headEnd type="none" w="med" len="med"/>
+                      <a:tailEnd type="none" w="med" len="med"/>
+                    </a:lnL>
+                    <a:lnR w="9525" cap="flat" cmpd="sng" algn="ctr">
+                      <a:solidFill>
+                        <a:srgbClr val="D05BEB"/>
+                      </a:solidFill>
+                      <a:prstDash val="solid"/>
+                      <a:round/>
+                      <a:headEnd type="none" w="med" len="med"/>
+                      <a:tailEnd type="none" w="med" len="med"/>
+                    </a:lnR>
+                    <a:lnT w="9525" cap="flat" cmpd="sng" algn="ctr">
+                      <a:solidFill>
+                        <a:srgbClr val="905EEB"/>
+                      </a:solidFill>
+                      <a:prstDash val="solid"/>
+                      <a:round/>
+                      <a:headEnd type="none" w="med" len="med"/>
+                      <a:tailEnd type="none" w="med" len="med"/>
+                    </a:lnT>
+                    <a:lnB w="9525" cap="flat" cmpd="sng" algn="ctr">
+                      <a:solidFill>
+                        <a:srgbClr val="D05DEB"/>
+                      </a:solidFill>
+                      <a:prstDash val="solid"/>
+                      <a:round/>
+                      <a:headEnd type="none" w="med" len="med"/>
+                      <a:tailEnd type="none" w="med" len="med"/>
+                    </a:lnB>
+                    <a:solidFill>
+                      <a:srgbClr val="1A1A1A"/>
+                    </a:solidFill>
+                  </a:tcPr>
+                </a:tc>
+                <a:tc>
+                  <a:txBody>
+                    <a:bodyPr/>
+                    <a:lstStyle/>
+                    <a:p>
+                      <a:r>
+                        <a:rPr lang="en-US" sz="1100">
+                          <a:effectLst/>
+                        </a:rPr>
+                        <a:t>Baseline</a:t>
+                      </a:r>
+                    </a:p>
+                  </a:txBody>
+                  <a:tcPr marL="57150" marR="57150" marT="38100" marB="38100" anchor="ctr">
+                    <a:lnL w="9525" cap="flat" cmpd="sng" algn="ctr">
+                      <a:solidFill>
+                        <a:srgbClr val="D05BEB"/>
+                      </a:solidFill>
+                      <a:prstDash val="solid"/>
+                      <a:round/>
+                      <a:headEnd type="none" w="med" len="med"/>
+                      <a:tailEnd type="none" w="med" len="med"/>
+                    </a:lnL>
+                    <a:lnR w="9525" cap="flat" cmpd="sng" algn="ctr">
+                      <a:solidFill>
+                        <a:srgbClr val="D05BEB"/>
+                      </a:solidFill>
+                      <a:prstDash val="solid"/>
+                      <a:round/>
+                      <a:headEnd type="none" w="med" len="med"/>
+                      <a:tailEnd type="none" w="med" len="med"/>
+                    </a:lnR>
+                    <a:lnT w="9525" cap="flat" cmpd="sng" algn="ctr">
+                      <a:solidFill>
+                        <a:srgbClr val="D05BEB"/>
+                      </a:solidFill>
+                      <a:prstDash val="solid"/>
+                      <a:round/>
+                      <a:headEnd type="none" w="med" len="med"/>
+                      <a:tailEnd type="none" w="med" len="med"/>
+                    </a:lnT>
+                    <a:lnB w="9525" cap="flat" cmpd="sng" algn="ctr">
+                      <a:solidFill>
+                        <a:srgbClr val="9059EB"/>
+                      </a:solidFill>
+                      <a:prstDash val="solid"/>
+                      <a:round/>
+                      <a:headEnd type="none" w="med" len="med"/>
+                      <a:tailEnd type="none" w="med" len="med"/>
+                    </a:lnB>
+                    <a:solidFill>
+                      <a:srgbClr val="1A1A1A"/>
+                    </a:solidFill>
+                  </a:tcPr>
+                </a:tc>
+                <a:extLst>
+                  <a:ext uri="{0D108BD9-81ED-4DB2-BD59-A6C34878D82A}">
+                    <a16:rowId xmlns:a16="http://schemas.microsoft.com/office/drawing/2014/main" val="1170116951"/>
+                  </a:ext>
+                </a:extLst>
+              </a:tr>
+              <a:tr h="0">
+                <a:tc>
+                  <a:txBody>
+                    <a:bodyPr/>
+                    <a:lstStyle/>
+                    <a:p>
+                      <a:r>
+                        <a:rPr lang="en-US" sz="1100">
+                          <a:effectLst/>
+                        </a:rPr>
+                        <a:t>Bayesian Opt</a:t>
+                      </a:r>
+                    </a:p>
+                  </a:txBody>
+                  <a:tcPr marL="57150" marR="57150" marT="38100" marB="38100" anchor="ctr">
+                    <a:lnL w="9525" cap="flat" cmpd="sng" algn="ctr">
+                      <a:solidFill>
+                        <a:srgbClr val="1063EB"/>
+                      </a:solidFill>
+                      <a:prstDash val="solid"/>
+                      <a:round/>
+                      <a:headEnd type="none" w="med" len="med"/>
+                      <a:tailEnd type="none" w="med" len="med"/>
+                    </a:lnL>
+                    <a:lnR w="9525" cap="flat" cmpd="sng" algn="ctr">
+                      <a:solidFill>
+                        <a:srgbClr val="D05DEB"/>
+                      </a:solidFill>
+                      <a:prstDash val="solid"/>
+                      <a:round/>
+                      <a:headEnd type="none" w="med" len="med"/>
+                      <a:tailEnd type="none" w="med" len="med"/>
+                    </a:lnR>
+                    <a:lnT w="9525" cap="flat" cmpd="sng" algn="ctr">
+                      <a:solidFill>
+                        <a:srgbClr val="1063EB"/>
+                      </a:solidFill>
+                      <a:prstDash val="solid"/>
+                      <a:round/>
+                      <a:headEnd type="none" w="med" len="med"/>
+                      <a:tailEnd type="none" w="med" len="med"/>
+                    </a:lnT>
+                    <a:lnB w="9525" cap="flat" cmpd="sng" algn="ctr">
+                      <a:solidFill>
+                        <a:srgbClr val="1071EB"/>
+                      </a:solidFill>
+                      <a:prstDash val="solid"/>
+                      <a:round/>
+                      <a:headEnd type="none" w="med" len="med"/>
+                      <a:tailEnd type="none" w="med" len="med"/>
+                    </a:lnB>
+                    <a:solidFill>
+                      <a:srgbClr val="1A1A1A"/>
+                    </a:solidFill>
+                  </a:tcPr>
+                </a:tc>
+                <a:tc>
+                  <a:txBody>
+                    <a:bodyPr/>
+                    <a:lstStyle/>
+                    <a:p>
+                      <a:r>
+                        <a:rPr lang="en-US" sz="1100" dirty="0">
+                          <a:effectLst/>
+                        </a:rPr>
+                        <a:t>Gaussian process guided</a:t>
+                      </a:r>
+                    </a:p>
+                  </a:txBody>
+                  <a:tcPr marL="57150" marR="57150" marT="38100" marB="38100" anchor="ctr">
+                    <a:lnL w="9525" cap="flat" cmpd="sng" algn="ctr">
+                      <a:solidFill>
+                        <a:srgbClr val="D05DEB"/>
+                      </a:solidFill>
+                      <a:prstDash val="solid"/>
+                      <a:round/>
+                      <a:headEnd type="none" w="med" len="med"/>
+                      <a:tailEnd type="none" w="med" len="med"/>
+                    </a:lnL>
+                    <a:lnR w="9525" cap="flat" cmpd="sng" algn="ctr">
+                      <a:solidFill>
+                        <a:srgbClr val="9059EB"/>
+                      </a:solidFill>
+                      <a:prstDash val="solid"/>
+                      <a:round/>
+                      <a:headEnd type="none" w="med" len="med"/>
+                      <a:tailEnd type="none" w="med" len="med"/>
+                    </a:lnR>
+                    <a:lnT w="9525" cap="flat" cmpd="sng" algn="ctr">
+                      <a:solidFill>
+                        <a:srgbClr val="D05DEB"/>
+                      </a:solidFill>
+                      <a:prstDash val="solid"/>
+                      <a:round/>
+                      <a:headEnd type="none" w="med" len="med"/>
+                      <a:tailEnd type="none" w="med" len="med"/>
+                    </a:lnT>
+                    <a:lnB w="9525" cap="flat" cmpd="sng" algn="ctr">
+                      <a:solidFill>
+                        <a:srgbClr val="5069EB"/>
+                      </a:solidFill>
+                      <a:prstDash val="solid"/>
+                      <a:round/>
+                      <a:headEnd type="none" w="med" len="med"/>
+                      <a:tailEnd type="none" w="med" len="med"/>
+                    </a:lnB>
+                    <a:solidFill>
+                      <a:srgbClr val="1A1A1A"/>
+                    </a:solidFill>
+                  </a:tcPr>
+                </a:tc>
+                <a:tc>
+                  <a:txBody>
+                    <a:bodyPr/>
+                    <a:lstStyle/>
+                    <a:p>
+                      <a:r>
+                        <a:rPr lang="en-US" sz="1100">
+                          <a:effectLst/>
+                        </a:rPr>
+                        <a:t>High</a:t>
+                      </a:r>
+                    </a:p>
+                  </a:txBody>
+                  <a:tcPr marL="57150" marR="57150" marT="38100" marB="38100" anchor="ctr">
+                    <a:lnL w="9525" cap="flat" cmpd="sng" algn="ctr">
+                      <a:solidFill>
+                        <a:srgbClr val="9059EB"/>
+                      </a:solidFill>
+                      <a:prstDash val="solid"/>
+                      <a:round/>
+                      <a:headEnd type="none" w="med" len="med"/>
+                      <a:tailEnd type="none" w="med" len="med"/>
+                    </a:lnL>
+                    <a:lnR w="9525" cap="flat" cmpd="sng" algn="ctr">
+                      <a:solidFill>
+                        <a:srgbClr val="9059EB"/>
+                      </a:solidFill>
+                      <a:prstDash val="solid"/>
+                      <a:round/>
+                      <a:headEnd type="none" w="med" len="med"/>
+                      <a:tailEnd type="none" w="med" len="med"/>
+                    </a:lnR>
+                    <a:lnT w="9525" cap="flat" cmpd="sng" algn="ctr">
+                      <a:solidFill>
+                        <a:srgbClr val="9059EB"/>
+                      </a:solidFill>
+                      <a:prstDash val="solid"/>
+                      <a:round/>
+                      <a:headEnd type="none" w="med" len="med"/>
+                      <a:tailEnd type="none" w="med" len="med"/>
+                    </a:lnT>
+                    <a:lnB w="9525" cap="flat" cmpd="sng" algn="ctr">
+                      <a:solidFill>
+                        <a:srgbClr val="D06EEB"/>
+                      </a:solidFill>
+                      <a:prstDash val="solid"/>
+                      <a:round/>
+                      <a:headEnd type="none" w="med" len="med"/>
+                      <a:tailEnd type="none" w="med" len="med"/>
+                    </a:lnB>
+                    <a:solidFill>
+                      <a:srgbClr val="1A1A1A"/>
+                    </a:solidFill>
+                  </a:tcPr>
+                </a:tc>
+                <a:extLst>
+                  <a:ext uri="{0D108BD9-81ED-4DB2-BD59-A6C34878D82A}">
+                    <a16:rowId xmlns:a16="http://schemas.microsoft.com/office/drawing/2014/main" val="230170068"/>
+                  </a:ext>
+                </a:extLst>
+              </a:tr>
+              <a:tr h="0">
+                <a:tc>
+                  <a:txBody>
+                    <a:bodyPr/>
+                    <a:lstStyle/>
+                    <a:p>
+                      <a:r>
+                        <a:rPr lang="en-US" sz="1100">
+                          <a:effectLst/>
+                        </a:rPr>
+                        <a:t>Hyperband</a:t>
+                      </a:r>
+                    </a:p>
+                  </a:txBody>
+                  <a:tcPr marL="57150" marR="57150" marT="38100" marB="38100" anchor="ctr">
+                    <a:lnL w="9525" cap="flat" cmpd="sng" algn="ctr">
+                      <a:solidFill>
+                        <a:srgbClr val="1071EB"/>
+                      </a:solidFill>
+                      <a:prstDash val="solid"/>
+                      <a:round/>
+                      <a:headEnd type="none" w="med" len="med"/>
+                      <a:tailEnd type="none" w="med" len="med"/>
+                    </a:lnL>
+                    <a:lnR w="9525" cap="flat" cmpd="sng" algn="ctr">
+                      <a:solidFill>
+                        <a:srgbClr val="5069EB"/>
+                      </a:solidFill>
+                      <a:prstDash val="solid"/>
+                      <a:round/>
+                      <a:headEnd type="none" w="med" len="med"/>
+                      <a:tailEnd type="none" w="med" len="med"/>
+                    </a:lnR>
+                    <a:lnT w="9525" cap="flat" cmpd="sng" algn="ctr">
+                      <a:solidFill>
+                        <a:srgbClr val="1071EB"/>
+                      </a:solidFill>
+                      <a:prstDash val="solid"/>
+                      <a:round/>
+                      <a:headEnd type="none" w="med" len="med"/>
+                      <a:tailEnd type="none" w="med" len="med"/>
+                    </a:lnT>
+                    <a:lnB w="9525" cap="flat" cmpd="sng" algn="ctr">
+                      <a:solidFill>
+                        <a:srgbClr val="1071EB"/>
+                      </a:solidFill>
+                      <a:prstDash val="solid"/>
+                      <a:round/>
+                      <a:headEnd type="none" w="med" len="med"/>
+                      <a:tailEnd type="none" w="med" len="med"/>
+                    </a:lnB>
+                    <a:solidFill>
+                      <a:srgbClr val="1A1A1A"/>
+                    </a:solidFill>
+                  </a:tcPr>
+                </a:tc>
+                <a:tc>
+                  <a:txBody>
+                    <a:bodyPr/>
+                    <a:lstStyle/>
+                    <a:p>
+                      <a:r>
+                        <a:rPr lang="en-US" sz="1100">
+                          <a:effectLst/>
+                        </a:rPr>
+                        <a:t>Early stopping + resource allocation</a:t>
+                      </a:r>
+                    </a:p>
+                  </a:txBody>
+                  <a:tcPr marL="57150" marR="57150" marT="38100" marB="38100" anchor="ctr">
+                    <a:lnL w="9525" cap="flat" cmpd="sng" algn="ctr">
+                      <a:solidFill>
+                        <a:srgbClr val="5069EB"/>
+                      </a:solidFill>
+                      <a:prstDash val="solid"/>
+                      <a:round/>
+                      <a:headEnd type="none" w="med" len="med"/>
+                      <a:tailEnd type="none" w="med" len="med"/>
+                    </a:lnL>
+                    <a:lnR w="9525" cap="flat" cmpd="sng" algn="ctr">
+                      <a:solidFill>
+                        <a:srgbClr val="D06EEB"/>
+                      </a:solidFill>
+                      <a:prstDash val="solid"/>
+                      <a:round/>
+                      <a:headEnd type="none" w="med" len="med"/>
+                      <a:tailEnd type="none" w="med" len="med"/>
+                    </a:lnR>
+                    <a:lnT w="9525" cap="flat" cmpd="sng" algn="ctr">
+                      <a:solidFill>
+                        <a:srgbClr val="5069EB"/>
+                      </a:solidFill>
+                      <a:prstDash val="solid"/>
+                      <a:round/>
+                      <a:headEnd type="none" w="med" len="med"/>
+                      <a:tailEnd type="none" w="med" len="med"/>
+                    </a:lnT>
+                    <a:lnB w="9525" cap="flat" cmpd="sng" algn="ctr">
+                      <a:solidFill>
+                        <a:srgbClr val="5069EB"/>
+                      </a:solidFill>
+                      <a:prstDash val="solid"/>
+                      <a:round/>
+                      <a:headEnd type="none" w="med" len="med"/>
+                      <a:tailEnd type="none" w="med" len="med"/>
+                    </a:lnB>
+                    <a:solidFill>
+                      <a:srgbClr val="1A1A1A"/>
+                    </a:solidFill>
+                  </a:tcPr>
+                </a:tc>
+                <a:tc>
+                  <a:txBody>
+                    <a:bodyPr/>
+                    <a:lstStyle/>
+                    <a:p>
+                      <a:r>
+                        <a:rPr lang="en-US" sz="1100" dirty="0">
+                          <a:effectLst/>
+                        </a:rPr>
+                        <a:t>Very High</a:t>
+                      </a:r>
+                    </a:p>
+                  </a:txBody>
+                  <a:tcPr marL="57150" marR="57150" marT="38100" marB="38100" anchor="ctr">
+                    <a:lnL w="9525" cap="flat" cmpd="sng" algn="ctr">
+                      <a:solidFill>
+                        <a:srgbClr val="D06EEB"/>
+                      </a:solidFill>
+                      <a:prstDash val="solid"/>
+                      <a:round/>
+                      <a:headEnd type="none" w="med" len="med"/>
+                      <a:tailEnd type="none" w="med" len="med"/>
+                    </a:lnL>
+                    <a:lnR w="9525" cap="flat" cmpd="sng" algn="ctr">
+                      <a:solidFill>
+                        <a:srgbClr val="D06EEB"/>
+                      </a:solidFill>
+                      <a:prstDash val="solid"/>
+                      <a:round/>
+                      <a:headEnd type="none" w="med" len="med"/>
+                      <a:tailEnd type="none" w="med" len="med"/>
+                    </a:lnR>
+                    <a:lnT w="9525" cap="flat" cmpd="sng" algn="ctr">
+                      <a:solidFill>
+                        <a:srgbClr val="D06EEB"/>
+                      </a:solidFill>
+                      <a:prstDash val="solid"/>
+                      <a:round/>
+                      <a:headEnd type="none" w="med" len="med"/>
+                      <a:tailEnd type="none" w="med" len="med"/>
+                    </a:lnT>
+                    <a:lnB w="9525" cap="flat" cmpd="sng" algn="ctr">
+                      <a:solidFill>
+                        <a:srgbClr val="D06EEB"/>
+                      </a:solidFill>
+                      <a:prstDash val="solid"/>
+                      <a:round/>
+                      <a:headEnd type="none" w="med" len="med"/>
+                      <a:tailEnd type="none" w="med" len="med"/>
+                    </a:lnB>
+                    <a:solidFill>
+                      <a:srgbClr val="1A1A1A"/>
+                    </a:solidFill>
+                  </a:tcPr>
+                </a:tc>
+                <a:extLst>
+                  <a:ext uri="{0D108BD9-81ED-4DB2-BD59-A6C34878D82A}">
+                    <a16:rowId xmlns:a16="http://schemas.microsoft.com/office/drawing/2014/main" val="2996848852"/>
+                  </a:ext>
+                </a:extLst>
+              </a:tr>
+            </a:tbl>
+          </a:graphicData>
+        </a:graphic>
+      </p:graphicFrame>
+    </p:spTree>
+    <p:extLst>
+      <p:ext uri="{BB962C8B-B14F-4D97-AF65-F5344CB8AC3E}">
+        <p14:creationId xmlns:p14="http://schemas.microsoft.com/office/powerpoint/2010/main" val="4225096312"/>
+      </p:ext>
+    </p:extLst>
   </p:cSld>
   <p:clrMapOvr>
     <a:masterClrMapping/>
